--- a/Project Elaboration P1.pptx
+++ b/Project Elaboration P1.pptx
@@ -10,18 +10,21 @@
     <p:sldId id="261" r:id="rId4"/>
     <p:sldId id="264" r:id="rId5"/>
     <p:sldId id="272" r:id="rId6"/>
-    <p:sldId id="273" r:id="rId7"/>
-    <p:sldId id="269" r:id="rId8"/>
-    <p:sldId id="270" r:id="rId9"/>
-    <p:sldId id="271" r:id="rId10"/>
-    <p:sldId id="266" r:id="rId11"/>
-    <p:sldId id="267" r:id="rId12"/>
-    <p:sldId id="268" r:id="rId13"/>
-    <p:sldId id="257" r:id="rId14"/>
-    <p:sldId id="263" r:id="rId15"/>
-    <p:sldId id="262" r:id="rId16"/>
-    <p:sldId id="275" r:id="rId17"/>
-    <p:sldId id="274" r:id="rId18"/>
+    <p:sldId id="279" r:id="rId7"/>
+    <p:sldId id="277" r:id="rId8"/>
+    <p:sldId id="278" r:id="rId9"/>
+    <p:sldId id="273" r:id="rId10"/>
+    <p:sldId id="269" r:id="rId11"/>
+    <p:sldId id="270" r:id="rId12"/>
+    <p:sldId id="271" r:id="rId13"/>
+    <p:sldId id="266" r:id="rId14"/>
+    <p:sldId id="267" r:id="rId15"/>
+    <p:sldId id="268" r:id="rId16"/>
+    <p:sldId id="257" r:id="rId17"/>
+    <p:sldId id="263" r:id="rId18"/>
+    <p:sldId id="262" r:id="rId19"/>
+    <p:sldId id="275" r:id="rId20"/>
+    <p:sldId id="274" r:id="rId21"/>
   </p:sldIdLst>
   <p:sldSz cx="12192000" cy="6858000"/>
   <p:notesSz cx="6858000" cy="9144000"/>
@@ -3719,7 +3722,7 @@
     <p:bg>
       <p:bgPr>
         <a:solidFill>
-          <a:schemeClr val="bg1"/>
+          <a:schemeClr val="bg2"/>
         </a:solidFill>
         <a:effectLst/>
       </p:bgPr>
@@ -3740,10 +3743,10 @@
       </p:grpSpPr>
       <p:sp>
         <p:nvSpPr>
-          <p:cNvPr id="10" name="Rectangle 9">
-            <a:extLst>
-              <a:ext uri="{FF2B5EF4-FFF2-40B4-BE49-F238E27FC236}">
-                <a16:creationId xmlns:a16="http://schemas.microsoft.com/office/drawing/2014/main" id="{AB45A142-4255-493C-8284-5D566C121B10}"/>
+          <p:cNvPr id="24" name="Rectangle: Rounded Corners 23">
+            <a:extLst>
+              <a:ext uri="{FF2B5EF4-FFF2-40B4-BE49-F238E27FC236}">
+                <a16:creationId xmlns:a16="http://schemas.microsoft.com/office/drawing/2014/main" id="{6AA24DE7-C336-4994-8C52-D9B3F3D0FA4D}"/>
               </a:ext>
             </a:extLst>
           </p:cNvPr>
@@ -3758,27 +3761,21 @@
             </p:extLst>
           </p:nvPr>
         </p:nvSpPr>
-        <p:spPr bwMode="ltGray">
-          <a:xfrm>
-            <a:off x="336884" y="321177"/>
-            <a:ext cx="4332307" cy="6179552"/>
-          </a:xfrm>
-          <a:prstGeom prst="rect">
-            <a:avLst/>
+        <p:spPr>
+          <a:xfrm>
+            <a:off x="953311" y="953311"/>
+            <a:ext cx="10603149" cy="5263867"/>
+          </a:xfrm>
+          <a:prstGeom prst="roundRect">
+            <a:avLst>
+              <a:gd name="adj" fmla="val 1566"/>
+            </a:avLst>
           </a:prstGeom>
           <a:solidFill>
-            <a:schemeClr val="tx1">
-              <a:lumMod val="75000"/>
-              <a:lumOff val="25000"/>
-            </a:schemeClr>
+            <a:srgbClr val="FFFFFF"/>
           </a:solidFill>
-          <a:ln w="127000" cap="sq" cmpd="thinThick">
-            <a:solidFill>
-              <a:schemeClr val="tx1">
-                <a:lumMod val="75000"/>
-                <a:lumOff val="25000"/>
-              </a:schemeClr>
-            </a:solidFill>
+          <a:ln>
+            <a:noFill/>
           </a:ln>
         </p:spPr>
         <p:style>
@@ -3806,146 +3803,19 @@
           </a:p>
         </p:txBody>
       </p:sp>
-      <p:cxnSp>
-        <p:nvCxnSpPr>
-          <p:cNvPr id="12" name="Straight Connector 11">
-            <a:extLst>
-              <a:ext uri="{FF2B5EF4-FFF2-40B4-BE49-F238E27FC236}">
-                <a16:creationId xmlns:a16="http://schemas.microsoft.com/office/drawing/2014/main" id="{38FB9660-F42F-4313-BBC4-47C007FE484C}"/>
-              </a:ext>
-            </a:extLst>
-          </p:cNvPr>
-          <p:cNvCxnSpPr>
-            <a:cxnSpLocks noGrp="1" noRot="1" noChangeAspect="1" noMove="1" noResize="1" noEditPoints="1" noAdjustHandles="1" noChangeArrowheads="1" noChangeShapeType="1"/>
-          </p:cNvCxnSpPr>
-          <p:nvPr>
-            <p:extLst>
-              <p:ext uri="{386F3935-93C4-4BCD-93E2-E3B085C9AB24}">
-                <p16:designElem xmlns:p16="http://schemas.microsoft.com/office/powerpoint/2015/main" val="1"/>
-              </p:ext>
-            </p:extLst>
-          </p:nvPr>
-        </p:nvCxnSpPr>
-        <p:spPr>
-          <a:xfrm>
-            <a:off x="1191126" y="3910267"/>
-            <a:ext cx="2586790" cy="0"/>
-          </a:xfrm>
-          <a:prstGeom prst="line">
-            <a:avLst/>
-          </a:prstGeom>
-          <a:ln w="22225">
-            <a:solidFill>
-              <a:schemeClr val="bg1">
-                <a:lumMod val="85000"/>
-              </a:schemeClr>
-            </a:solidFill>
-          </a:ln>
-        </p:spPr>
-        <p:style>
-          <a:lnRef idx="1">
-            <a:schemeClr val="accent1"/>
-          </a:lnRef>
-          <a:fillRef idx="0">
-            <a:schemeClr val="accent1"/>
-          </a:fillRef>
-          <a:effectRef idx="0">
-            <a:schemeClr val="accent1"/>
-          </a:effectRef>
-          <a:fontRef idx="minor">
-            <a:schemeClr val="tx1"/>
-          </a:fontRef>
-        </p:style>
-      </p:cxnSp>
-      <p:sp>
-        <p:nvSpPr>
-          <p:cNvPr id="2" name="Title 1">
-            <a:extLst>
-              <a:ext uri="{FF2B5EF4-FFF2-40B4-BE49-F238E27FC236}">
-                <a16:creationId xmlns:a16="http://schemas.microsoft.com/office/drawing/2014/main" id="{20D60239-8CB4-410A-BC9B-6BA24B25111F}"/>
-              </a:ext>
-            </a:extLst>
-          </p:cNvPr>
-          <p:cNvSpPr>
-            <a:spLocks noGrp="1"/>
-          </p:cNvSpPr>
-          <p:nvPr>
-            <p:ph type="title"/>
-          </p:nvPr>
-        </p:nvSpPr>
-        <p:spPr>
-          <a:xfrm>
-            <a:off x="655721" y="1967163"/>
-            <a:ext cx="3657600" cy="2887579"/>
-          </a:xfrm>
-        </p:spPr>
-        <p:txBody>
-          <a:bodyPr vert="horz" lIns="91440" tIns="45720" rIns="91440" bIns="45720" rtlCol="0" anchor="b">
-            <a:normAutofit fontScale="90000"/>
-          </a:bodyPr>
-          <a:lstStyle/>
-          <a:p>
-            <a:pPr algn="ctr"/>
-            <a:r>
-              <a:rPr lang="en-US" sz="4800" kern="1200" dirty="0">
-                <a:solidFill>
-                  <a:schemeClr val="bg1"/>
-                </a:solidFill>
-                <a:latin typeface="+mj-lt"/>
-                <a:ea typeface="+mj-ea"/>
-                <a:cs typeface="+mj-cs"/>
-              </a:rPr>
-              <a:t>System Sequence Diagram</a:t>
-            </a:r>
-            <a:br>
-              <a:rPr lang="en-US" sz="4800" kern="1200" dirty="0">
-                <a:solidFill>
-                  <a:schemeClr val="bg1"/>
-                </a:solidFill>
-                <a:latin typeface="+mj-lt"/>
-                <a:ea typeface="+mj-ea"/>
-                <a:cs typeface="+mj-cs"/>
-              </a:rPr>
-            </a:br>
-            <a:br>
-              <a:rPr lang="en-US" sz="4800" kern="1200" dirty="0">
-                <a:solidFill>
-                  <a:schemeClr val="bg1"/>
-                </a:solidFill>
-                <a:latin typeface="+mj-lt"/>
-                <a:ea typeface="+mj-ea"/>
-                <a:cs typeface="+mj-cs"/>
-              </a:rPr>
-            </a:br>
-            <a:r>
-              <a:rPr lang="en-US" sz="4800" kern="1200" dirty="0">
-                <a:solidFill>
-                  <a:schemeClr val="bg1"/>
-                </a:solidFill>
-                <a:latin typeface="+mj-lt"/>
-                <a:ea typeface="+mj-ea"/>
-                <a:cs typeface="+mj-cs"/>
-              </a:rPr>
-              <a:t>Event Planner</a:t>
-            </a:r>
-          </a:p>
-        </p:txBody>
-      </p:sp>
       <p:pic>
         <p:nvPicPr>
-          <p:cNvPr id="9" name="Content Placeholder 8">
-            <a:extLst>
-              <a:ext uri="{FF2B5EF4-FFF2-40B4-BE49-F238E27FC236}">
-                <a16:creationId xmlns:a16="http://schemas.microsoft.com/office/drawing/2014/main" id="{92FE5EE5-E2EA-4666-B61E-B4E4DD28B487}"/>
+          <p:cNvPr id="7" name="Content Placeholder 3" descr="A screenshot of a social media post&#10;&#10;Description generated with very high confidence">
+            <a:extLst>
+              <a:ext uri="{FF2B5EF4-FFF2-40B4-BE49-F238E27FC236}">
+                <a16:creationId xmlns:a16="http://schemas.microsoft.com/office/drawing/2014/main" id="{CB4F3628-ADB5-4777-A44D-4E867B50658B}"/>
               </a:ext>
             </a:extLst>
           </p:cNvPr>
           <p:cNvPicPr>
-            <a:picLocks noGrp="1" noChangeAspect="1"/>
+            <a:picLocks noChangeAspect="1"/>
           </p:cNvPicPr>
-          <p:nvPr>
-            <p:ph idx="1"/>
-          </p:nvPr>
+          <p:nvPr/>
         </p:nvPicPr>
         <p:blipFill>
           <a:blip r:embed="rId2"/>
@@ -3955,18 +3825,126 @@
         </p:blipFill>
         <p:spPr>
           <a:xfrm>
-            <a:off x="5736830" y="423050"/>
-            <a:ext cx="5622576" cy="5997415"/>
+            <a:off x="3519871" y="1994717"/>
+            <a:ext cx="7909151" cy="2926386"/>
           </a:xfrm>
           <a:prstGeom prst="rect">
             <a:avLst/>
           </a:prstGeom>
         </p:spPr>
       </p:pic>
+      <p:sp>
+        <p:nvSpPr>
+          <p:cNvPr id="2" name="Title 1">
+            <a:extLst>
+              <a:ext uri="{FF2B5EF4-FFF2-40B4-BE49-F238E27FC236}">
+                <a16:creationId xmlns:a16="http://schemas.microsoft.com/office/drawing/2014/main" id="{8E7BD0A4-3C32-4072-B351-0957CF7039FB}"/>
+              </a:ext>
+            </a:extLst>
+          </p:cNvPr>
+          <p:cNvSpPr>
+            <a:spLocks noGrp="1"/>
+          </p:cNvSpPr>
+          <p:nvPr>
+            <p:ph type="title"/>
+          </p:nvPr>
+        </p:nvSpPr>
+        <p:spPr>
+          <a:xfrm>
+            <a:off x="462527" y="2211828"/>
+            <a:ext cx="2752354" cy="2709275"/>
+          </a:xfrm>
+          <a:prstGeom prst="rect">
+            <a:avLst/>
+          </a:prstGeom>
+          <a:solidFill>
+            <a:schemeClr val="accent1"/>
+          </a:solidFill>
+          <a:ln w="174625" cmpd="thinThick">
+            <a:solidFill>
+              <a:schemeClr val="bg2">
+                <a:lumMod val="25000"/>
+              </a:schemeClr>
+            </a:solidFill>
+          </a:ln>
+        </p:spPr>
+        <p:txBody>
+          <a:bodyPr vert="horz" lIns="91440" tIns="45720" rIns="91440" bIns="45720" rtlCol="0" anchor="ctr">
+            <a:normAutofit/>
+          </a:bodyPr>
+          <a:lstStyle/>
+          <a:p>
+            <a:pPr algn="ctr"/>
+            <a:r>
+              <a:rPr lang="en-US" sz="2800" kern="1200" dirty="0">
+                <a:solidFill>
+                  <a:srgbClr val="FFFFFF"/>
+                </a:solidFill>
+                <a:latin typeface="+mj-lt"/>
+                <a:ea typeface="+mj-ea"/>
+                <a:cs typeface="+mj-cs"/>
+              </a:rPr>
+              <a:t>Use Case Storyboard</a:t>
+            </a:r>
+            <a:br>
+              <a:rPr lang="en-US" sz="2800" kern="1200" dirty="0">
+                <a:solidFill>
+                  <a:srgbClr val="FFFFFF"/>
+                </a:solidFill>
+                <a:latin typeface="+mj-lt"/>
+                <a:ea typeface="+mj-ea"/>
+                <a:cs typeface="+mj-cs"/>
+              </a:rPr>
+            </a:br>
+            <a:r>
+              <a:rPr lang="en-US" sz="2800" kern="1200" dirty="0">
+                <a:solidFill>
+                  <a:srgbClr val="FFFFFF"/>
+                </a:solidFill>
+                <a:latin typeface="+mj-lt"/>
+                <a:ea typeface="+mj-ea"/>
+                <a:cs typeface="+mj-cs"/>
+              </a:rPr>
+              <a:t>____________</a:t>
+            </a:r>
+            <a:br>
+              <a:rPr lang="en-US" sz="2800" kern="1200" dirty="0">
+                <a:solidFill>
+                  <a:srgbClr val="FFFFFF"/>
+                </a:solidFill>
+                <a:latin typeface="+mj-lt"/>
+                <a:ea typeface="+mj-ea"/>
+                <a:cs typeface="+mj-cs"/>
+              </a:rPr>
+            </a:br>
+            <a:br>
+              <a:rPr lang="en-US" sz="2800" kern="1200" dirty="0">
+                <a:solidFill>
+                  <a:srgbClr val="FFFFFF"/>
+                </a:solidFill>
+                <a:latin typeface="+mj-lt"/>
+                <a:ea typeface="+mj-ea"/>
+                <a:cs typeface="+mj-cs"/>
+              </a:rPr>
+            </a:br>
+            <a:r>
+              <a:rPr lang="en-US" sz="2800" kern="1200" dirty="0">
+                <a:solidFill>
+                  <a:srgbClr val="FFFFFF"/>
+                </a:solidFill>
+                <a:latin typeface="+mj-lt"/>
+                <a:ea typeface="+mj-ea"/>
+                <a:cs typeface="+mj-cs"/>
+              </a:rPr>
+              <a:t>Event Planner</a:t>
+            </a:r>
+          </a:p>
+        </p:txBody>
+      </p:sp>
     </p:spTree>
     <p:extLst>
       <p:ext uri="{BB962C8B-B14F-4D97-AF65-F5344CB8AC3E}">
-        <p14:creationId xmlns:p14="http://schemas.microsoft.com/office/powerpoint/2010/main" val="1441654731"/>
+        <p14:creationId xmlns:p14="http://schemas.microsoft.com/office/powerpoint/2010/main" val="3376625427"/>
       </p:ext>
     </p:extLst>
   </p:cSld>
@@ -3982,7 +3960,7 @@
     <p:bg>
       <p:bgPr>
         <a:solidFill>
-          <a:schemeClr val="bg1"/>
+          <a:schemeClr val="bg2"/>
         </a:solidFill>
         <a:effectLst/>
       </p:bgPr>
@@ -4003,10 +3981,10 @@
       </p:grpSpPr>
       <p:sp>
         <p:nvSpPr>
-          <p:cNvPr id="10" name="Rectangle 9">
-            <a:extLst>
-              <a:ext uri="{FF2B5EF4-FFF2-40B4-BE49-F238E27FC236}">
-                <a16:creationId xmlns:a16="http://schemas.microsoft.com/office/drawing/2014/main" id="{AB45A142-4255-493C-8284-5D566C121B10}"/>
+          <p:cNvPr id="24" name="Rectangle: Rounded Corners 23">
+            <a:extLst>
+              <a:ext uri="{FF2B5EF4-FFF2-40B4-BE49-F238E27FC236}">
+                <a16:creationId xmlns:a16="http://schemas.microsoft.com/office/drawing/2014/main" id="{6AA24DE7-C336-4994-8C52-D9B3F3D0FA4D}"/>
               </a:ext>
             </a:extLst>
           </p:cNvPr>
@@ -4021,27 +3999,21 @@
             </p:extLst>
           </p:nvPr>
         </p:nvSpPr>
-        <p:spPr bwMode="ltGray">
-          <a:xfrm>
-            <a:off x="336884" y="321177"/>
-            <a:ext cx="4332307" cy="6179552"/>
-          </a:xfrm>
-          <a:prstGeom prst="rect">
-            <a:avLst/>
+        <p:spPr>
+          <a:xfrm>
+            <a:off x="953311" y="953311"/>
+            <a:ext cx="10603149" cy="5263867"/>
+          </a:xfrm>
+          <a:prstGeom prst="roundRect">
+            <a:avLst>
+              <a:gd name="adj" fmla="val 1566"/>
+            </a:avLst>
           </a:prstGeom>
           <a:solidFill>
-            <a:schemeClr val="tx1">
-              <a:lumMod val="75000"/>
-              <a:lumOff val="25000"/>
-            </a:schemeClr>
+            <a:srgbClr val="FFFFFF"/>
           </a:solidFill>
-          <a:ln w="127000" cap="sq" cmpd="thinThick">
-            <a:solidFill>
-              <a:schemeClr val="tx1">
-                <a:lumMod val="75000"/>
-                <a:lumOff val="25000"/>
-              </a:schemeClr>
-            </a:solidFill>
+          <a:ln>
+            <a:noFill/>
           </a:ln>
         </p:spPr>
         <p:style>
@@ -4069,101 +4041,84 @@
           </a:p>
         </p:txBody>
       </p:sp>
-      <p:cxnSp>
-        <p:nvCxnSpPr>
-          <p:cNvPr id="12" name="Straight Connector 11">
-            <a:extLst>
-              <a:ext uri="{FF2B5EF4-FFF2-40B4-BE49-F238E27FC236}">
-                <a16:creationId xmlns:a16="http://schemas.microsoft.com/office/drawing/2014/main" id="{38FB9660-F42F-4313-BBC4-47C007FE484C}"/>
-              </a:ext>
-            </a:extLst>
-          </p:cNvPr>
-          <p:cNvCxnSpPr>
-            <a:cxnSpLocks noGrp="1" noRot="1" noChangeAspect="1" noMove="1" noResize="1" noEditPoints="1" noAdjustHandles="1" noChangeArrowheads="1" noChangeShapeType="1"/>
-          </p:cNvCxnSpPr>
-          <p:nvPr>
-            <p:extLst>
-              <p:ext uri="{386F3935-93C4-4BCD-93E2-E3B085C9AB24}">
-                <p16:designElem xmlns:p16="http://schemas.microsoft.com/office/powerpoint/2015/main" val="1"/>
-              </p:ext>
-            </p:extLst>
-          </p:nvPr>
-        </p:nvCxnSpPr>
+      <p:sp>
+        <p:nvSpPr>
+          <p:cNvPr id="2" name="Title 1">
+            <a:extLst>
+              <a:ext uri="{FF2B5EF4-FFF2-40B4-BE49-F238E27FC236}">
+                <a16:creationId xmlns:a16="http://schemas.microsoft.com/office/drawing/2014/main" id="{8E7BD0A4-3C32-4072-B351-0957CF7039FB}"/>
+              </a:ext>
+            </a:extLst>
+          </p:cNvPr>
+          <p:cNvSpPr>
+            <a:spLocks noGrp="1"/>
+          </p:cNvSpPr>
+          <p:nvPr>
+            <p:ph type="title"/>
+          </p:nvPr>
+        </p:nvSpPr>
         <p:spPr>
           <a:xfrm>
-            <a:off x="1191126" y="3910267"/>
-            <a:ext cx="2586790" cy="0"/>
-          </a:xfrm>
-          <a:prstGeom prst="line">
+            <a:off x="462527" y="2211828"/>
+            <a:ext cx="2752354" cy="2709275"/>
+          </a:xfrm>
+          <a:prstGeom prst="rect">
             <a:avLst/>
           </a:prstGeom>
-          <a:ln w="22225">
+          <a:solidFill>
+            <a:schemeClr val="accent1"/>
+          </a:solidFill>
+          <a:ln w="174625" cmpd="thinThick">
             <a:solidFill>
-              <a:schemeClr val="bg1">
-                <a:lumMod val="85000"/>
+              <a:schemeClr val="bg2">
+                <a:lumMod val="25000"/>
               </a:schemeClr>
             </a:solidFill>
           </a:ln>
         </p:spPr>
-        <p:style>
-          <a:lnRef idx="1">
-            <a:schemeClr val="accent1"/>
-          </a:lnRef>
-          <a:fillRef idx="0">
-            <a:schemeClr val="accent1"/>
-          </a:fillRef>
-          <a:effectRef idx="0">
-            <a:schemeClr val="accent1"/>
-          </a:effectRef>
-          <a:fontRef idx="minor">
-            <a:schemeClr val="tx1"/>
-          </a:fontRef>
-        </p:style>
-      </p:cxnSp>
-      <p:sp>
-        <p:nvSpPr>
-          <p:cNvPr id="2" name="Title 1">
-            <a:extLst>
-              <a:ext uri="{FF2B5EF4-FFF2-40B4-BE49-F238E27FC236}">
-                <a16:creationId xmlns:a16="http://schemas.microsoft.com/office/drawing/2014/main" id="{20D60239-8CB4-410A-BC9B-6BA24B25111F}"/>
-              </a:ext>
-            </a:extLst>
-          </p:cNvPr>
-          <p:cNvSpPr>
-            <a:spLocks noGrp="1"/>
-          </p:cNvSpPr>
-          <p:nvPr>
-            <p:ph type="title"/>
-          </p:nvPr>
-        </p:nvSpPr>
-        <p:spPr>
-          <a:xfrm>
-            <a:off x="655721" y="1967163"/>
-            <a:ext cx="3657600" cy="2887579"/>
-          </a:xfrm>
-        </p:spPr>
-        <p:txBody>
-          <a:bodyPr vert="horz" lIns="91440" tIns="45720" rIns="91440" bIns="45720" rtlCol="0" anchor="b">
-            <a:normAutofit fontScale="90000"/>
+        <p:txBody>
+          <a:bodyPr vert="horz" lIns="91440" tIns="45720" rIns="91440" bIns="45720" rtlCol="0" anchor="ctr">
+            <a:normAutofit/>
           </a:bodyPr>
           <a:lstStyle/>
           <a:p>
             <a:pPr algn="ctr"/>
             <a:r>
-              <a:rPr lang="en-US" sz="4800" kern="1200" dirty="0">
+              <a:rPr lang="en-US" sz="2800" kern="1200" dirty="0">
                 <a:solidFill>
-                  <a:schemeClr val="bg1"/>
+                  <a:srgbClr val="FFFFFF"/>
                 </a:solidFill>
                 <a:latin typeface="+mj-lt"/>
                 <a:ea typeface="+mj-ea"/>
                 <a:cs typeface="+mj-cs"/>
               </a:rPr>
-              <a:t>System Sequence Diagram</a:t>
+              <a:t>Use Case Storyboard</a:t>
             </a:r>
             <a:br>
-              <a:rPr lang="en-US" sz="4800" kern="1200" dirty="0">
+              <a:rPr lang="en-US" sz="2800" kern="1200" dirty="0">
                 <a:solidFill>
-                  <a:schemeClr val="bg1"/>
+                  <a:srgbClr val="FFFFFF"/>
+                </a:solidFill>
+                <a:latin typeface="+mj-lt"/>
+                <a:ea typeface="+mj-ea"/>
+                <a:cs typeface="+mj-cs"/>
+              </a:rPr>
+            </a:br>
+            <a:r>
+              <a:rPr lang="en-US" sz="2800" kern="1200" dirty="0">
+                <a:solidFill>
+                  <a:srgbClr val="FFFFFF"/>
+                </a:solidFill>
+                <a:latin typeface="+mj-lt"/>
+                <a:ea typeface="+mj-ea"/>
+                <a:cs typeface="+mj-cs"/>
+              </a:rPr>
+              <a:t>____________</a:t>
+            </a:r>
+            <a:br>
+              <a:rPr lang="en-US" sz="2800" kern="1200" dirty="0">
+                <a:solidFill>
+                  <a:srgbClr val="FFFFFF"/>
                 </a:solidFill>
                 <a:latin typeface="+mj-lt"/>
                 <a:ea typeface="+mj-ea"/>
@@ -4171,9 +4126,9 @@
               </a:rPr>
             </a:br>
             <a:br>
-              <a:rPr lang="en-US" sz="4800" kern="1200" dirty="0">
+              <a:rPr lang="en-US" sz="2800" kern="1200" dirty="0">
                 <a:solidFill>
-                  <a:schemeClr val="bg1"/>
+                  <a:srgbClr val="FFFFFF"/>
                 </a:solidFill>
                 <a:latin typeface="+mj-lt"/>
                 <a:ea typeface="+mj-ea"/>
@@ -4181,34 +4136,37 @@
               </a:rPr>
             </a:br>
             <a:r>
-              <a:rPr lang="en-US" sz="4800" kern="1200" dirty="0">
+              <a:rPr lang="en-US" sz="2800" dirty="0">
                 <a:solidFill>
-                  <a:schemeClr val="bg1"/>
+                  <a:srgbClr val="FFFFFF"/>
                 </a:solidFill>
-                <a:latin typeface="+mj-lt"/>
-                <a:ea typeface="+mj-ea"/>
-                <a:cs typeface="+mj-cs"/>
               </a:rPr>
-              <a:t>Kitchen </a:t>
-            </a:r>
+              <a:t>Kitchen</a:t>
+            </a:r>
+            <a:endParaRPr lang="en-US" sz="2800" kern="1200" dirty="0">
+              <a:solidFill>
+                <a:srgbClr val="FFFFFF"/>
+              </a:solidFill>
+              <a:latin typeface="+mj-lt"/>
+              <a:ea typeface="+mj-ea"/>
+              <a:cs typeface="+mj-cs"/>
+            </a:endParaRPr>
           </a:p>
         </p:txBody>
       </p:sp>
       <p:pic>
         <p:nvPicPr>
-          <p:cNvPr id="6" name="Content Placeholder 5">
-            <a:extLst>
-              <a:ext uri="{FF2B5EF4-FFF2-40B4-BE49-F238E27FC236}">
-                <a16:creationId xmlns:a16="http://schemas.microsoft.com/office/drawing/2014/main" id="{BC5203E5-B070-45CA-8519-2B0C5B8C9DDE}"/>
+          <p:cNvPr id="3" name="Picture 2">
+            <a:extLst>
+              <a:ext uri="{FF2B5EF4-FFF2-40B4-BE49-F238E27FC236}">
+                <a16:creationId xmlns:a16="http://schemas.microsoft.com/office/drawing/2014/main" id="{39D86EC1-5E85-42F5-818A-4288302915C8}"/>
               </a:ext>
             </a:extLst>
           </p:cNvPr>
           <p:cNvPicPr>
-            <a:picLocks noGrp="1" noChangeAspect="1"/>
+            <a:picLocks noChangeAspect="1"/>
           </p:cNvPicPr>
-          <p:nvPr>
-            <p:ph idx="1"/>
-          </p:nvPr>
+          <p:nvPr/>
         </p:nvPicPr>
         <p:blipFill>
           <a:blip r:embed="rId2"/>
@@ -4218,8 +4176,8 @@
         </p:blipFill>
         <p:spPr>
           <a:xfrm>
-            <a:off x="5160805" y="786585"/>
-            <a:ext cx="6694311" cy="4994783"/>
+            <a:off x="3532082" y="2074362"/>
+            <a:ext cx="7564696" cy="2709275"/>
           </a:xfrm>
           <a:prstGeom prst="rect">
             <a:avLst/>
@@ -4229,7 +4187,7 @@
     </p:spTree>
     <p:extLst>
       <p:ext uri="{BB962C8B-B14F-4D97-AF65-F5344CB8AC3E}">
-        <p14:creationId xmlns:p14="http://schemas.microsoft.com/office/powerpoint/2010/main" val="637388317"/>
+        <p14:creationId xmlns:p14="http://schemas.microsoft.com/office/powerpoint/2010/main" val="3265234073"/>
       </p:ext>
     </p:extLst>
   </p:cSld>
@@ -4245,7 +4203,7 @@
     <p:bg>
       <p:bgPr>
         <a:solidFill>
-          <a:schemeClr val="bg1"/>
+          <a:schemeClr val="bg2"/>
         </a:solidFill>
         <a:effectLst/>
       </p:bgPr>
@@ -4266,10 +4224,10 @@
       </p:grpSpPr>
       <p:sp>
         <p:nvSpPr>
-          <p:cNvPr id="10" name="Rectangle 9">
-            <a:extLst>
-              <a:ext uri="{FF2B5EF4-FFF2-40B4-BE49-F238E27FC236}">
-                <a16:creationId xmlns:a16="http://schemas.microsoft.com/office/drawing/2014/main" id="{AB45A142-4255-493C-8284-5D566C121B10}"/>
+          <p:cNvPr id="24" name="Rectangle: Rounded Corners 23">
+            <a:extLst>
+              <a:ext uri="{FF2B5EF4-FFF2-40B4-BE49-F238E27FC236}">
+                <a16:creationId xmlns:a16="http://schemas.microsoft.com/office/drawing/2014/main" id="{6AA24DE7-C336-4994-8C52-D9B3F3D0FA4D}"/>
               </a:ext>
             </a:extLst>
           </p:cNvPr>
@@ -4284,27 +4242,21 @@
             </p:extLst>
           </p:nvPr>
         </p:nvSpPr>
-        <p:spPr bwMode="ltGray">
-          <a:xfrm>
-            <a:off x="336884" y="321177"/>
-            <a:ext cx="4332307" cy="6179552"/>
-          </a:xfrm>
-          <a:prstGeom prst="rect">
-            <a:avLst/>
+        <p:spPr>
+          <a:xfrm>
+            <a:off x="953311" y="953311"/>
+            <a:ext cx="10603149" cy="5263867"/>
+          </a:xfrm>
+          <a:prstGeom prst="roundRect">
+            <a:avLst>
+              <a:gd name="adj" fmla="val 1566"/>
+            </a:avLst>
           </a:prstGeom>
           <a:solidFill>
-            <a:schemeClr val="tx1">
-              <a:lumMod val="75000"/>
-              <a:lumOff val="25000"/>
-            </a:schemeClr>
+            <a:srgbClr val="FFFFFF"/>
           </a:solidFill>
-          <a:ln w="127000" cap="sq" cmpd="thinThick">
-            <a:solidFill>
-              <a:schemeClr val="tx1">
-                <a:lumMod val="75000"/>
-                <a:lumOff val="25000"/>
-              </a:schemeClr>
-            </a:solidFill>
+          <a:ln>
+            <a:noFill/>
           </a:ln>
         </p:spPr>
         <p:style>
@@ -4332,101 +4284,84 @@
           </a:p>
         </p:txBody>
       </p:sp>
-      <p:cxnSp>
-        <p:nvCxnSpPr>
-          <p:cNvPr id="12" name="Straight Connector 11">
-            <a:extLst>
-              <a:ext uri="{FF2B5EF4-FFF2-40B4-BE49-F238E27FC236}">
-                <a16:creationId xmlns:a16="http://schemas.microsoft.com/office/drawing/2014/main" id="{38FB9660-F42F-4313-BBC4-47C007FE484C}"/>
-              </a:ext>
-            </a:extLst>
-          </p:cNvPr>
-          <p:cNvCxnSpPr>
-            <a:cxnSpLocks noGrp="1" noRot="1" noChangeAspect="1" noMove="1" noResize="1" noEditPoints="1" noAdjustHandles="1" noChangeArrowheads="1" noChangeShapeType="1"/>
-          </p:cNvCxnSpPr>
-          <p:nvPr>
-            <p:extLst>
-              <p:ext uri="{386F3935-93C4-4BCD-93E2-E3B085C9AB24}">
-                <p16:designElem xmlns:p16="http://schemas.microsoft.com/office/powerpoint/2015/main" val="1"/>
-              </p:ext>
-            </p:extLst>
-          </p:nvPr>
-        </p:nvCxnSpPr>
+      <p:sp>
+        <p:nvSpPr>
+          <p:cNvPr id="2" name="Title 1">
+            <a:extLst>
+              <a:ext uri="{FF2B5EF4-FFF2-40B4-BE49-F238E27FC236}">
+                <a16:creationId xmlns:a16="http://schemas.microsoft.com/office/drawing/2014/main" id="{8E7BD0A4-3C32-4072-B351-0957CF7039FB}"/>
+              </a:ext>
+            </a:extLst>
+          </p:cNvPr>
+          <p:cNvSpPr>
+            <a:spLocks noGrp="1"/>
+          </p:cNvSpPr>
+          <p:nvPr>
+            <p:ph type="title"/>
+          </p:nvPr>
+        </p:nvSpPr>
         <p:spPr>
           <a:xfrm>
-            <a:off x="1191126" y="3910267"/>
-            <a:ext cx="2586790" cy="0"/>
-          </a:xfrm>
-          <a:prstGeom prst="line">
+            <a:off x="462527" y="2211828"/>
+            <a:ext cx="2752354" cy="2709275"/>
+          </a:xfrm>
+          <a:prstGeom prst="rect">
             <a:avLst/>
           </a:prstGeom>
-          <a:ln w="22225">
+          <a:solidFill>
+            <a:schemeClr val="accent1"/>
+          </a:solidFill>
+          <a:ln w="174625" cmpd="thinThick">
             <a:solidFill>
-              <a:schemeClr val="bg1">
-                <a:lumMod val="85000"/>
+              <a:schemeClr val="bg2">
+                <a:lumMod val="25000"/>
               </a:schemeClr>
             </a:solidFill>
           </a:ln>
         </p:spPr>
-        <p:style>
-          <a:lnRef idx="1">
-            <a:schemeClr val="accent1"/>
-          </a:lnRef>
-          <a:fillRef idx="0">
-            <a:schemeClr val="accent1"/>
-          </a:fillRef>
-          <a:effectRef idx="0">
-            <a:schemeClr val="accent1"/>
-          </a:effectRef>
-          <a:fontRef idx="minor">
-            <a:schemeClr val="tx1"/>
-          </a:fontRef>
-        </p:style>
-      </p:cxnSp>
-      <p:sp>
-        <p:nvSpPr>
-          <p:cNvPr id="2" name="Title 1">
-            <a:extLst>
-              <a:ext uri="{FF2B5EF4-FFF2-40B4-BE49-F238E27FC236}">
-                <a16:creationId xmlns:a16="http://schemas.microsoft.com/office/drawing/2014/main" id="{20D60239-8CB4-410A-BC9B-6BA24B25111F}"/>
-              </a:ext>
-            </a:extLst>
-          </p:cNvPr>
-          <p:cNvSpPr>
-            <a:spLocks noGrp="1"/>
-          </p:cNvSpPr>
-          <p:nvPr>
-            <p:ph type="title"/>
-          </p:nvPr>
-        </p:nvSpPr>
-        <p:spPr>
-          <a:xfrm>
-            <a:off x="655721" y="1967163"/>
-            <a:ext cx="3657600" cy="2887579"/>
-          </a:xfrm>
-        </p:spPr>
-        <p:txBody>
-          <a:bodyPr vert="horz" lIns="91440" tIns="45720" rIns="91440" bIns="45720" rtlCol="0" anchor="b">
-            <a:normAutofit fontScale="90000"/>
+        <p:txBody>
+          <a:bodyPr vert="horz" lIns="91440" tIns="45720" rIns="91440" bIns="45720" rtlCol="0" anchor="ctr">
+            <a:normAutofit/>
           </a:bodyPr>
           <a:lstStyle/>
           <a:p>
             <a:pPr algn="ctr"/>
             <a:r>
-              <a:rPr lang="en-US" sz="4800" kern="1200" dirty="0">
+              <a:rPr lang="en-US" sz="2800" kern="1200" dirty="0">
                 <a:solidFill>
-                  <a:schemeClr val="bg1"/>
+                  <a:srgbClr val="FFFFFF"/>
                 </a:solidFill>
                 <a:latin typeface="+mj-lt"/>
                 <a:ea typeface="+mj-ea"/>
                 <a:cs typeface="+mj-cs"/>
               </a:rPr>
-              <a:t>System Sequence Diagram</a:t>
+              <a:t>Use Case Storyboard</a:t>
             </a:r>
             <a:br>
-              <a:rPr lang="en-US" sz="4800" kern="1200" dirty="0">
+              <a:rPr lang="en-US" sz="2800" kern="1200" dirty="0">
                 <a:solidFill>
-                  <a:schemeClr val="bg1"/>
+                  <a:srgbClr val="FFFFFF"/>
+                </a:solidFill>
+                <a:latin typeface="+mj-lt"/>
+                <a:ea typeface="+mj-ea"/>
+                <a:cs typeface="+mj-cs"/>
+              </a:rPr>
+            </a:br>
+            <a:r>
+              <a:rPr lang="en-US" sz="2800" kern="1200" dirty="0">
+                <a:solidFill>
+                  <a:srgbClr val="FFFFFF"/>
+                </a:solidFill>
+                <a:latin typeface="+mj-lt"/>
+                <a:ea typeface="+mj-ea"/>
+                <a:cs typeface="+mj-cs"/>
+              </a:rPr>
+              <a:t>____________</a:t>
+            </a:r>
+            <a:br>
+              <a:rPr lang="en-US" sz="2800" kern="1200" dirty="0">
+                <a:solidFill>
+                  <a:srgbClr val="FFFFFF"/>
                 </a:solidFill>
                 <a:latin typeface="+mj-lt"/>
                 <a:ea typeface="+mj-ea"/>
@@ -4434,9 +4369,9 @@
               </a:rPr>
             </a:br>
             <a:br>
-              <a:rPr lang="en-US" sz="4800" kern="1200" dirty="0">
+              <a:rPr lang="en-US" sz="2800" kern="1200" dirty="0">
                 <a:solidFill>
-                  <a:schemeClr val="bg1"/>
+                  <a:srgbClr val="FFFFFF"/>
                 </a:solidFill>
                 <a:latin typeface="+mj-lt"/>
                 <a:ea typeface="+mj-ea"/>
@@ -4444,9 +4379,9 @@
               </a:rPr>
             </a:br>
             <a:r>
-              <a:rPr lang="en-US" sz="4800" kern="1200" dirty="0">
+              <a:rPr lang="en-US" sz="2800" kern="1200" dirty="0">
                 <a:solidFill>
-                  <a:schemeClr val="bg1"/>
+                  <a:srgbClr val="FFFFFF"/>
                 </a:solidFill>
                 <a:latin typeface="+mj-lt"/>
                 <a:ea typeface="+mj-ea"/>
@@ -4459,19 +4394,17 @@
       </p:sp>
       <p:pic>
         <p:nvPicPr>
-          <p:cNvPr id="5" name="Content Placeholder 4">
-            <a:extLst>
-              <a:ext uri="{FF2B5EF4-FFF2-40B4-BE49-F238E27FC236}">
-                <a16:creationId xmlns:a16="http://schemas.microsoft.com/office/drawing/2014/main" id="{E2B73F3D-5313-41A8-97E2-AC8649858FCC}"/>
+          <p:cNvPr id="4" name="Picture 3">
+            <a:extLst>
+              <a:ext uri="{FF2B5EF4-FFF2-40B4-BE49-F238E27FC236}">
+                <a16:creationId xmlns:a16="http://schemas.microsoft.com/office/drawing/2014/main" id="{ED3E7F90-BD78-4DDA-9874-53483DF62910}"/>
               </a:ext>
             </a:extLst>
           </p:cNvPr>
           <p:cNvPicPr>
-            <a:picLocks noGrp="1" noChangeAspect="1"/>
+            <a:picLocks noChangeAspect="1"/>
           </p:cNvPicPr>
-          <p:nvPr>
-            <p:ph idx="1"/>
-          </p:nvPr>
+          <p:nvPr/>
         </p:nvPicPr>
         <p:blipFill>
           <a:blip r:embed="rId2"/>
@@ -4481,8 +4414,8 @@
         </p:blipFill>
         <p:spPr>
           <a:xfrm>
-            <a:off x="5152844" y="1012725"/>
-            <a:ext cx="6702272" cy="4165648"/>
+            <a:off x="3382297" y="1834388"/>
+            <a:ext cx="8023122" cy="3086715"/>
           </a:xfrm>
           <a:prstGeom prst="rect">
             <a:avLst/>
@@ -4492,7 +4425,7 @@
     </p:spTree>
     <p:extLst>
       <p:ext uri="{BB962C8B-B14F-4D97-AF65-F5344CB8AC3E}">
-        <p14:creationId xmlns:p14="http://schemas.microsoft.com/office/powerpoint/2010/main" val="3489440260"/>
+        <p14:creationId xmlns:p14="http://schemas.microsoft.com/office/powerpoint/2010/main" val="1714832951"/>
       </p:ext>
     </p:extLst>
   </p:cSld>
@@ -4527,12 +4460,44 @@
           <a:chExt cx="0" cy="0"/>
         </a:xfrm>
       </p:grpSpPr>
-      <p:sp>
-        <p:nvSpPr>
-          <p:cNvPr id="26" name="Rectangle 25">
-            <a:extLst>
-              <a:ext uri="{FF2B5EF4-FFF2-40B4-BE49-F238E27FC236}">
-                <a16:creationId xmlns:a16="http://schemas.microsoft.com/office/drawing/2014/main" id="{047C8CCB-F95D-4249-92DD-651249D3535A}"/>
+      <p:pic>
+        <p:nvPicPr>
+          <p:cNvPr id="15" name="Content Placeholder 4" descr="A screenshot of a cell phone&#10;&#10;Description generated with very high confidence">
+            <a:extLst>
+              <a:ext uri="{FF2B5EF4-FFF2-40B4-BE49-F238E27FC236}">
+                <a16:creationId xmlns:a16="http://schemas.microsoft.com/office/drawing/2014/main" id="{CD91D5BC-335A-42E1-BE15-55BD5CEEAD2E}"/>
+              </a:ext>
+            </a:extLst>
+          </p:cNvPr>
+          <p:cNvPicPr>
+            <a:picLocks noGrp="1" noChangeAspect="1"/>
+          </p:cNvPicPr>
+          <p:nvPr>
+            <p:ph idx="1"/>
+          </p:nvPr>
+        </p:nvPicPr>
+        <p:blipFill>
+          <a:blip r:embed="rId2"/>
+          <a:stretch>
+            <a:fillRect/>
+          </a:stretch>
+        </p:blipFill>
+        <p:spPr>
+          <a:xfrm>
+            <a:off x="5613413" y="492573"/>
+            <a:ext cx="5634362" cy="5880796"/>
+          </a:xfrm>
+          <a:prstGeom prst="rect">
+            <a:avLst/>
+          </a:prstGeom>
+        </p:spPr>
+      </p:pic>
+      <p:sp>
+        <p:nvSpPr>
+          <p:cNvPr id="18" name="Rectangle 17">
+            <a:extLst>
+              <a:ext uri="{FF2B5EF4-FFF2-40B4-BE49-F238E27FC236}">
+                <a16:creationId xmlns:a16="http://schemas.microsoft.com/office/drawing/2014/main" id="{AB45A142-4255-493C-8284-5D566C121B10}"/>
               </a:ext>
             </a:extLst>
           </p:cNvPr>
@@ -4547,22 +4512,27 @@
             </p:extLst>
           </p:nvPr>
         </p:nvSpPr>
-        <p:spPr>
-          <a:xfrm>
-            <a:off x="0" y="0"/>
-            <a:ext cx="2013557" cy="6858000"/>
+        <p:spPr bwMode="ltGray">
+          <a:xfrm>
+            <a:off x="336884" y="321177"/>
+            <a:ext cx="4332307" cy="6179552"/>
           </a:xfrm>
           <a:prstGeom prst="rect">
             <a:avLst/>
           </a:prstGeom>
           <a:solidFill>
             <a:schemeClr val="tx1">
-              <a:lumMod val="50000"/>
-              <a:lumOff val="50000"/>
+              <a:lumMod val="75000"/>
+              <a:lumOff val="25000"/>
             </a:schemeClr>
           </a:solidFill>
-          <a:ln>
-            <a:noFill/>
+          <a:ln w="127000" cap="sq" cmpd="thinThick">
+            <a:solidFill>
+              <a:schemeClr val="tx1">
+                <a:lumMod val="75000"/>
+                <a:lumOff val="25000"/>
+              </a:schemeClr>
+            </a:solidFill>
           </a:ln>
         </p:spPr>
         <p:style>
@@ -4590,84 +4560,88 @@
           </a:p>
         </p:txBody>
       </p:sp>
-      <p:pic>
-        <p:nvPicPr>
-          <p:cNvPr id="3" name="Picture 2">
-            <a:extLst>
-              <a:ext uri="{FF2B5EF4-FFF2-40B4-BE49-F238E27FC236}">
-                <a16:creationId xmlns:a16="http://schemas.microsoft.com/office/drawing/2014/main" id="{C8D0EA52-27B7-4C37-8720-A1862F170EEB}"/>
-              </a:ext>
-            </a:extLst>
-          </p:cNvPr>
-          <p:cNvPicPr>
-            <a:picLocks noChangeAspect="1"/>
-          </p:cNvPicPr>
-          <p:nvPr/>
-        </p:nvPicPr>
-        <p:blipFill>
-          <a:blip r:embed="rId2"/>
-          <a:stretch>
-            <a:fillRect/>
-          </a:stretch>
-        </p:blipFill>
+      <p:cxnSp>
+        <p:nvCxnSpPr>
+          <p:cNvPr id="20" name="Straight Connector 19">
+            <a:extLst>
+              <a:ext uri="{FF2B5EF4-FFF2-40B4-BE49-F238E27FC236}">
+                <a16:creationId xmlns:a16="http://schemas.microsoft.com/office/drawing/2014/main" id="{38FB9660-F42F-4313-BBC4-47C007FE484C}"/>
+              </a:ext>
+            </a:extLst>
+          </p:cNvPr>
+          <p:cNvCxnSpPr>
+            <a:cxnSpLocks noGrp="1" noRot="1" noChangeAspect="1" noMove="1" noResize="1" noEditPoints="1" noAdjustHandles="1" noChangeArrowheads="1" noChangeShapeType="1"/>
+          </p:cNvCxnSpPr>
+          <p:nvPr>
+            <p:extLst>
+              <p:ext uri="{386F3935-93C4-4BCD-93E2-E3B085C9AB24}">
+                <p16:designElem xmlns:p16="http://schemas.microsoft.com/office/powerpoint/2015/main" val="1"/>
+              </p:ext>
+            </p:extLst>
+          </p:nvPr>
+        </p:nvCxnSpPr>
         <p:spPr>
           <a:xfrm>
-            <a:off x="3066761" y="825909"/>
-            <a:ext cx="9044942" cy="5004619"/>
-          </a:xfrm>
-          <a:prstGeom prst="rect">
+            <a:off x="1191126" y="3910267"/>
+            <a:ext cx="2586790" cy="0"/>
+          </a:xfrm>
+          <a:prstGeom prst="line">
             <a:avLst/>
           </a:prstGeom>
-        </p:spPr>
-      </p:pic>
-      <p:sp>
-        <p:nvSpPr>
-          <p:cNvPr id="2" name="Title 1">
-            <a:extLst>
-              <a:ext uri="{FF2B5EF4-FFF2-40B4-BE49-F238E27FC236}">
-                <a16:creationId xmlns:a16="http://schemas.microsoft.com/office/drawing/2014/main" id="{CD6C2030-3FEC-47D7-B39C-8EEE6B7CCC11}"/>
-              </a:ext>
-            </a:extLst>
-          </p:cNvPr>
-          <p:cNvSpPr>
-            <a:spLocks noGrp="1"/>
-          </p:cNvSpPr>
-          <p:nvPr>
-            <p:ph type="title"/>
-          </p:nvPr>
-        </p:nvSpPr>
-        <p:spPr>
-          <a:xfrm>
-            <a:off x="640080" y="2074363"/>
-            <a:ext cx="2752354" cy="2709275"/>
-          </a:xfrm>
-          <a:prstGeom prst="ellipse">
-            <a:avLst/>
-          </a:prstGeom>
-          <a:solidFill>
-            <a:schemeClr val="tx1">
-              <a:lumMod val="85000"/>
-              <a:lumOff val="15000"/>
-            </a:schemeClr>
-          </a:solidFill>
-          <a:ln w="174625" cmpd="thinThick">
+          <a:ln w="22225">
             <a:solidFill>
-              <a:schemeClr val="tx1">
+              <a:schemeClr val="bg1">
                 <a:lumMod val="85000"/>
-                <a:lumOff val="15000"/>
               </a:schemeClr>
             </a:solidFill>
           </a:ln>
         </p:spPr>
-        <p:txBody>
-          <a:bodyPr vert="horz" lIns="91440" tIns="45720" rIns="91440" bIns="45720" rtlCol="0" anchor="ctr">
-            <a:normAutofit fontScale="90000"/>
+        <p:style>
+          <a:lnRef idx="1">
+            <a:schemeClr val="accent1"/>
+          </a:lnRef>
+          <a:fillRef idx="0">
+            <a:schemeClr val="accent1"/>
+          </a:fillRef>
+          <a:effectRef idx="0">
+            <a:schemeClr val="accent1"/>
+          </a:effectRef>
+          <a:fontRef idx="minor">
+            <a:schemeClr val="tx1"/>
+          </a:fontRef>
+        </p:style>
+      </p:cxnSp>
+      <p:sp>
+        <p:nvSpPr>
+          <p:cNvPr id="2" name="Title 1">
+            <a:extLst>
+              <a:ext uri="{FF2B5EF4-FFF2-40B4-BE49-F238E27FC236}">
+                <a16:creationId xmlns:a16="http://schemas.microsoft.com/office/drawing/2014/main" id="{20D60239-8CB4-410A-BC9B-6BA24B25111F}"/>
+              </a:ext>
+            </a:extLst>
+          </p:cNvPr>
+          <p:cNvSpPr>
+            <a:spLocks noGrp="1"/>
+          </p:cNvSpPr>
+          <p:nvPr>
+            <p:ph type="title"/>
+          </p:nvPr>
+        </p:nvSpPr>
+        <p:spPr>
+          <a:xfrm>
+            <a:off x="674237" y="1771650"/>
+            <a:ext cx="3657600" cy="2887579"/>
+          </a:xfrm>
+        </p:spPr>
+        <p:txBody>
+          <a:bodyPr vert="horz" lIns="91440" tIns="45720" rIns="91440" bIns="45720" rtlCol="0" anchor="b">
+            <a:normAutofit/>
           </a:bodyPr>
           <a:lstStyle/>
           <a:p>
             <a:pPr algn="ctr"/>
             <a:r>
-              <a:rPr lang="en-US" sz="2600" kern="1200">
+              <a:rPr lang="en-US" sz="3700" kern="1200" dirty="0">
                 <a:solidFill>
                   <a:schemeClr val="bg1"/>
                 </a:solidFill>
@@ -4675,31 +4649,10 @@
                 <a:ea typeface="+mj-ea"/>
                 <a:cs typeface="+mj-cs"/>
               </a:rPr>
-              <a:t>Sequence Diagram</a:t>
+              <a:t>System Sequence Diagram</a:t>
             </a:r>
             <a:br>
-              <a:rPr lang="en-US" sz="2600" kern="1200">
-                <a:solidFill>
-                  <a:schemeClr val="bg1"/>
-                </a:solidFill>
-                <a:latin typeface="+mj-lt"/>
-                <a:ea typeface="+mj-ea"/>
-                <a:cs typeface="+mj-cs"/>
-              </a:rPr>
-            </a:br>
-            <a:r>
-              <a:rPr lang="en-US" sz="2600" kern="1200">
-                <a:solidFill>
-                  <a:schemeClr val="bg1"/>
-                </a:solidFill>
-                <a:latin typeface="+mj-lt"/>
-                <a:ea typeface="+mj-ea"/>
-                <a:cs typeface="+mj-cs"/>
-              </a:rPr>
-              <a:t>___________</a:t>
-            </a:r>
-            <a:br>
-              <a:rPr lang="en-US" sz="2600" kern="1200">
+              <a:rPr lang="en-US" sz="3700" kern="1200" dirty="0">
                 <a:solidFill>
                   <a:schemeClr val="bg1"/>
                 </a:solidFill>
@@ -4709,7 +4662,7 @@
               </a:rPr>
             </a:br>
             <a:br>
-              <a:rPr lang="en-US" sz="2600" kern="1200">
+              <a:rPr lang="en-US" sz="3700" kern="1200" dirty="0">
                 <a:solidFill>
                   <a:schemeClr val="bg1"/>
                 </a:solidFill>
@@ -4719,7 +4672,7 @@
               </a:rPr>
             </a:br>
             <a:r>
-              <a:rPr lang="en-US" sz="2600" kern="1200">
+              <a:rPr lang="en-US" sz="3700" kern="1200" dirty="0">
                 <a:solidFill>
                   <a:schemeClr val="bg1"/>
                 </a:solidFill>
@@ -4729,21 +4682,13 @@
               </a:rPr>
               <a:t>Event Planner</a:t>
             </a:r>
-            <a:endParaRPr lang="en-US" sz="2600" kern="1200" dirty="0">
-              <a:solidFill>
-                <a:schemeClr val="bg1"/>
-              </a:solidFill>
-              <a:latin typeface="+mj-lt"/>
-              <a:ea typeface="+mj-ea"/>
-              <a:cs typeface="+mj-cs"/>
-            </a:endParaRPr>
           </a:p>
         </p:txBody>
       </p:sp>
     </p:spTree>
     <p:extLst>
       <p:ext uri="{BB962C8B-B14F-4D97-AF65-F5344CB8AC3E}">
-        <p14:creationId xmlns:p14="http://schemas.microsoft.com/office/powerpoint/2010/main" val="3593248973"/>
+        <p14:creationId xmlns:p14="http://schemas.microsoft.com/office/powerpoint/2010/main" val="1441654731"/>
       </p:ext>
     </p:extLst>
   </p:cSld>
@@ -4780,10 +4725,10 @@
       </p:grpSpPr>
       <p:sp>
         <p:nvSpPr>
-          <p:cNvPr id="26" name="Rectangle 25">
-            <a:extLst>
-              <a:ext uri="{FF2B5EF4-FFF2-40B4-BE49-F238E27FC236}">
-                <a16:creationId xmlns:a16="http://schemas.microsoft.com/office/drawing/2014/main" id="{047C8CCB-F95D-4249-92DD-651249D3535A}"/>
+          <p:cNvPr id="10" name="Rectangle 9">
+            <a:extLst>
+              <a:ext uri="{FF2B5EF4-FFF2-40B4-BE49-F238E27FC236}">
+                <a16:creationId xmlns:a16="http://schemas.microsoft.com/office/drawing/2014/main" id="{AB45A142-4255-493C-8284-5D566C121B10}"/>
               </a:ext>
             </a:extLst>
           </p:cNvPr>
@@ -4798,22 +4743,27 @@
             </p:extLst>
           </p:nvPr>
         </p:nvSpPr>
-        <p:spPr>
-          <a:xfrm>
-            <a:off x="0" y="0"/>
-            <a:ext cx="2013557" cy="6858000"/>
+        <p:spPr bwMode="ltGray">
+          <a:xfrm>
+            <a:off x="336884" y="321177"/>
+            <a:ext cx="4332307" cy="6179552"/>
           </a:xfrm>
           <a:prstGeom prst="rect">
             <a:avLst/>
           </a:prstGeom>
           <a:solidFill>
             <a:schemeClr val="tx1">
-              <a:lumMod val="50000"/>
-              <a:lumOff val="50000"/>
+              <a:lumMod val="75000"/>
+              <a:lumOff val="25000"/>
             </a:schemeClr>
           </a:solidFill>
-          <a:ln>
-            <a:noFill/>
+          <a:ln w="127000" cap="sq" cmpd="thinThick">
+            <a:solidFill>
+              <a:schemeClr val="tx1">
+                <a:lumMod val="75000"/>
+                <a:lumOff val="25000"/>
+              </a:schemeClr>
+            </a:solidFill>
           </a:ln>
         </p:spPr>
         <p:style>
@@ -4841,84 +4791,88 @@
           </a:p>
         </p:txBody>
       </p:sp>
-      <p:pic>
-        <p:nvPicPr>
-          <p:cNvPr id="3" name="Picture 2">
-            <a:extLst>
-              <a:ext uri="{FF2B5EF4-FFF2-40B4-BE49-F238E27FC236}">
-                <a16:creationId xmlns:a16="http://schemas.microsoft.com/office/drawing/2014/main" id="{0CB41FB1-8A55-42D5-9D76-C9558C44DDD0}"/>
-              </a:ext>
-            </a:extLst>
-          </p:cNvPr>
-          <p:cNvPicPr>
-            <a:picLocks noChangeAspect="1"/>
-          </p:cNvPicPr>
-          <p:nvPr/>
-        </p:nvPicPr>
-        <p:blipFill>
-          <a:blip r:embed="rId2"/>
-          <a:stretch>
-            <a:fillRect/>
-          </a:stretch>
-        </p:blipFill>
+      <p:cxnSp>
+        <p:nvCxnSpPr>
+          <p:cNvPr id="12" name="Straight Connector 11">
+            <a:extLst>
+              <a:ext uri="{FF2B5EF4-FFF2-40B4-BE49-F238E27FC236}">
+                <a16:creationId xmlns:a16="http://schemas.microsoft.com/office/drawing/2014/main" id="{38FB9660-F42F-4313-BBC4-47C007FE484C}"/>
+              </a:ext>
+            </a:extLst>
+          </p:cNvPr>
+          <p:cNvCxnSpPr>
+            <a:cxnSpLocks noGrp="1" noRot="1" noChangeAspect="1" noMove="1" noResize="1" noEditPoints="1" noAdjustHandles="1" noChangeArrowheads="1" noChangeShapeType="1"/>
+          </p:cNvCxnSpPr>
+          <p:nvPr>
+            <p:extLst>
+              <p:ext uri="{386F3935-93C4-4BCD-93E2-E3B085C9AB24}">
+                <p16:designElem xmlns:p16="http://schemas.microsoft.com/office/powerpoint/2015/main" val="1"/>
+              </p:ext>
+            </p:extLst>
+          </p:nvPr>
+        </p:nvCxnSpPr>
         <p:spPr>
           <a:xfrm>
-            <a:off x="3118303" y="806246"/>
-            <a:ext cx="9003231" cy="4951775"/>
-          </a:xfrm>
-          <a:prstGeom prst="rect">
+            <a:off x="1191126" y="3910267"/>
+            <a:ext cx="2586790" cy="0"/>
+          </a:xfrm>
+          <a:prstGeom prst="line">
             <a:avLst/>
           </a:prstGeom>
-        </p:spPr>
-      </p:pic>
-      <p:sp>
-        <p:nvSpPr>
-          <p:cNvPr id="2" name="Title 1">
-            <a:extLst>
-              <a:ext uri="{FF2B5EF4-FFF2-40B4-BE49-F238E27FC236}">
-                <a16:creationId xmlns:a16="http://schemas.microsoft.com/office/drawing/2014/main" id="{CD6C2030-3FEC-47D7-B39C-8EEE6B7CCC11}"/>
-              </a:ext>
-            </a:extLst>
-          </p:cNvPr>
-          <p:cNvSpPr>
-            <a:spLocks noGrp="1"/>
-          </p:cNvSpPr>
-          <p:nvPr>
-            <p:ph type="title"/>
-          </p:nvPr>
-        </p:nvSpPr>
-        <p:spPr>
-          <a:xfrm>
-            <a:off x="640080" y="2074363"/>
-            <a:ext cx="2752354" cy="2709275"/>
-          </a:xfrm>
-          <a:prstGeom prst="ellipse">
-            <a:avLst/>
-          </a:prstGeom>
-          <a:solidFill>
-            <a:schemeClr val="tx1">
-              <a:lumMod val="85000"/>
-              <a:lumOff val="15000"/>
-            </a:schemeClr>
-          </a:solidFill>
-          <a:ln w="174625" cmpd="thinThick">
+          <a:ln w="22225">
             <a:solidFill>
-              <a:schemeClr val="tx1">
+              <a:schemeClr val="bg1">
                 <a:lumMod val="85000"/>
-                <a:lumOff val="15000"/>
               </a:schemeClr>
             </a:solidFill>
           </a:ln>
         </p:spPr>
-        <p:txBody>
-          <a:bodyPr vert="horz" lIns="91440" tIns="45720" rIns="91440" bIns="45720" rtlCol="0" anchor="ctr">
-            <a:normAutofit/>
+        <p:style>
+          <a:lnRef idx="1">
+            <a:schemeClr val="accent1"/>
+          </a:lnRef>
+          <a:fillRef idx="0">
+            <a:schemeClr val="accent1"/>
+          </a:fillRef>
+          <a:effectRef idx="0">
+            <a:schemeClr val="accent1"/>
+          </a:effectRef>
+          <a:fontRef idx="minor">
+            <a:schemeClr val="tx1"/>
+          </a:fontRef>
+        </p:style>
+      </p:cxnSp>
+      <p:sp>
+        <p:nvSpPr>
+          <p:cNvPr id="2" name="Title 1">
+            <a:extLst>
+              <a:ext uri="{FF2B5EF4-FFF2-40B4-BE49-F238E27FC236}">
+                <a16:creationId xmlns:a16="http://schemas.microsoft.com/office/drawing/2014/main" id="{20D60239-8CB4-410A-BC9B-6BA24B25111F}"/>
+              </a:ext>
+            </a:extLst>
+          </p:cNvPr>
+          <p:cNvSpPr>
+            <a:spLocks noGrp="1"/>
+          </p:cNvSpPr>
+          <p:nvPr>
+            <p:ph type="title"/>
+          </p:nvPr>
+        </p:nvSpPr>
+        <p:spPr>
+          <a:xfrm>
+            <a:off x="655721" y="1967163"/>
+            <a:ext cx="3657600" cy="2887579"/>
+          </a:xfrm>
+        </p:spPr>
+        <p:txBody>
+          <a:bodyPr vert="horz" lIns="91440" tIns="45720" rIns="91440" bIns="45720" rtlCol="0" anchor="b">
+            <a:normAutofit fontScale="90000"/>
           </a:bodyPr>
           <a:lstStyle/>
           <a:p>
             <a:pPr algn="ctr"/>
             <a:r>
-              <a:rPr lang="en-US" sz="2600" kern="1200" dirty="0">
+              <a:rPr lang="en-US" sz="4800" kern="1200" dirty="0">
                 <a:solidFill>
                   <a:schemeClr val="bg1"/>
                 </a:solidFill>
@@ -4926,31 +4880,10 @@
                 <a:ea typeface="+mj-ea"/>
                 <a:cs typeface="+mj-cs"/>
               </a:rPr>
-              <a:t>Sequence Diagram</a:t>
+              <a:t>System Sequence Diagram</a:t>
             </a:r>
             <a:br>
-              <a:rPr lang="en-US" sz="2600" kern="1200" dirty="0">
-                <a:solidFill>
-                  <a:schemeClr val="bg1"/>
-                </a:solidFill>
-                <a:latin typeface="+mj-lt"/>
-                <a:ea typeface="+mj-ea"/>
-                <a:cs typeface="+mj-cs"/>
-              </a:rPr>
-            </a:br>
-            <a:r>
-              <a:rPr lang="en-US" sz="2600" kern="1200" dirty="0">
-                <a:solidFill>
-                  <a:schemeClr val="bg1"/>
-                </a:solidFill>
-                <a:latin typeface="+mj-lt"/>
-                <a:ea typeface="+mj-ea"/>
-                <a:cs typeface="+mj-cs"/>
-              </a:rPr>
-              <a:t>__________</a:t>
-            </a:r>
-            <a:br>
-              <a:rPr lang="en-US" sz="2600" kern="1200" dirty="0">
+              <a:rPr lang="en-US" sz="4800" kern="1200" dirty="0">
                 <a:solidFill>
                   <a:schemeClr val="bg1"/>
                 </a:solidFill>
@@ -4960,7 +4893,7 @@
               </a:rPr>
             </a:br>
             <a:br>
-              <a:rPr lang="en-US" sz="2600" kern="1200" dirty="0">
+              <a:rPr lang="en-US" sz="4800" kern="1200" dirty="0">
                 <a:solidFill>
                   <a:schemeClr val="bg1"/>
                 </a:solidFill>
@@ -4970,7 +4903,7 @@
               </a:rPr>
             </a:br>
             <a:r>
-              <a:rPr lang="en-US" sz="2600" kern="1200" dirty="0">
+              <a:rPr lang="en-US" sz="4800" kern="1200" dirty="0">
                 <a:solidFill>
                   <a:schemeClr val="bg1"/>
                 </a:solidFill>
@@ -4978,15 +4911,47 @@
                 <a:ea typeface="+mj-ea"/>
                 <a:cs typeface="+mj-cs"/>
               </a:rPr>
-              <a:t>Kitchen</a:t>
-            </a:r>
-          </a:p>
-        </p:txBody>
-      </p:sp>
+              <a:t>Kitchen </a:t>
+            </a:r>
+          </a:p>
+        </p:txBody>
+      </p:sp>
+      <p:pic>
+        <p:nvPicPr>
+          <p:cNvPr id="6" name="Content Placeholder 5">
+            <a:extLst>
+              <a:ext uri="{FF2B5EF4-FFF2-40B4-BE49-F238E27FC236}">
+                <a16:creationId xmlns:a16="http://schemas.microsoft.com/office/drawing/2014/main" id="{BC5203E5-B070-45CA-8519-2B0C5B8C9DDE}"/>
+              </a:ext>
+            </a:extLst>
+          </p:cNvPr>
+          <p:cNvPicPr>
+            <a:picLocks noGrp="1" noChangeAspect="1"/>
+          </p:cNvPicPr>
+          <p:nvPr>
+            <p:ph idx="1"/>
+          </p:nvPr>
+        </p:nvPicPr>
+        <p:blipFill>
+          <a:blip r:embed="rId2"/>
+          <a:stretch>
+            <a:fillRect/>
+          </a:stretch>
+        </p:blipFill>
+        <p:spPr>
+          <a:xfrm>
+            <a:off x="5160805" y="786585"/>
+            <a:ext cx="6694311" cy="4994783"/>
+          </a:xfrm>
+          <a:prstGeom prst="rect">
+            <a:avLst/>
+          </a:prstGeom>
+        </p:spPr>
+      </p:pic>
     </p:spTree>
     <p:extLst>
       <p:ext uri="{BB962C8B-B14F-4D97-AF65-F5344CB8AC3E}">
-        <p14:creationId xmlns:p14="http://schemas.microsoft.com/office/powerpoint/2010/main" val="2947770770"/>
+        <p14:creationId xmlns:p14="http://schemas.microsoft.com/office/powerpoint/2010/main" val="637388317"/>
       </p:ext>
     </p:extLst>
   </p:cSld>
@@ -5023,10 +4988,10 @@
       </p:grpSpPr>
       <p:sp>
         <p:nvSpPr>
-          <p:cNvPr id="26" name="Rectangle 25">
-            <a:extLst>
-              <a:ext uri="{FF2B5EF4-FFF2-40B4-BE49-F238E27FC236}">
-                <a16:creationId xmlns:a16="http://schemas.microsoft.com/office/drawing/2014/main" id="{047C8CCB-F95D-4249-92DD-651249D3535A}"/>
+          <p:cNvPr id="10" name="Rectangle 9">
+            <a:extLst>
+              <a:ext uri="{FF2B5EF4-FFF2-40B4-BE49-F238E27FC236}">
+                <a16:creationId xmlns:a16="http://schemas.microsoft.com/office/drawing/2014/main" id="{AB45A142-4255-493C-8284-5D566C121B10}"/>
               </a:ext>
             </a:extLst>
           </p:cNvPr>
@@ -5041,22 +5006,27 @@
             </p:extLst>
           </p:nvPr>
         </p:nvSpPr>
-        <p:spPr>
-          <a:xfrm>
-            <a:off x="0" y="0"/>
-            <a:ext cx="2013557" cy="6858000"/>
+        <p:spPr bwMode="ltGray">
+          <a:xfrm>
+            <a:off x="336884" y="321177"/>
+            <a:ext cx="4332307" cy="6179552"/>
           </a:xfrm>
           <a:prstGeom prst="rect">
             <a:avLst/>
           </a:prstGeom>
           <a:solidFill>
             <a:schemeClr val="tx1">
-              <a:lumMod val="50000"/>
-              <a:lumOff val="50000"/>
+              <a:lumMod val="75000"/>
+              <a:lumOff val="25000"/>
             </a:schemeClr>
           </a:solidFill>
-          <a:ln>
-            <a:noFill/>
+          <a:ln w="127000" cap="sq" cmpd="thinThick">
+            <a:solidFill>
+              <a:schemeClr val="tx1">
+                <a:lumMod val="75000"/>
+                <a:lumOff val="25000"/>
+              </a:schemeClr>
+            </a:solidFill>
           </a:ln>
         </p:spPr>
         <p:style>
@@ -5084,84 +5054,88 @@
           </a:p>
         </p:txBody>
       </p:sp>
-      <p:pic>
-        <p:nvPicPr>
-          <p:cNvPr id="4" name="Picture 3">
-            <a:extLst>
-              <a:ext uri="{FF2B5EF4-FFF2-40B4-BE49-F238E27FC236}">
-                <a16:creationId xmlns:a16="http://schemas.microsoft.com/office/drawing/2014/main" id="{6A34B8A0-A43B-4160-A3EC-BBD6C7CF661C}"/>
-              </a:ext>
-            </a:extLst>
-          </p:cNvPr>
-          <p:cNvPicPr>
-            <a:picLocks noChangeAspect="1"/>
-          </p:cNvPicPr>
-          <p:nvPr/>
-        </p:nvPicPr>
-        <p:blipFill>
-          <a:blip r:embed="rId2"/>
-          <a:stretch>
-            <a:fillRect/>
-          </a:stretch>
-        </p:blipFill>
+      <p:cxnSp>
+        <p:nvCxnSpPr>
+          <p:cNvPr id="12" name="Straight Connector 11">
+            <a:extLst>
+              <a:ext uri="{FF2B5EF4-FFF2-40B4-BE49-F238E27FC236}">
+                <a16:creationId xmlns:a16="http://schemas.microsoft.com/office/drawing/2014/main" id="{38FB9660-F42F-4313-BBC4-47C007FE484C}"/>
+              </a:ext>
+            </a:extLst>
+          </p:cNvPr>
+          <p:cNvCxnSpPr>
+            <a:cxnSpLocks noGrp="1" noRot="1" noChangeAspect="1" noMove="1" noResize="1" noEditPoints="1" noAdjustHandles="1" noChangeArrowheads="1" noChangeShapeType="1"/>
+          </p:cNvCxnSpPr>
+          <p:nvPr>
+            <p:extLst>
+              <p:ext uri="{386F3935-93C4-4BCD-93E2-E3B085C9AB24}">
+                <p16:designElem xmlns:p16="http://schemas.microsoft.com/office/powerpoint/2015/main" val="1"/>
+              </p:ext>
+            </p:extLst>
+          </p:nvPr>
+        </p:nvCxnSpPr>
         <p:spPr>
           <a:xfrm>
-            <a:off x="3309565" y="897507"/>
-            <a:ext cx="8882435" cy="5062986"/>
-          </a:xfrm>
-          <a:prstGeom prst="rect">
+            <a:off x="1191126" y="3910267"/>
+            <a:ext cx="2586790" cy="0"/>
+          </a:xfrm>
+          <a:prstGeom prst="line">
             <a:avLst/>
           </a:prstGeom>
-        </p:spPr>
-      </p:pic>
-      <p:sp>
-        <p:nvSpPr>
-          <p:cNvPr id="2" name="Title 1">
-            <a:extLst>
-              <a:ext uri="{FF2B5EF4-FFF2-40B4-BE49-F238E27FC236}">
-                <a16:creationId xmlns:a16="http://schemas.microsoft.com/office/drawing/2014/main" id="{CD6C2030-3FEC-47D7-B39C-8EEE6B7CCC11}"/>
-              </a:ext>
-            </a:extLst>
-          </p:cNvPr>
-          <p:cNvSpPr>
-            <a:spLocks noGrp="1"/>
-          </p:cNvSpPr>
-          <p:nvPr>
-            <p:ph type="title"/>
-          </p:nvPr>
-        </p:nvSpPr>
-        <p:spPr>
-          <a:xfrm>
-            <a:off x="640080" y="2074363"/>
-            <a:ext cx="2752354" cy="2709275"/>
-          </a:xfrm>
-          <a:prstGeom prst="ellipse">
-            <a:avLst/>
-          </a:prstGeom>
-          <a:solidFill>
-            <a:schemeClr val="tx1">
-              <a:lumMod val="85000"/>
-              <a:lumOff val="15000"/>
-            </a:schemeClr>
-          </a:solidFill>
-          <a:ln w="174625" cmpd="thinThick">
+          <a:ln w="22225">
             <a:solidFill>
-              <a:schemeClr val="tx1">
+              <a:schemeClr val="bg1">
                 <a:lumMod val="85000"/>
-                <a:lumOff val="15000"/>
               </a:schemeClr>
             </a:solidFill>
           </a:ln>
         </p:spPr>
-        <p:txBody>
-          <a:bodyPr vert="horz" lIns="91440" tIns="45720" rIns="91440" bIns="45720" rtlCol="0" anchor="ctr">
+        <p:style>
+          <a:lnRef idx="1">
+            <a:schemeClr val="accent1"/>
+          </a:lnRef>
+          <a:fillRef idx="0">
+            <a:schemeClr val="accent1"/>
+          </a:fillRef>
+          <a:effectRef idx="0">
+            <a:schemeClr val="accent1"/>
+          </a:effectRef>
+          <a:fontRef idx="minor">
+            <a:schemeClr val="tx1"/>
+          </a:fontRef>
+        </p:style>
+      </p:cxnSp>
+      <p:sp>
+        <p:nvSpPr>
+          <p:cNvPr id="2" name="Title 1">
+            <a:extLst>
+              <a:ext uri="{FF2B5EF4-FFF2-40B4-BE49-F238E27FC236}">
+                <a16:creationId xmlns:a16="http://schemas.microsoft.com/office/drawing/2014/main" id="{20D60239-8CB4-410A-BC9B-6BA24B25111F}"/>
+              </a:ext>
+            </a:extLst>
+          </p:cNvPr>
+          <p:cNvSpPr>
+            <a:spLocks noGrp="1"/>
+          </p:cNvSpPr>
+          <p:nvPr>
+            <p:ph type="title"/>
+          </p:nvPr>
+        </p:nvSpPr>
+        <p:spPr>
+          <a:xfrm>
+            <a:off x="655721" y="1967163"/>
+            <a:ext cx="3657600" cy="2887579"/>
+          </a:xfrm>
+        </p:spPr>
+        <p:txBody>
+          <a:bodyPr vert="horz" lIns="91440" tIns="45720" rIns="91440" bIns="45720" rtlCol="0" anchor="b">
             <a:normAutofit fontScale="90000"/>
           </a:bodyPr>
           <a:lstStyle/>
           <a:p>
             <a:pPr algn="ctr"/>
             <a:r>
-              <a:rPr lang="en-US" sz="2600" kern="1200" dirty="0">
+              <a:rPr lang="en-US" sz="4800" kern="1200" dirty="0">
                 <a:solidFill>
                   <a:schemeClr val="bg1"/>
                 </a:solidFill>
@@ -5169,31 +5143,10 @@
                 <a:ea typeface="+mj-ea"/>
                 <a:cs typeface="+mj-cs"/>
               </a:rPr>
-              <a:t>Sequence Diagram</a:t>
+              <a:t>System Sequence Diagram</a:t>
             </a:r>
             <a:br>
-              <a:rPr lang="en-US" sz="2600" kern="1200" dirty="0">
-                <a:solidFill>
-                  <a:schemeClr val="bg1"/>
-                </a:solidFill>
-                <a:latin typeface="+mj-lt"/>
-                <a:ea typeface="+mj-ea"/>
-                <a:cs typeface="+mj-cs"/>
-              </a:rPr>
-            </a:br>
-            <a:r>
-              <a:rPr lang="en-US" sz="2600" kern="1200" dirty="0">
-                <a:solidFill>
-                  <a:schemeClr val="bg1"/>
-                </a:solidFill>
-                <a:latin typeface="+mj-lt"/>
-                <a:ea typeface="+mj-ea"/>
-                <a:cs typeface="+mj-cs"/>
-              </a:rPr>
-              <a:t>____________</a:t>
-            </a:r>
-            <a:br>
-              <a:rPr lang="en-US" sz="2600" kern="1200" dirty="0">
+              <a:rPr lang="en-US" sz="4800" kern="1200" dirty="0">
                 <a:solidFill>
                   <a:schemeClr val="bg1"/>
                 </a:solidFill>
@@ -5203,7 +5156,7 @@
               </a:rPr>
             </a:br>
             <a:br>
-              <a:rPr lang="en-US" sz="2600" kern="1200" dirty="0">
+              <a:rPr lang="en-US" sz="4800" kern="1200" dirty="0">
                 <a:solidFill>
                   <a:schemeClr val="bg1"/>
                 </a:solidFill>
@@ -5213,7 +5166,7 @@
               </a:rPr>
             </a:br>
             <a:r>
-              <a:rPr lang="en-US" sz="2600" kern="1200" dirty="0">
+              <a:rPr lang="en-US" sz="4800" kern="1200" dirty="0">
                 <a:solidFill>
                   <a:schemeClr val="bg1"/>
                 </a:solidFill>
@@ -5226,10 +5179,42 @@
           </a:p>
         </p:txBody>
       </p:sp>
+      <p:pic>
+        <p:nvPicPr>
+          <p:cNvPr id="5" name="Content Placeholder 4">
+            <a:extLst>
+              <a:ext uri="{FF2B5EF4-FFF2-40B4-BE49-F238E27FC236}">
+                <a16:creationId xmlns:a16="http://schemas.microsoft.com/office/drawing/2014/main" id="{E2B73F3D-5313-41A8-97E2-AC8649858FCC}"/>
+              </a:ext>
+            </a:extLst>
+          </p:cNvPr>
+          <p:cNvPicPr>
+            <a:picLocks noGrp="1" noChangeAspect="1"/>
+          </p:cNvPicPr>
+          <p:nvPr>
+            <p:ph idx="1"/>
+          </p:nvPr>
+        </p:nvPicPr>
+        <p:blipFill>
+          <a:blip r:embed="rId2"/>
+          <a:stretch>
+            <a:fillRect/>
+          </a:stretch>
+        </p:blipFill>
+        <p:spPr>
+          <a:xfrm>
+            <a:off x="5152844" y="1012725"/>
+            <a:ext cx="6702272" cy="4165648"/>
+          </a:xfrm>
+          <a:prstGeom prst="rect">
+            <a:avLst/>
+          </a:prstGeom>
+        </p:spPr>
+      </p:pic>
     </p:spTree>
     <p:extLst>
       <p:ext uri="{BB962C8B-B14F-4D97-AF65-F5344CB8AC3E}">
-        <p14:creationId xmlns:p14="http://schemas.microsoft.com/office/powerpoint/2010/main" val="1273882862"/>
+        <p14:creationId xmlns:p14="http://schemas.microsoft.com/office/powerpoint/2010/main" val="3489440260"/>
       </p:ext>
     </p:extLst>
   </p:cSld>
@@ -5264,44 +5249,12 @@
           <a:chExt cx="0" cy="0"/>
         </a:xfrm>
       </p:grpSpPr>
-      <p:pic>
-        <p:nvPicPr>
-          <p:cNvPr id="6" name="Picture Placeholder 5" descr="A close up of text on a black background&#10;&#10;Description generated with very high confidence">
-            <a:extLst>
-              <a:ext uri="{FF2B5EF4-FFF2-40B4-BE49-F238E27FC236}">
-                <a16:creationId xmlns:a16="http://schemas.microsoft.com/office/drawing/2014/main" id="{AE3CC368-BC18-43E9-9520-32FF199633C9}"/>
-              </a:ext>
-            </a:extLst>
-          </p:cNvPr>
-          <p:cNvPicPr>
-            <a:picLocks noGrp="1" noChangeAspect="1"/>
-          </p:cNvPicPr>
-          <p:nvPr>
-            <p:ph idx="1"/>
-          </p:nvPr>
-        </p:nvPicPr>
-        <p:blipFill>
-          <a:blip r:embed="rId2"/>
-          <a:stretch>
-            <a:fillRect/>
-          </a:stretch>
-        </p:blipFill>
-        <p:spPr>
-          <a:xfrm>
-            <a:off x="4958876" y="321177"/>
-            <a:ext cx="6896240" cy="6327300"/>
-          </a:xfrm>
-          <a:prstGeom prst="rect">
-            <a:avLst/>
-          </a:prstGeom>
-        </p:spPr>
-      </p:pic>
-      <p:sp>
-        <p:nvSpPr>
-          <p:cNvPr id="18" name="Rectangle 17">
-            <a:extLst>
-              <a:ext uri="{FF2B5EF4-FFF2-40B4-BE49-F238E27FC236}">
-                <a16:creationId xmlns:a16="http://schemas.microsoft.com/office/drawing/2014/main" id="{AB45A142-4255-493C-8284-5D566C121B10}"/>
+      <p:sp>
+        <p:nvSpPr>
+          <p:cNvPr id="26" name="Rectangle 25">
+            <a:extLst>
+              <a:ext uri="{FF2B5EF4-FFF2-40B4-BE49-F238E27FC236}">
+                <a16:creationId xmlns:a16="http://schemas.microsoft.com/office/drawing/2014/main" id="{047C8CCB-F95D-4249-92DD-651249D3535A}"/>
               </a:ext>
             </a:extLst>
           </p:cNvPr>
@@ -5316,27 +5269,22 @@
             </p:extLst>
           </p:nvPr>
         </p:nvSpPr>
-        <p:spPr bwMode="ltGray">
-          <a:xfrm>
-            <a:off x="336884" y="321177"/>
-            <a:ext cx="4332307" cy="6179552"/>
+        <p:spPr>
+          <a:xfrm>
+            <a:off x="0" y="0"/>
+            <a:ext cx="2013557" cy="6858000"/>
           </a:xfrm>
           <a:prstGeom prst="rect">
             <a:avLst/>
           </a:prstGeom>
           <a:solidFill>
             <a:schemeClr val="tx1">
-              <a:lumMod val="75000"/>
-              <a:lumOff val="25000"/>
+              <a:lumMod val="50000"/>
+              <a:lumOff val="50000"/>
             </a:schemeClr>
           </a:solidFill>
-          <a:ln w="127000" cap="sq" cmpd="thinThick">
-            <a:solidFill>
-              <a:schemeClr val="tx1">
-                <a:lumMod val="75000"/>
-                <a:lumOff val="25000"/>
-              </a:schemeClr>
-            </a:solidFill>
+          <a:ln>
+            <a:noFill/>
           </a:ln>
         </p:spPr>
         <p:style>
@@ -5364,88 +5312,84 @@
           </a:p>
         </p:txBody>
       </p:sp>
-      <p:cxnSp>
-        <p:nvCxnSpPr>
-          <p:cNvPr id="20" name="Straight Connector 19">
-            <a:extLst>
-              <a:ext uri="{FF2B5EF4-FFF2-40B4-BE49-F238E27FC236}">
-                <a16:creationId xmlns:a16="http://schemas.microsoft.com/office/drawing/2014/main" id="{38FB9660-F42F-4313-BBC4-47C007FE484C}"/>
-              </a:ext>
-            </a:extLst>
-          </p:cNvPr>
-          <p:cNvCxnSpPr>
-            <a:cxnSpLocks noGrp="1" noRot="1" noChangeAspect="1" noMove="1" noResize="1" noEditPoints="1" noAdjustHandles="1" noChangeArrowheads="1" noChangeShapeType="1"/>
-          </p:cNvCxnSpPr>
-          <p:nvPr>
-            <p:extLst>
-              <p:ext uri="{386F3935-93C4-4BCD-93E2-E3B085C9AB24}">
-                <p16:designElem xmlns:p16="http://schemas.microsoft.com/office/powerpoint/2015/main" val="1"/>
-              </p:ext>
-            </p:extLst>
-          </p:nvPr>
-        </p:nvCxnSpPr>
+      <p:pic>
+        <p:nvPicPr>
+          <p:cNvPr id="3" name="Picture 2">
+            <a:extLst>
+              <a:ext uri="{FF2B5EF4-FFF2-40B4-BE49-F238E27FC236}">
+                <a16:creationId xmlns:a16="http://schemas.microsoft.com/office/drawing/2014/main" id="{C8D0EA52-27B7-4C37-8720-A1862F170EEB}"/>
+              </a:ext>
+            </a:extLst>
+          </p:cNvPr>
+          <p:cNvPicPr>
+            <a:picLocks noChangeAspect="1"/>
+          </p:cNvPicPr>
+          <p:nvPr/>
+        </p:nvPicPr>
+        <p:blipFill>
+          <a:blip r:embed="rId2"/>
+          <a:stretch>
+            <a:fillRect/>
+          </a:stretch>
+        </p:blipFill>
         <p:spPr>
           <a:xfrm>
-            <a:off x="1191126" y="3910267"/>
-            <a:ext cx="2586790" cy="0"/>
-          </a:xfrm>
-          <a:prstGeom prst="line">
+            <a:off x="3066761" y="825909"/>
+            <a:ext cx="9044942" cy="5004619"/>
+          </a:xfrm>
+          <a:prstGeom prst="rect">
             <a:avLst/>
           </a:prstGeom>
-          <a:ln w="22225">
+        </p:spPr>
+      </p:pic>
+      <p:sp>
+        <p:nvSpPr>
+          <p:cNvPr id="2" name="Title 1">
+            <a:extLst>
+              <a:ext uri="{FF2B5EF4-FFF2-40B4-BE49-F238E27FC236}">
+                <a16:creationId xmlns:a16="http://schemas.microsoft.com/office/drawing/2014/main" id="{CD6C2030-3FEC-47D7-B39C-8EEE6B7CCC11}"/>
+              </a:ext>
+            </a:extLst>
+          </p:cNvPr>
+          <p:cNvSpPr>
+            <a:spLocks noGrp="1"/>
+          </p:cNvSpPr>
+          <p:nvPr>
+            <p:ph type="title"/>
+          </p:nvPr>
+        </p:nvSpPr>
+        <p:spPr>
+          <a:xfrm>
+            <a:off x="640080" y="2074363"/>
+            <a:ext cx="2752354" cy="2709275"/>
+          </a:xfrm>
+          <a:prstGeom prst="ellipse">
+            <a:avLst/>
+          </a:prstGeom>
+          <a:solidFill>
+            <a:schemeClr val="tx1">
+              <a:lumMod val="85000"/>
+              <a:lumOff val="15000"/>
+            </a:schemeClr>
+          </a:solidFill>
+          <a:ln w="174625" cmpd="thinThick">
             <a:solidFill>
-              <a:schemeClr val="bg1">
+              <a:schemeClr val="tx1">
                 <a:lumMod val="85000"/>
+                <a:lumOff val="15000"/>
               </a:schemeClr>
             </a:solidFill>
           </a:ln>
         </p:spPr>
-        <p:style>
-          <a:lnRef idx="1">
-            <a:schemeClr val="accent1"/>
-          </a:lnRef>
-          <a:fillRef idx="0">
-            <a:schemeClr val="accent1"/>
-          </a:fillRef>
-          <a:effectRef idx="0">
-            <a:schemeClr val="accent1"/>
-          </a:effectRef>
-          <a:fontRef idx="minor">
-            <a:schemeClr val="tx1"/>
-          </a:fontRef>
-        </p:style>
-      </p:cxnSp>
-      <p:sp>
-        <p:nvSpPr>
-          <p:cNvPr id="2" name="Title 1">
-            <a:extLst>
-              <a:ext uri="{FF2B5EF4-FFF2-40B4-BE49-F238E27FC236}">
-                <a16:creationId xmlns:a16="http://schemas.microsoft.com/office/drawing/2014/main" id="{9E746B36-9D8F-4D7A-9942-60C02C230CE1}"/>
-              </a:ext>
-            </a:extLst>
-          </p:cNvPr>
-          <p:cNvSpPr>
-            <a:spLocks noGrp="1"/>
-          </p:cNvSpPr>
-          <p:nvPr>
-            <p:ph type="title"/>
-          </p:nvPr>
-        </p:nvSpPr>
-        <p:spPr>
-          <a:xfrm>
-            <a:off x="674237" y="914400"/>
-            <a:ext cx="3657600" cy="2887579"/>
-          </a:xfrm>
-        </p:spPr>
-        <p:txBody>
-          <a:bodyPr vert="horz" lIns="91440" tIns="45720" rIns="91440" bIns="45720" rtlCol="0" anchor="b">
-            <a:normAutofit/>
+        <p:txBody>
+          <a:bodyPr vert="horz" lIns="91440" tIns="45720" rIns="91440" bIns="45720" rtlCol="0" anchor="ctr">
+            <a:normAutofit fontScale="90000"/>
           </a:bodyPr>
           <a:lstStyle/>
           <a:p>
             <a:pPr algn="ctr"/>
             <a:r>
-              <a:rPr lang="en-US" sz="4800" kern="1200">
+              <a:rPr lang="en-US" sz="2600" kern="1200">
                 <a:solidFill>
                   <a:schemeClr val="bg1"/>
                 </a:solidFill>
@@ -5453,15 +5397,75 @@
                 <a:ea typeface="+mj-ea"/>
                 <a:cs typeface="+mj-cs"/>
               </a:rPr>
-              <a:t>Updated Use Case</a:t>
-            </a:r>
+              <a:t>Sequence Diagram</a:t>
+            </a:r>
+            <a:br>
+              <a:rPr lang="en-US" sz="2600" kern="1200">
+                <a:solidFill>
+                  <a:schemeClr val="bg1"/>
+                </a:solidFill>
+                <a:latin typeface="+mj-lt"/>
+                <a:ea typeface="+mj-ea"/>
+                <a:cs typeface="+mj-cs"/>
+              </a:rPr>
+            </a:br>
+            <a:r>
+              <a:rPr lang="en-US" sz="2600" kern="1200">
+                <a:solidFill>
+                  <a:schemeClr val="bg1"/>
+                </a:solidFill>
+                <a:latin typeface="+mj-lt"/>
+                <a:ea typeface="+mj-ea"/>
+                <a:cs typeface="+mj-cs"/>
+              </a:rPr>
+              <a:t>___________</a:t>
+            </a:r>
+            <a:br>
+              <a:rPr lang="en-US" sz="2600" kern="1200">
+                <a:solidFill>
+                  <a:schemeClr val="bg1"/>
+                </a:solidFill>
+                <a:latin typeface="+mj-lt"/>
+                <a:ea typeface="+mj-ea"/>
+                <a:cs typeface="+mj-cs"/>
+              </a:rPr>
+            </a:br>
+            <a:br>
+              <a:rPr lang="en-US" sz="2600" kern="1200">
+                <a:solidFill>
+                  <a:schemeClr val="bg1"/>
+                </a:solidFill>
+                <a:latin typeface="+mj-lt"/>
+                <a:ea typeface="+mj-ea"/>
+                <a:cs typeface="+mj-cs"/>
+              </a:rPr>
+            </a:br>
+            <a:r>
+              <a:rPr lang="en-US" sz="2600" kern="1200">
+                <a:solidFill>
+                  <a:schemeClr val="bg1"/>
+                </a:solidFill>
+                <a:latin typeface="+mj-lt"/>
+                <a:ea typeface="+mj-ea"/>
+                <a:cs typeface="+mj-cs"/>
+              </a:rPr>
+              <a:t>Event Planner</a:t>
+            </a:r>
+            <a:endParaRPr lang="en-US" sz="2600" kern="1200" dirty="0">
+              <a:solidFill>
+                <a:schemeClr val="bg1"/>
+              </a:solidFill>
+              <a:latin typeface="+mj-lt"/>
+              <a:ea typeface="+mj-ea"/>
+              <a:cs typeface="+mj-cs"/>
+            </a:endParaRPr>
           </a:p>
         </p:txBody>
       </p:sp>
     </p:spTree>
     <p:extLst>
       <p:ext uri="{BB962C8B-B14F-4D97-AF65-F5344CB8AC3E}">
-        <p14:creationId xmlns:p14="http://schemas.microsoft.com/office/powerpoint/2010/main" val="4049331643"/>
+        <p14:creationId xmlns:p14="http://schemas.microsoft.com/office/powerpoint/2010/main" val="3593248973"/>
       </p:ext>
     </p:extLst>
   </p:cSld>
@@ -5496,18 +5500,18 @@
           <a:chExt cx="0" cy="0"/>
         </a:xfrm>
       </p:grpSpPr>
-      <p:pic>
-        <p:nvPicPr>
-          <p:cNvPr id="15" name="Graphic 14">
-            <a:extLst>
-              <a:ext uri="{FF2B5EF4-FFF2-40B4-BE49-F238E27FC236}">
-                <a16:creationId xmlns:a16="http://schemas.microsoft.com/office/drawing/2014/main" id="{F52436D2-BBA4-4B2A-B9C1-7FE4A21C258E}"/>
-              </a:ext>
-            </a:extLst>
-          </p:cNvPr>
-          <p:cNvPicPr>
-            <a:picLocks noGrp="1" noRot="1" noChangeAspect="1" noMove="1" noResize="1" noEditPoints="1" noAdjustHandles="1" noChangeArrowheads="1" noChangeShapeType="1" noCrop="1"/>
-          </p:cNvPicPr>
+      <p:sp>
+        <p:nvSpPr>
+          <p:cNvPr id="26" name="Rectangle 25">
+            <a:extLst>
+              <a:ext uri="{FF2B5EF4-FFF2-40B4-BE49-F238E27FC236}">
+                <a16:creationId xmlns:a16="http://schemas.microsoft.com/office/drawing/2014/main" id="{047C8CCB-F95D-4249-92DD-651249D3535A}"/>
+              </a:ext>
+            </a:extLst>
+          </p:cNvPr>
+          <p:cNvSpPr>
+            <a:spLocks noGrp="1" noRot="1" noChangeAspect="1" noMove="1" noResize="1" noEditPoints="1" noAdjustHandles="1" noChangeArrowheads="1" noChangeShapeType="1" noTextEdit="1"/>
+          </p:cNvSpPr>
           <p:nvPr>
             <p:extLst>
               <p:ext uri="{386F3935-93C4-4BCD-93E2-E3B085C9AB24}">
@@ -5515,39 +5519,56 @@
               </p:ext>
             </p:extLst>
           </p:nvPr>
-        </p:nvPicPr>
-        <p:blipFill>
-          <a:blip r:embed="rId2">
-            <a:alphaModFix amt="15000"/>
-            <a:extLst>
-              <a:ext uri="{28A0092B-C50C-407E-A947-70E740481C1C}">
-                <a14:useLocalDpi xmlns:a14="http://schemas.microsoft.com/office/drawing/2010/main" val="0"/>
-              </a:ext>
-              <a:ext uri="{96DAC541-7B7A-43D3-8B79-37D633B846F1}">
-                <asvg:svgBlip xmlns:asvg="http://schemas.microsoft.com/office/drawing/2016/SVG/main" r:embed="rId3"/>
-              </a:ext>
-            </a:extLst>
-          </a:blip>
-          <a:stretch>
-            <a:fillRect/>
-          </a:stretch>
-        </p:blipFill>
+        </p:nvSpPr>
         <p:spPr>
           <a:xfrm>
-            <a:off x="6641431" y="816337"/>
-            <a:ext cx="5225327" cy="5225327"/>
+            <a:off x="0" y="0"/>
+            <a:ext cx="2013557" cy="6858000"/>
           </a:xfrm>
           <a:prstGeom prst="rect">
             <a:avLst/>
           </a:prstGeom>
-        </p:spPr>
-      </p:pic>
+          <a:solidFill>
+            <a:schemeClr val="tx1">
+              <a:lumMod val="50000"/>
+              <a:lumOff val="50000"/>
+            </a:schemeClr>
+          </a:solidFill>
+          <a:ln>
+            <a:noFill/>
+          </a:ln>
+        </p:spPr>
+        <p:style>
+          <a:lnRef idx="2">
+            <a:schemeClr val="accent1">
+              <a:shade val="50000"/>
+            </a:schemeClr>
+          </a:lnRef>
+          <a:fillRef idx="1">
+            <a:schemeClr val="accent1"/>
+          </a:fillRef>
+          <a:effectRef idx="0">
+            <a:schemeClr val="accent1"/>
+          </a:effectRef>
+          <a:fontRef idx="minor">
+            <a:schemeClr val="lt1"/>
+          </a:fontRef>
+        </p:style>
+        <p:txBody>
+          <a:bodyPr rtlCol="0" anchor="ctr"/>
+          <a:lstStyle/>
+          <a:p>
+            <a:pPr algn="ctr"/>
+            <a:endParaRPr lang="en-US"/>
+          </a:p>
+        </p:txBody>
+      </p:sp>
       <p:pic>
         <p:nvPicPr>
-          <p:cNvPr id="4" name="Graphic 3">
-            <a:extLst>
-              <a:ext uri="{FF2B5EF4-FFF2-40B4-BE49-F238E27FC236}">
-                <a16:creationId xmlns:a16="http://schemas.microsoft.com/office/drawing/2014/main" id="{E9DDA169-1DB9-41D8-B3A6-0ACB15DAC5AC}"/>
+          <p:cNvPr id="3" name="Picture 2">
+            <a:extLst>
+              <a:ext uri="{FF2B5EF4-FFF2-40B4-BE49-F238E27FC236}">
+                <a16:creationId xmlns:a16="http://schemas.microsoft.com/office/drawing/2014/main" id="{0CB41FB1-8A55-42D5-9D76-C9558C44DDD0}"/>
               </a:ext>
             </a:extLst>
           </p:cNvPr>
@@ -5557,24 +5578,15 @@
           <p:nvPr/>
         </p:nvPicPr>
         <p:blipFill>
-          <a:blip r:embed="rId2">
-            <a:extLst>
-              <a:ext uri="{28A0092B-C50C-407E-A947-70E740481C1C}">
-                <a14:useLocalDpi xmlns:a14="http://schemas.microsoft.com/office/drawing/2010/main" val="0"/>
-              </a:ext>
-              <a:ext uri="{96DAC541-7B7A-43D3-8B79-37D633B846F1}">
-                <asvg:svgBlip xmlns:asvg="http://schemas.microsoft.com/office/drawing/2016/SVG/main" r:embed="rId3"/>
-              </a:ext>
-            </a:extLst>
-          </a:blip>
+          <a:blip r:embed="rId2"/>
           <a:stretch>
             <a:fillRect/>
           </a:stretch>
         </p:blipFill>
         <p:spPr>
           <a:xfrm>
-            <a:off x="838201" y="2743201"/>
-            <a:ext cx="1371600" cy="1371600"/>
+            <a:off x="3118303" y="806246"/>
+            <a:ext cx="9003231" cy="4951775"/>
           </a:xfrm>
           <a:prstGeom prst="rect">
             <a:avLst/>
@@ -5586,7 +5598,7 @@
           <p:cNvPr id="2" name="Title 1">
             <a:extLst>
               <a:ext uri="{FF2B5EF4-FFF2-40B4-BE49-F238E27FC236}">
-                <a16:creationId xmlns:a16="http://schemas.microsoft.com/office/drawing/2014/main" id="{4FC2708E-A598-4F1E-BBEE-D6420663BFEC}"/>
+                <a16:creationId xmlns:a16="http://schemas.microsoft.com/office/drawing/2014/main" id="{CD6C2030-3FEC-47D7-B39C-8EEE6B7CCC11}"/>
               </a:ext>
             </a:extLst>
           </p:cNvPr>
@@ -5599,9 +5611,26 @@
         </p:nvSpPr>
         <p:spPr>
           <a:xfrm>
-            <a:off x="2370667" y="2187743"/>
-            <a:ext cx="5293449" cy="2482515"/>
-          </a:xfrm>
+            <a:off x="640080" y="2074363"/>
+            <a:ext cx="2752354" cy="2709275"/>
+          </a:xfrm>
+          <a:prstGeom prst="ellipse">
+            <a:avLst/>
+          </a:prstGeom>
+          <a:solidFill>
+            <a:schemeClr val="tx1">
+              <a:lumMod val="85000"/>
+              <a:lumOff val="15000"/>
+            </a:schemeClr>
+          </a:solidFill>
+          <a:ln w="174625" cmpd="thinThick">
+            <a:solidFill>
+              <a:schemeClr val="tx1">
+                <a:lumMod val="85000"/>
+                <a:lumOff val="15000"/>
+              </a:schemeClr>
+            </a:solidFill>
+          </a:ln>
         </p:spPr>
         <p:txBody>
           <a:bodyPr vert="horz" lIns="91440" tIns="45720" rIns="91440" bIns="45720" rtlCol="0" anchor="ctr">
@@ -5609,16 +5638,69 @@
           </a:bodyPr>
           <a:lstStyle/>
           <a:p>
-            <a:r>
-              <a:rPr lang="en-US" sz="6000" kern="1200">
+            <a:pPr algn="ctr"/>
+            <a:r>
+              <a:rPr lang="en-US" sz="2600" kern="1200" dirty="0">
                 <a:solidFill>
-                  <a:schemeClr val="tx1"/>
+                  <a:schemeClr val="bg1"/>
                 </a:solidFill>
                 <a:latin typeface="+mj-lt"/>
                 <a:ea typeface="+mj-ea"/>
                 <a:cs typeface="+mj-cs"/>
               </a:rPr>
-              <a:t>Questions</a:t>
+              <a:t>Sequence Diagram</a:t>
+            </a:r>
+            <a:br>
+              <a:rPr lang="en-US" sz="2600" kern="1200" dirty="0">
+                <a:solidFill>
+                  <a:schemeClr val="bg1"/>
+                </a:solidFill>
+                <a:latin typeface="+mj-lt"/>
+                <a:ea typeface="+mj-ea"/>
+                <a:cs typeface="+mj-cs"/>
+              </a:rPr>
+            </a:br>
+            <a:r>
+              <a:rPr lang="en-US" sz="2600" kern="1200" dirty="0">
+                <a:solidFill>
+                  <a:schemeClr val="bg1"/>
+                </a:solidFill>
+                <a:latin typeface="+mj-lt"/>
+                <a:ea typeface="+mj-ea"/>
+                <a:cs typeface="+mj-cs"/>
+              </a:rPr>
+              <a:t>__________</a:t>
+            </a:r>
+            <a:br>
+              <a:rPr lang="en-US" sz="2600" kern="1200" dirty="0">
+                <a:solidFill>
+                  <a:schemeClr val="bg1"/>
+                </a:solidFill>
+                <a:latin typeface="+mj-lt"/>
+                <a:ea typeface="+mj-ea"/>
+                <a:cs typeface="+mj-cs"/>
+              </a:rPr>
+            </a:br>
+            <a:br>
+              <a:rPr lang="en-US" sz="2600" kern="1200" dirty="0">
+                <a:solidFill>
+                  <a:schemeClr val="bg1"/>
+                </a:solidFill>
+                <a:latin typeface="+mj-lt"/>
+                <a:ea typeface="+mj-ea"/>
+                <a:cs typeface="+mj-cs"/>
+              </a:rPr>
+            </a:br>
+            <a:r>
+              <a:rPr lang="en-US" sz="2600" kern="1200" dirty="0">
+                <a:solidFill>
+                  <a:schemeClr val="bg1"/>
+                </a:solidFill>
+                <a:latin typeface="+mj-lt"/>
+                <a:ea typeface="+mj-ea"/>
+                <a:cs typeface="+mj-cs"/>
+              </a:rPr>
+              <a:t>Kitchen</a:t>
             </a:r>
           </a:p>
         </p:txBody>
@@ -5626,7 +5708,482 @@
     </p:spTree>
     <p:extLst>
       <p:ext uri="{BB962C8B-B14F-4D97-AF65-F5344CB8AC3E}">
-        <p14:creationId xmlns:p14="http://schemas.microsoft.com/office/powerpoint/2010/main" val="3152776"/>
+        <p14:creationId xmlns:p14="http://schemas.microsoft.com/office/powerpoint/2010/main" val="2947770770"/>
+      </p:ext>
+    </p:extLst>
+  </p:cSld>
+  <p:clrMapOvr>
+    <a:masterClrMapping/>
+  </p:clrMapOvr>
+</p:sld>
+</file>
+
+<file path=ppt/slides/slide18.xml><?xml version="1.0" encoding="utf-8"?>
+<p:sld xmlns:a="http://schemas.openxmlformats.org/drawingml/2006/main" xmlns:r="http://schemas.openxmlformats.org/officeDocument/2006/relationships" xmlns:p="http://schemas.openxmlformats.org/presentationml/2006/main">
+  <p:cSld>
+    <p:bg>
+      <p:bgPr>
+        <a:solidFill>
+          <a:schemeClr val="bg1"/>
+        </a:solidFill>
+        <a:effectLst/>
+      </p:bgPr>
+    </p:bg>
+    <p:spTree>
+      <p:nvGrpSpPr>
+        <p:cNvPr id="1" name=""/>
+        <p:cNvGrpSpPr/>
+        <p:nvPr/>
+      </p:nvGrpSpPr>
+      <p:grpSpPr>
+        <a:xfrm>
+          <a:off x="0" y="0"/>
+          <a:ext cx="0" cy="0"/>
+          <a:chOff x="0" y="0"/>
+          <a:chExt cx="0" cy="0"/>
+        </a:xfrm>
+      </p:grpSpPr>
+      <p:sp>
+        <p:nvSpPr>
+          <p:cNvPr id="26" name="Rectangle 25">
+            <a:extLst>
+              <a:ext uri="{FF2B5EF4-FFF2-40B4-BE49-F238E27FC236}">
+                <a16:creationId xmlns:a16="http://schemas.microsoft.com/office/drawing/2014/main" id="{047C8CCB-F95D-4249-92DD-651249D3535A}"/>
+              </a:ext>
+            </a:extLst>
+          </p:cNvPr>
+          <p:cNvSpPr>
+            <a:spLocks noGrp="1" noRot="1" noChangeAspect="1" noMove="1" noResize="1" noEditPoints="1" noAdjustHandles="1" noChangeArrowheads="1" noChangeShapeType="1" noTextEdit="1"/>
+          </p:cNvSpPr>
+          <p:nvPr>
+            <p:extLst>
+              <p:ext uri="{386F3935-93C4-4BCD-93E2-E3B085C9AB24}">
+                <p16:designElem xmlns:p16="http://schemas.microsoft.com/office/powerpoint/2015/main" val="1"/>
+              </p:ext>
+            </p:extLst>
+          </p:nvPr>
+        </p:nvSpPr>
+        <p:spPr>
+          <a:xfrm>
+            <a:off x="0" y="0"/>
+            <a:ext cx="2013557" cy="6858000"/>
+          </a:xfrm>
+          <a:prstGeom prst="rect">
+            <a:avLst/>
+          </a:prstGeom>
+          <a:solidFill>
+            <a:schemeClr val="tx1">
+              <a:lumMod val="50000"/>
+              <a:lumOff val="50000"/>
+            </a:schemeClr>
+          </a:solidFill>
+          <a:ln>
+            <a:noFill/>
+          </a:ln>
+        </p:spPr>
+        <p:style>
+          <a:lnRef idx="2">
+            <a:schemeClr val="accent1">
+              <a:shade val="50000"/>
+            </a:schemeClr>
+          </a:lnRef>
+          <a:fillRef idx="1">
+            <a:schemeClr val="accent1"/>
+          </a:fillRef>
+          <a:effectRef idx="0">
+            <a:schemeClr val="accent1"/>
+          </a:effectRef>
+          <a:fontRef idx="minor">
+            <a:schemeClr val="lt1"/>
+          </a:fontRef>
+        </p:style>
+        <p:txBody>
+          <a:bodyPr rtlCol="0" anchor="ctr"/>
+          <a:lstStyle/>
+          <a:p>
+            <a:pPr algn="ctr"/>
+            <a:endParaRPr lang="en-US"/>
+          </a:p>
+        </p:txBody>
+      </p:sp>
+      <p:pic>
+        <p:nvPicPr>
+          <p:cNvPr id="4" name="Picture 3">
+            <a:extLst>
+              <a:ext uri="{FF2B5EF4-FFF2-40B4-BE49-F238E27FC236}">
+                <a16:creationId xmlns:a16="http://schemas.microsoft.com/office/drawing/2014/main" id="{6A34B8A0-A43B-4160-A3EC-BBD6C7CF661C}"/>
+              </a:ext>
+            </a:extLst>
+          </p:cNvPr>
+          <p:cNvPicPr>
+            <a:picLocks noChangeAspect="1"/>
+          </p:cNvPicPr>
+          <p:nvPr/>
+        </p:nvPicPr>
+        <p:blipFill>
+          <a:blip r:embed="rId2"/>
+          <a:stretch>
+            <a:fillRect/>
+          </a:stretch>
+        </p:blipFill>
+        <p:spPr>
+          <a:xfrm>
+            <a:off x="3309565" y="897507"/>
+            <a:ext cx="8882435" cy="5062986"/>
+          </a:xfrm>
+          <a:prstGeom prst="rect">
+            <a:avLst/>
+          </a:prstGeom>
+        </p:spPr>
+      </p:pic>
+      <p:sp>
+        <p:nvSpPr>
+          <p:cNvPr id="2" name="Title 1">
+            <a:extLst>
+              <a:ext uri="{FF2B5EF4-FFF2-40B4-BE49-F238E27FC236}">
+                <a16:creationId xmlns:a16="http://schemas.microsoft.com/office/drawing/2014/main" id="{CD6C2030-3FEC-47D7-B39C-8EEE6B7CCC11}"/>
+              </a:ext>
+            </a:extLst>
+          </p:cNvPr>
+          <p:cNvSpPr>
+            <a:spLocks noGrp="1"/>
+          </p:cNvSpPr>
+          <p:nvPr>
+            <p:ph type="title"/>
+          </p:nvPr>
+        </p:nvSpPr>
+        <p:spPr>
+          <a:xfrm>
+            <a:off x="640080" y="2074363"/>
+            <a:ext cx="2752354" cy="2709275"/>
+          </a:xfrm>
+          <a:prstGeom prst="ellipse">
+            <a:avLst/>
+          </a:prstGeom>
+          <a:solidFill>
+            <a:schemeClr val="tx1">
+              <a:lumMod val="85000"/>
+              <a:lumOff val="15000"/>
+            </a:schemeClr>
+          </a:solidFill>
+          <a:ln w="174625" cmpd="thinThick">
+            <a:solidFill>
+              <a:schemeClr val="tx1">
+                <a:lumMod val="85000"/>
+                <a:lumOff val="15000"/>
+              </a:schemeClr>
+            </a:solidFill>
+          </a:ln>
+        </p:spPr>
+        <p:txBody>
+          <a:bodyPr vert="horz" lIns="91440" tIns="45720" rIns="91440" bIns="45720" rtlCol="0" anchor="ctr">
+            <a:normAutofit fontScale="90000"/>
+          </a:bodyPr>
+          <a:lstStyle/>
+          <a:p>
+            <a:pPr algn="ctr"/>
+            <a:r>
+              <a:rPr lang="en-US" sz="2600" kern="1200" dirty="0">
+                <a:solidFill>
+                  <a:schemeClr val="bg1"/>
+                </a:solidFill>
+                <a:latin typeface="+mj-lt"/>
+                <a:ea typeface="+mj-ea"/>
+                <a:cs typeface="+mj-cs"/>
+              </a:rPr>
+              <a:t>Sequence Diagram</a:t>
+            </a:r>
+            <a:br>
+              <a:rPr lang="en-US" sz="2600" kern="1200" dirty="0">
+                <a:solidFill>
+                  <a:schemeClr val="bg1"/>
+                </a:solidFill>
+                <a:latin typeface="+mj-lt"/>
+                <a:ea typeface="+mj-ea"/>
+                <a:cs typeface="+mj-cs"/>
+              </a:rPr>
+            </a:br>
+            <a:r>
+              <a:rPr lang="en-US" sz="2600" kern="1200" dirty="0">
+                <a:solidFill>
+                  <a:schemeClr val="bg1"/>
+                </a:solidFill>
+                <a:latin typeface="+mj-lt"/>
+                <a:ea typeface="+mj-ea"/>
+                <a:cs typeface="+mj-cs"/>
+              </a:rPr>
+              <a:t>____________</a:t>
+            </a:r>
+            <a:br>
+              <a:rPr lang="en-US" sz="2600" kern="1200" dirty="0">
+                <a:solidFill>
+                  <a:schemeClr val="bg1"/>
+                </a:solidFill>
+                <a:latin typeface="+mj-lt"/>
+                <a:ea typeface="+mj-ea"/>
+                <a:cs typeface="+mj-cs"/>
+              </a:rPr>
+            </a:br>
+            <a:br>
+              <a:rPr lang="en-US" sz="2600" kern="1200" dirty="0">
+                <a:solidFill>
+                  <a:schemeClr val="bg1"/>
+                </a:solidFill>
+                <a:latin typeface="+mj-lt"/>
+                <a:ea typeface="+mj-ea"/>
+                <a:cs typeface="+mj-cs"/>
+              </a:rPr>
+            </a:br>
+            <a:r>
+              <a:rPr lang="en-US" sz="2600" kern="1200" dirty="0">
+                <a:solidFill>
+                  <a:schemeClr val="bg1"/>
+                </a:solidFill>
+                <a:latin typeface="+mj-lt"/>
+                <a:ea typeface="+mj-ea"/>
+                <a:cs typeface="+mj-cs"/>
+              </a:rPr>
+              <a:t>Delivery Driver</a:t>
+            </a:r>
+          </a:p>
+        </p:txBody>
+      </p:sp>
+    </p:spTree>
+    <p:extLst>
+      <p:ext uri="{BB962C8B-B14F-4D97-AF65-F5344CB8AC3E}">
+        <p14:creationId xmlns:p14="http://schemas.microsoft.com/office/powerpoint/2010/main" val="1273882862"/>
+      </p:ext>
+    </p:extLst>
+  </p:cSld>
+  <p:clrMapOvr>
+    <a:masterClrMapping/>
+  </p:clrMapOvr>
+</p:sld>
+</file>
+
+<file path=ppt/slides/slide19.xml><?xml version="1.0" encoding="utf-8"?>
+<p:sld xmlns:a="http://schemas.openxmlformats.org/drawingml/2006/main" xmlns:r="http://schemas.openxmlformats.org/officeDocument/2006/relationships" xmlns:p="http://schemas.openxmlformats.org/presentationml/2006/main">
+  <p:cSld>
+    <p:bg>
+      <p:bgPr>
+        <a:solidFill>
+          <a:schemeClr val="bg1"/>
+        </a:solidFill>
+        <a:effectLst/>
+      </p:bgPr>
+    </p:bg>
+    <p:spTree>
+      <p:nvGrpSpPr>
+        <p:cNvPr id="1" name=""/>
+        <p:cNvGrpSpPr/>
+        <p:nvPr/>
+      </p:nvGrpSpPr>
+      <p:grpSpPr>
+        <a:xfrm>
+          <a:off x="0" y="0"/>
+          <a:ext cx="0" cy="0"/>
+          <a:chOff x="0" y="0"/>
+          <a:chExt cx="0" cy="0"/>
+        </a:xfrm>
+      </p:grpSpPr>
+      <p:pic>
+        <p:nvPicPr>
+          <p:cNvPr id="31" name="Content Placeholder 11">
+            <a:extLst>
+              <a:ext uri="{FF2B5EF4-FFF2-40B4-BE49-F238E27FC236}">
+                <a16:creationId xmlns:a16="http://schemas.microsoft.com/office/drawing/2014/main" id="{8F9292E1-73BC-4CFA-91CC-B5F06E56E5AA}"/>
+              </a:ext>
+            </a:extLst>
+          </p:cNvPr>
+          <p:cNvPicPr>
+            <a:picLocks noGrp="1" noChangeAspect="1"/>
+          </p:cNvPicPr>
+          <p:nvPr>
+            <p:ph idx="1"/>
+          </p:nvPr>
+        </p:nvPicPr>
+        <p:blipFill>
+          <a:blip r:embed="rId2"/>
+          <a:stretch>
+            <a:fillRect/>
+          </a:stretch>
+        </p:blipFill>
+        <p:spPr>
+          <a:xfrm>
+            <a:off x="5053710" y="419101"/>
+            <a:ext cx="6653658" cy="5938390"/>
+          </a:xfrm>
+          <a:prstGeom prst="rect">
+            <a:avLst/>
+          </a:prstGeom>
+        </p:spPr>
+      </p:pic>
+      <p:sp>
+        <p:nvSpPr>
+          <p:cNvPr id="34" name="Rectangle 33">
+            <a:extLst>
+              <a:ext uri="{FF2B5EF4-FFF2-40B4-BE49-F238E27FC236}">
+                <a16:creationId xmlns:a16="http://schemas.microsoft.com/office/drawing/2014/main" id="{AB45A142-4255-493C-8284-5D566C121B10}"/>
+              </a:ext>
+            </a:extLst>
+          </p:cNvPr>
+          <p:cNvSpPr>
+            <a:spLocks noGrp="1" noRot="1" noChangeAspect="1" noMove="1" noResize="1" noEditPoints="1" noAdjustHandles="1" noChangeArrowheads="1" noChangeShapeType="1" noTextEdit="1"/>
+          </p:cNvSpPr>
+          <p:nvPr>
+            <p:extLst>
+              <p:ext uri="{386F3935-93C4-4BCD-93E2-E3B085C9AB24}">
+                <p16:designElem xmlns:p16="http://schemas.microsoft.com/office/powerpoint/2015/main" val="1"/>
+              </p:ext>
+            </p:extLst>
+          </p:nvPr>
+        </p:nvSpPr>
+        <p:spPr bwMode="ltGray">
+          <a:xfrm>
+            <a:off x="336884" y="321177"/>
+            <a:ext cx="4332307" cy="6179552"/>
+          </a:xfrm>
+          <a:prstGeom prst="rect">
+            <a:avLst/>
+          </a:prstGeom>
+          <a:solidFill>
+            <a:schemeClr val="tx1">
+              <a:lumMod val="75000"/>
+              <a:lumOff val="25000"/>
+            </a:schemeClr>
+          </a:solidFill>
+          <a:ln w="127000" cap="sq" cmpd="thinThick">
+            <a:solidFill>
+              <a:schemeClr val="tx1">
+                <a:lumMod val="75000"/>
+                <a:lumOff val="25000"/>
+              </a:schemeClr>
+            </a:solidFill>
+          </a:ln>
+        </p:spPr>
+        <p:style>
+          <a:lnRef idx="2">
+            <a:schemeClr val="accent1">
+              <a:shade val="50000"/>
+            </a:schemeClr>
+          </a:lnRef>
+          <a:fillRef idx="1">
+            <a:schemeClr val="accent1"/>
+          </a:fillRef>
+          <a:effectRef idx="0">
+            <a:schemeClr val="accent1"/>
+          </a:effectRef>
+          <a:fontRef idx="minor">
+            <a:schemeClr val="lt1"/>
+          </a:fontRef>
+        </p:style>
+        <p:txBody>
+          <a:bodyPr rtlCol="0" anchor="ctr"/>
+          <a:lstStyle/>
+          <a:p>
+            <a:pPr algn="ctr"/>
+            <a:endParaRPr lang="en-US"/>
+          </a:p>
+        </p:txBody>
+      </p:sp>
+      <p:cxnSp>
+        <p:nvCxnSpPr>
+          <p:cNvPr id="36" name="Straight Connector 35">
+            <a:extLst>
+              <a:ext uri="{FF2B5EF4-FFF2-40B4-BE49-F238E27FC236}">
+                <a16:creationId xmlns:a16="http://schemas.microsoft.com/office/drawing/2014/main" id="{38FB9660-F42F-4313-BBC4-47C007FE484C}"/>
+              </a:ext>
+            </a:extLst>
+          </p:cNvPr>
+          <p:cNvCxnSpPr>
+            <a:cxnSpLocks noGrp="1" noRot="1" noChangeAspect="1" noMove="1" noResize="1" noEditPoints="1" noAdjustHandles="1" noChangeArrowheads="1" noChangeShapeType="1"/>
+          </p:cNvCxnSpPr>
+          <p:nvPr>
+            <p:extLst>
+              <p:ext uri="{386F3935-93C4-4BCD-93E2-E3B085C9AB24}">
+                <p16:designElem xmlns:p16="http://schemas.microsoft.com/office/powerpoint/2015/main" val="1"/>
+              </p:ext>
+            </p:extLst>
+          </p:nvPr>
+        </p:nvCxnSpPr>
+        <p:spPr>
+          <a:xfrm>
+            <a:off x="1191126" y="3910267"/>
+            <a:ext cx="2586790" cy="0"/>
+          </a:xfrm>
+          <a:prstGeom prst="line">
+            <a:avLst/>
+          </a:prstGeom>
+          <a:ln w="22225">
+            <a:solidFill>
+              <a:schemeClr val="bg1">
+                <a:lumMod val="85000"/>
+              </a:schemeClr>
+            </a:solidFill>
+          </a:ln>
+        </p:spPr>
+        <p:style>
+          <a:lnRef idx="1">
+            <a:schemeClr val="accent1"/>
+          </a:lnRef>
+          <a:fillRef idx="0">
+            <a:schemeClr val="accent1"/>
+          </a:fillRef>
+          <a:effectRef idx="0">
+            <a:schemeClr val="accent1"/>
+          </a:effectRef>
+          <a:fontRef idx="minor">
+            <a:schemeClr val="tx1"/>
+          </a:fontRef>
+        </p:style>
+      </p:cxnSp>
+      <p:sp>
+        <p:nvSpPr>
+          <p:cNvPr id="2" name="Title 1">
+            <a:extLst>
+              <a:ext uri="{FF2B5EF4-FFF2-40B4-BE49-F238E27FC236}">
+                <a16:creationId xmlns:a16="http://schemas.microsoft.com/office/drawing/2014/main" id="{9E746B36-9D8F-4D7A-9942-60C02C230CE1}"/>
+              </a:ext>
+            </a:extLst>
+          </p:cNvPr>
+          <p:cNvSpPr>
+            <a:spLocks noGrp="1"/>
+          </p:cNvSpPr>
+          <p:nvPr>
+            <p:ph type="title"/>
+          </p:nvPr>
+        </p:nvSpPr>
+        <p:spPr>
+          <a:xfrm>
+            <a:off x="674237" y="914400"/>
+            <a:ext cx="3657600" cy="2887579"/>
+          </a:xfrm>
+        </p:spPr>
+        <p:txBody>
+          <a:bodyPr vert="horz" lIns="91440" tIns="45720" rIns="91440" bIns="45720" rtlCol="0" anchor="b">
+            <a:normAutofit/>
+          </a:bodyPr>
+          <a:lstStyle/>
+          <a:p>
+            <a:pPr algn="ctr"/>
+            <a:r>
+              <a:rPr lang="en-US" sz="4800" kern="1200">
+                <a:solidFill>
+                  <a:schemeClr val="bg1"/>
+                </a:solidFill>
+                <a:latin typeface="+mj-lt"/>
+                <a:ea typeface="+mj-ea"/>
+                <a:cs typeface="+mj-cs"/>
+              </a:rPr>
+              <a:t>Updated Use Case</a:t>
+            </a:r>
+          </a:p>
+        </p:txBody>
+      </p:sp>
+    </p:spTree>
+    <p:extLst>
+      <p:ext uri="{BB962C8B-B14F-4D97-AF65-F5344CB8AC3E}">
+        <p14:creationId xmlns:p14="http://schemas.microsoft.com/office/powerpoint/2010/main" val="4049331643"/>
       </p:ext>
     </p:extLst>
   </p:cSld>
@@ -5850,6 +6407,171 @@
     <p:extLst>
       <p:ext uri="{BB962C8B-B14F-4D97-AF65-F5344CB8AC3E}">
         <p14:creationId xmlns:p14="http://schemas.microsoft.com/office/powerpoint/2010/main" val="714750656"/>
+      </p:ext>
+    </p:extLst>
+  </p:cSld>
+  <p:clrMapOvr>
+    <a:masterClrMapping/>
+  </p:clrMapOvr>
+</p:sld>
+</file>
+
+<file path=ppt/slides/slide20.xml><?xml version="1.0" encoding="utf-8"?>
+<p:sld xmlns:a="http://schemas.openxmlformats.org/drawingml/2006/main" xmlns:r="http://schemas.openxmlformats.org/officeDocument/2006/relationships" xmlns:p="http://schemas.openxmlformats.org/presentationml/2006/main">
+  <p:cSld>
+    <p:bg>
+      <p:bgPr>
+        <a:solidFill>
+          <a:schemeClr val="bg1"/>
+        </a:solidFill>
+        <a:effectLst/>
+      </p:bgPr>
+    </p:bg>
+    <p:spTree>
+      <p:nvGrpSpPr>
+        <p:cNvPr id="1" name=""/>
+        <p:cNvGrpSpPr/>
+        <p:nvPr/>
+      </p:nvGrpSpPr>
+      <p:grpSpPr>
+        <a:xfrm>
+          <a:off x="0" y="0"/>
+          <a:ext cx="0" cy="0"/>
+          <a:chOff x="0" y="0"/>
+          <a:chExt cx="0" cy="0"/>
+        </a:xfrm>
+      </p:grpSpPr>
+      <p:pic>
+        <p:nvPicPr>
+          <p:cNvPr id="15" name="Graphic 14">
+            <a:extLst>
+              <a:ext uri="{FF2B5EF4-FFF2-40B4-BE49-F238E27FC236}">
+                <a16:creationId xmlns:a16="http://schemas.microsoft.com/office/drawing/2014/main" id="{F52436D2-BBA4-4B2A-B9C1-7FE4A21C258E}"/>
+              </a:ext>
+            </a:extLst>
+          </p:cNvPr>
+          <p:cNvPicPr>
+            <a:picLocks noGrp="1" noRot="1" noChangeAspect="1" noMove="1" noResize="1" noEditPoints="1" noAdjustHandles="1" noChangeArrowheads="1" noChangeShapeType="1" noCrop="1"/>
+          </p:cNvPicPr>
+          <p:nvPr>
+            <p:extLst>
+              <p:ext uri="{386F3935-93C4-4BCD-93E2-E3B085C9AB24}">
+                <p16:designElem xmlns:p16="http://schemas.microsoft.com/office/powerpoint/2015/main" val="1"/>
+              </p:ext>
+            </p:extLst>
+          </p:nvPr>
+        </p:nvPicPr>
+        <p:blipFill>
+          <a:blip r:embed="rId2">
+            <a:alphaModFix amt="15000"/>
+            <a:extLst>
+              <a:ext uri="{28A0092B-C50C-407E-A947-70E740481C1C}">
+                <a14:useLocalDpi xmlns:a14="http://schemas.microsoft.com/office/drawing/2010/main" val="0"/>
+              </a:ext>
+              <a:ext uri="{96DAC541-7B7A-43D3-8B79-37D633B846F1}">
+                <asvg:svgBlip xmlns:asvg="http://schemas.microsoft.com/office/drawing/2016/SVG/main" r:embed="rId3"/>
+              </a:ext>
+            </a:extLst>
+          </a:blip>
+          <a:stretch>
+            <a:fillRect/>
+          </a:stretch>
+        </p:blipFill>
+        <p:spPr>
+          <a:xfrm>
+            <a:off x="6641431" y="816337"/>
+            <a:ext cx="5225327" cy="5225327"/>
+          </a:xfrm>
+          <a:prstGeom prst="rect">
+            <a:avLst/>
+          </a:prstGeom>
+        </p:spPr>
+      </p:pic>
+      <p:pic>
+        <p:nvPicPr>
+          <p:cNvPr id="4" name="Graphic 3">
+            <a:extLst>
+              <a:ext uri="{FF2B5EF4-FFF2-40B4-BE49-F238E27FC236}">
+                <a16:creationId xmlns:a16="http://schemas.microsoft.com/office/drawing/2014/main" id="{E9DDA169-1DB9-41D8-B3A6-0ACB15DAC5AC}"/>
+              </a:ext>
+            </a:extLst>
+          </p:cNvPr>
+          <p:cNvPicPr>
+            <a:picLocks noChangeAspect="1"/>
+          </p:cNvPicPr>
+          <p:nvPr/>
+        </p:nvPicPr>
+        <p:blipFill>
+          <a:blip r:embed="rId2">
+            <a:extLst>
+              <a:ext uri="{28A0092B-C50C-407E-A947-70E740481C1C}">
+                <a14:useLocalDpi xmlns:a14="http://schemas.microsoft.com/office/drawing/2010/main" val="0"/>
+              </a:ext>
+              <a:ext uri="{96DAC541-7B7A-43D3-8B79-37D633B846F1}">
+                <asvg:svgBlip xmlns:asvg="http://schemas.microsoft.com/office/drawing/2016/SVG/main" r:embed="rId3"/>
+              </a:ext>
+            </a:extLst>
+          </a:blip>
+          <a:stretch>
+            <a:fillRect/>
+          </a:stretch>
+        </p:blipFill>
+        <p:spPr>
+          <a:xfrm>
+            <a:off x="838201" y="2743201"/>
+            <a:ext cx="1371600" cy="1371600"/>
+          </a:xfrm>
+          <a:prstGeom prst="rect">
+            <a:avLst/>
+          </a:prstGeom>
+        </p:spPr>
+      </p:pic>
+      <p:sp>
+        <p:nvSpPr>
+          <p:cNvPr id="2" name="Title 1">
+            <a:extLst>
+              <a:ext uri="{FF2B5EF4-FFF2-40B4-BE49-F238E27FC236}">
+                <a16:creationId xmlns:a16="http://schemas.microsoft.com/office/drawing/2014/main" id="{4FC2708E-A598-4F1E-BBEE-D6420663BFEC}"/>
+              </a:ext>
+            </a:extLst>
+          </p:cNvPr>
+          <p:cNvSpPr>
+            <a:spLocks noGrp="1"/>
+          </p:cNvSpPr>
+          <p:nvPr>
+            <p:ph type="title"/>
+          </p:nvPr>
+        </p:nvSpPr>
+        <p:spPr>
+          <a:xfrm>
+            <a:off x="2370667" y="2187743"/>
+            <a:ext cx="5293449" cy="2482515"/>
+          </a:xfrm>
+        </p:spPr>
+        <p:txBody>
+          <a:bodyPr vert="horz" lIns="91440" tIns="45720" rIns="91440" bIns="45720" rtlCol="0" anchor="ctr">
+            <a:normAutofit/>
+          </a:bodyPr>
+          <a:lstStyle/>
+          <a:p>
+            <a:r>
+              <a:rPr lang="en-US" sz="6000" kern="1200">
+                <a:solidFill>
+                  <a:schemeClr val="tx1"/>
+                </a:solidFill>
+                <a:latin typeface="+mj-lt"/>
+                <a:ea typeface="+mj-ea"/>
+                <a:cs typeface="+mj-cs"/>
+              </a:rPr>
+              <a:t>Questions</a:t>
+            </a:r>
+          </a:p>
+        </p:txBody>
+      </p:sp>
+    </p:spTree>
+    <p:extLst>
+      <p:ext uri="{BB962C8B-B14F-4D97-AF65-F5344CB8AC3E}">
+        <p14:creationId xmlns:p14="http://schemas.microsoft.com/office/powerpoint/2010/main" val="3152776"/>
       </p:ext>
     </p:extLst>
   </p:cSld>
@@ -6466,12 +7188,42 @@
           <a:chExt cx="0" cy="0"/>
         </a:xfrm>
       </p:grpSpPr>
-      <p:sp>
-        <p:nvSpPr>
-          <p:cNvPr id="26" name="Rectangle 25">
-            <a:extLst>
-              <a:ext uri="{FF2B5EF4-FFF2-40B4-BE49-F238E27FC236}">
-                <a16:creationId xmlns:a16="http://schemas.microsoft.com/office/drawing/2014/main" id="{823AC064-BC96-4F32-8AE1-B2FD38754823}"/>
+      <p:pic>
+        <p:nvPicPr>
+          <p:cNvPr id="3" name="Picture 2" descr="A picture containing screenshot&#10;&#10;Description generated with high confidence">
+            <a:extLst>
+              <a:ext uri="{FF2B5EF4-FFF2-40B4-BE49-F238E27FC236}">
+                <a16:creationId xmlns:a16="http://schemas.microsoft.com/office/drawing/2014/main" id="{EB2E68D6-9379-4DA9-A504-2BB52A9E4604}"/>
+              </a:ext>
+            </a:extLst>
+          </p:cNvPr>
+          <p:cNvPicPr>
+            <a:picLocks noChangeAspect="1"/>
+          </p:cNvPicPr>
+          <p:nvPr/>
+        </p:nvPicPr>
+        <p:blipFill>
+          <a:blip r:embed="rId2"/>
+          <a:stretch>
+            <a:fillRect/>
+          </a:stretch>
+        </p:blipFill>
+        <p:spPr>
+          <a:xfrm>
+            <a:off x="5153822" y="934433"/>
+            <a:ext cx="6553545" cy="4997076"/>
+          </a:xfrm>
+          <a:prstGeom prst="rect">
+            <a:avLst/>
+          </a:prstGeom>
+        </p:spPr>
+      </p:pic>
+      <p:sp>
+        <p:nvSpPr>
+          <p:cNvPr id="40" name="Rectangle 39">
+            <a:extLst>
+              <a:ext uri="{FF2B5EF4-FFF2-40B4-BE49-F238E27FC236}">
+                <a16:creationId xmlns:a16="http://schemas.microsoft.com/office/drawing/2014/main" id="{AB45A142-4255-493C-8284-5D566C121B10}"/>
               </a:ext>
             </a:extLst>
           </p:cNvPr>
@@ -6488,8 +7240,8 @@
         </p:nvSpPr>
         <p:spPr bwMode="ltGray">
           <a:xfrm>
-            <a:off x="378068" y="4633546"/>
-            <a:ext cx="11438793" cy="1844256"/>
+            <a:off x="336884" y="321177"/>
+            <a:ext cx="4332307" cy="6179552"/>
           </a:xfrm>
           <a:prstGeom prst="rect">
             <a:avLst/>
@@ -6529,46 +7281,17 @@
           <a:bodyPr rtlCol="0" anchor="ctr"/>
           <a:lstStyle/>
           <a:p>
-            <a:pPr marL="0" marR="0" lvl="0" indent="0" algn="ctr" defTabSz="914400" rtl="0" eaLnBrk="1" fontAlgn="auto" latinLnBrk="0" hangingPunct="1">
-              <a:lnSpc>
-                <a:spcPct val="100000"/>
-              </a:lnSpc>
-              <a:spcBef>
-                <a:spcPts val="0"/>
-              </a:spcBef>
-              <a:spcAft>
-                <a:spcPts val="0"/>
-              </a:spcAft>
-              <a:buClrTx/>
-              <a:buSzTx/>
-              <a:buFontTx/>
-              <a:buNone/>
-              <a:tabLst/>
-              <a:defRPr/>
-            </a:pPr>
-            <a:endParaRPr kumimoji="0" lang="en-US" sz="1800" b="0" i="0" u="none" strike="noStrike" kern="1200" cap="none" spc="0" normalizeH="0" baseline="0" noProof="0">
-              <a:ln>
-                <a:noFill/>
-              </a:ln>
-              <a:solidFill>
-                <a:prstClr val="white"/>
-              </a:solidFill>
-              <a:effectLst/>
-              <a:uLnTx/>
-              <a:uFillTx/>
-              <a:latin typeface="Calibri" panose="020F0502020204030204"/>
-              <a:ea typeface="+mn-ea"/>
-              <a:cs typeface="+mn-cs"/>
-            </a:endParaRPr>
+            <a:pPr algn="ctr"/>
+            <a:endParaRPr lang="en-US"/>
           </a:p>
         </p:txBody>
       </p:sp>
       <p:cxnSp>
         <p:nvCxnSpPr>
-          <p:cNvPr id="28" name="Straight Connector 27">
-            <a:extLst>
-              <a:ext uri="{FF2B5EF4-FFF2-40B4-BE49-F238E27FC236}">
-                <a16:creationId xmlns:a16="http://schemas.microsoft.com/office/drawing/2014/main" id="{7E7C77BC-7138-40B1-A15B-20F57A494629}"/>
+          <p:cNvPr id="42" name="Straight Connector 41">
+            <a:extLst>
+              <a:ext uri="{FF2B5EF4-FFF2-40B4-BE49-F238E27FC236}">
+                <a16:creationId xmlns:a16="http://schemas.microsoft.com/office/drawing/2014/main" id="{38FB9660-F42F-4313-BBC4-47C007FE484C}"/>
               </a:ext>
             </a:extLst>
           </p:cNvPr>
@@ -6585,8 +7308,8 @@
         </p:nvCxnSpPr>
         <p:spPr>
           <a:xfrm>
-            <a:off x="2209800" y="5738691"/>
-            <a:ext cx="7772400" cy="0"/>
+            <a:off x="1191126" y="3910267"/>
+            <a:ext cx="2586790" cy="0"/>
           </a:xfrm>
           <a:prstGeom prst="line">
             <a:avLst/>
@@ -6614,56 +7337,26 @@
           </a:fontRef>
         </p:style>
       </p:cxnSp>
-      <p:pic>
-        <p:nvPicPr>
-          <p:cNvPr id="12" name="Content Placeholder 3">
-            <a:extLst>
-              <a:ext uri="{FF2B5EF4-FFF2-40B4-BE49-F238E27FC236}">
-                <a16:creationId xmlns:a16="http://schemas.microsoft.com/office/drawing/2014/main" id="{451B10A6-51D2-4E5D-ABB7-85B36BAEC801}"/>
-              </a:ext>
-            </a:extLst>
-          </p:cNvPr>
-          <p:cNvPicPr>
-            <a:picLocks noChangeAspect="1"/>
-          </p:cNvPicPr>
-          <p:nvPr/>
-        </p:nvPicPr>
-        <p:blipFill>
-          <a:blip r:embed="rId2"/>
-          <a:stretch>
-            <a:fillRect/>
-          </a:stretch>
-        </p:blipFill>
+      <p:sp>
+        <p:nvSpPr>
+          <p:cNvPr id="2" name="Title 1">
+            <a:extLst>
+              <a:ext uri="{FF2B5EF4-FFF2-40B4-BE49-F238E27FC236}">
+                <a16:creationId xmlns:a16="http://schemas.microsoft.com/office/drawing/2014/main" id="{9E817AF0-1B53-4831-A6BB-7FB9A2B23017}"/>
+              </a:ext>
+            </a:extLst>
+          </p:cNvPr>
+          <p:cNvSpPr>
+            <a:spLocks noGrp="1"/>
+          </p:cNvSpPr>
+          <p:nvPr>
+            <p:ph type="title"/>
+          </p:nvPr>
+        </p:nvSpPr>
         <p:spPr>
           <a:xfrm>
-            <a:off x="527538" y="279096"/>
-            <a:ext cx="11322406" cy="4274209"/>
-          </a:xfrm>
-          <a:prstGeom prst="rect">
-            <a:avLst/>
-          </a:prstGeom>
-        </p:spPr>
-      </p:pic>
-      <p:sp>
-        <p:nvSpPr>
-          <p:cNvPr id="2" name="Title 1">
-            <a:extLst>
-              <a:ext uri="{FF2B5EF4-FFF2-40B4-BE49-F238E27FC236}">
-                <a16:creationId xmlns:a16="http://schemas.microsoft.com/office/drawing/2014/main" id="{9E817AF0-1B53-4831-A6BB-7FB9A2B23017}"/>
-              </a:ext>
-            </a:extLst>
-          </p:cNvPr>
-          <p:cNvSpPr>
-            <a:spLocks noGrp="1"/>
-          </p:cNvSpPr>
-          <p:nvPr>
-            <p:ph type="title"/>
-          </p:nvPr>
-        </p:nvSpPr>
-        <p:spPr>
-          <a:xfrm>
-            <a:off x="527538" y="4756638"/>
-            <a:ext cx="11139854" cy="930447"/>
+            <a:off x="674237" y="914400"/>
+            <a:ext cx="3657600" cy="2887579"/>
           </a:xfrm>
         </p:spPr>
         <p:txBody>
@@ -6674,7 +7367,7 @@
           <a:p>
             <a:pPr algn="ctr"/>
             <a:r>
-              <a:rPr lang="en-US" sz="5400" kern="1200" dirty="0">
+              <a:rPr lang="en-US" kern="1200" dirty="0">
                 <a:solidFill>
                   <a:schemeClr val="bg1"/>
                 </a:solidFill>
@@ -6725,12 +7418,44 @@
           <a:chExt cx="0" cy="0"/>
         </a:xfrm>
       </p:grpSpPr>
-      <p:sp>
-        <p:nvSpPr>
-          <p:cNvPr id="26" name="Rectangle 25">
-            <a:extLst>
-              <a:ext uri="{FF2B5EF4-FFF2-40B4-BE49-F238E27FC236}">
-                <a16:creationId xmlns:a16="http://schemas.microsoft.com/office/drawing/2014/main" id="{823AC064-BC96-4F32-8AE1-B2FD38754823}"/>
+      <p:pic>
+        <p:nvPicPr>
+          <p:cNvPr id="5" name="Content Placeholder 4" descr="A screenshot of a social media post&#10;&#10;Description generated with very high confidence">
+            <a:extLst>
+              <a:ext uri="{FF2B5EF4-FFF2-40B4-BE49-F238E27FC236}">
+                <a16:creationId xmlns:a16="http://schemas.microsoft.com/office/drawing/2014/main" id="{03C59A57-6343-4B13-9502-D1E4E9E4A74B}"/>
+              </a:ext>
+            </a:extLst>
+          </p:cNvPr>
+          <p:cNvPicPr>
+            <a:picLocks noGrp="1" noChangeAspect="1"/>
+          </p:cNvPicPr>
+          <p:nvPr>
+            <p:ph idx="1"/>
+          </p:nvPr>
+        </p:nvPicPr>
+        <p:blipFill>
+          <a:blip r:embed="rId2"/>
+          <a:stretch>
+            <a:fillRect/>
+          </a:stretch>
+        </p:blipFill>
+        <p:spPr>
+          <a:xfrm>
+            <a:off x="5153822" y="533027"/>
+            <a:ext cx="6553545" cy="5799887"/>
+          </a:xfrm>
+          <a:prstGeom prst="rect">
+            <a:avLst/>
+          </a:prstGeom>
+        </p:spPr>
+      </p:pic>
+      <p:sp>
+        <p:nvSpPr>
+          <p:cNvPr id="40" name="Rectangle 39">
+            <a:extLst>
+              <a:ext uri="{FF2B5EF4-FFF2-40B4-BE49-F238E27FC236}">
+                <a16:creationId xmlns:a16="http://schemas.microsoft.com/office/drawing/2014/main" id="{AB45A142-4255-493C-8284-5D566C121B10}"/>
               </a:ext>
             </a:extLst>
           </p:cNvPr>
@@ -6747,8 +7472,8 @@
         </p:nvSpPr>
         <p:spPr bwMode="ltGray">
           <a:xfrm>
-            <a:off x="378068" y="4633546"/>
-            <a:ext cx="11438793" cy="1844256"/>
+            <a:off x="336884" y="321177"/>
+            <a:ext cx="4332307" cy="6179552"/>
           </a:xfrm>
           <a:prstGeom prst="rect">
             <a:avLst/>
@@ -6766,6 +7491,198 @@
                 <a:lumOff val="25000"/>
               </a:schemeClr>
             </a:solidFill>
+          </a:ln>
+        </p:spPr>
+        <p:style>
+          <a:lnRef idx="2">
+            <a:schemeClr val="accent1">
+              <a:shade val="50000"/>
+            </a:schemeClr>
+          </a:lnRef>
+          <a:fillRef idx="1">
+            <a:schemeClr val="accent1"/>
+          </a:fillRef>
+          <a:effectRef idx="0">
+            <a:schemeClr val="accent1"/>
+          </a:effectRef>
+          <a:fontRef idx="minor">
+            <a:schemeClr val="lt1"/>
+          </a:fontRef>
+        </p:style>
+        <p:txBody>
+          <a:bodyPr rtlCol="0" anchor="ctr"/>
+          <a:lstStyle/>
+          <a:p>
+            <a:pPr algn="ctr"/>
+            <a:endParaRPr lang="en-US"/>
+          </a:p>
+        </p:txBody>
+      </p:sp>
+      <p:cxnSp>
+        <p:nvCxnSpPr>
+          <p:cNvPr id="42" name="Straight Connector 41">
+            <a:extLst>
+              <a:ext uri="{FF2B5EF4-FFF2-40B4-BE49-F238E27FC236}">
+                <a16:creationId xmlns:a16="http://schemas.microsoft.com/office/drawing/2014/main" id="{38FB9660-F42F-4313-BBC4-47C007FE484C}"/>
+              </a:ext>
+            </a:extLst>
+          </p:cNvPr>
+          <p:cNvCxnSpPr>
+            <a:cxnSpLocks noGrp="1" noRot="1" noChangeAspect="1" noMove="1" noResize="1" noEditPoints="1" noAdjustHandles="1" noChangeArrowheads="1" noChangeShapeType="1"/>
+          </p:cNvCxnSpPr>
+          <p:nvPr>
+            <p:extLst>
+              <p:ext uri="{386F3935-93C4-4BCD-93E2-E3B085C9AB24}">
+                <p16:designElem xmlns:p16="http://schemas.microsoft.com/office/powerpoint/2015/main" val="1"/>
+              </p:ext>
+            </p:extLst>
+          </p:nvPr>
+        </p:nvCxnSpPr>
+        <p:spPr>
+          <a:xfrm>
+            <a:off x="1191126" y="3910267"/>
+            <a:ext cx="2586790" cy="0"/>
+          </a:xfrm>
+          <a:prstGeom prst="line">
+            <a:avLst/>
+          </a:prstGeom>
+          <a:ln w="22225">
+            <a:solidFill>
+              <a:schemeClr val="bg1">
+                <a:lumMod val="85000"/>
+              </a:schemeClr>
+            </a:solidFill>
+          </a:ln>
+        </p:spPr>
+        <p:style>
+          <a:lnRef idx="1">
+            <a:schemeClr val="accent1"/>
+          </a:lnRef>
+          <a:fillRef idx="0">
+            <a:schemeClr val="accent1"/>
+          </a:fillRef>
+          <a:effectRef idx="0">
+            <a:schemeClr val="accent1"/>
+          </a:effectRef>
+          <a:fontRef idx="minor">
+            <a:schemeClr val="tx1"/>
+          </a:fontRef>
+        </p:style>
+      </p:cxnSp>
+      <p:sp>
+        <p:nvSpPr>
+          <p:cNvPr id="2" name="Title 1">
+            <a:extLst>
+              <a:ext uri="{FF2B5EF4-FFF2-40B4-BE49-F238E27FC236}">
+                <a16:creationId xmlns:a16="http://schemas.microsoft.com/office/drawing/2014/main" id="{9E817AF0-1B53-4831-A6BB-7FB9A2B23017}"/>
+              </a:ext>
+            </a:extLst>
+          </p:cNvPr>
+          <p:cNvSpPr>
+            <a:spLocks noGrp="1"/>
+          </p:cNvSpPr>
+          <p:nvPr>
+            <p:ph type="title"/>
+          </p:nvPr>
+        </p:nvSpPr>
+        <p:spPr>
+          <a:xfrm>
+            <a:off x="674237" y="914400"/>
+            <a:ext cx="3657600" cy="2887579"/>
+          </a:xfrm>
+        </p:spPr>
+        <p:txBody>
+          <a:bodyPr vert="horz" lIns="91440" tIns="45720" rIns="91440" bIns="45720" rtlCol="0" anchor="b">
+            <a:normAutofit/>
+          </a:bodyPr>
+          <a:lstStyle/>
+          <a:p>
+            <a:pPr algn="ctr"/>
+            <a:r>
+              <a:rPr lang="en-US" sz="4800" kern="1200">
+                <a:solidFill>
+                  <a:schemeClr val="bg1"/>
+                </a:solidFill>
+                <a:latin typeface="+mj-lt"/>
+                <a:ea typeface="+mj-ea"/>
+                <a:cs typeface="+mj-cs"/>
+              </a:rPr>
+              <a:t>Design Model</a:t>
+            </a:r>
+          </a:p>
+        </p:txBody>
+      </p:sp>
+    </p:spTree>
+    <p:extLst>
+      <p:ext uri="{BB962C8B-B14F-4D97-AF65-F5344CB8AC3E}">
+        <p14:creationId xmlns:p14="http://schemas.microsoft.com/office/powerpoint/2010/main" val="3714662664"/>
+      </p:ext>
+    </p:extLst>
+  </p:cSld>
+  <p:clrMapOvr>
+    <a:masterClrMapping/>
+  </p:clrMapOvr>
+</p:sld>
+</file>
+
+<file path=ppt/slides/slide6.xml><?xml version="1.0" encoding="utf-8"?>
+<p:sld xmlns:a="http://schemas.openxmlformats.org/drawingml/2006/main" xmlns:r="http://schemas.openxmlformats.org/officeDocument/2006/relationships" xmlns:p="http://schemas.openxmlformats.org/presentationml/2006/main">
+  <p:cSld>
+    <p:bg>
+      <p:bgPr>
+        <a:solidFill>
+          <a:schemeClr val="bg2"/>
+        </a:solidFill>
+        <a:effectLst/>
+      </p:bgPr>
+    </p:bg>
+    <p:spTree>
+      <p:nvGrpSpPr>
+        <p:cNvPr id="1" name=""/>
+        <p:cNvGrpSpPr/>
+        <p:nvPr/>
+      </p:nvGrpSpPr>
+      <p:grpSpPr>
+        <a:xfrm>
+          <a:off x="0" y="0"/>
+          <a:ext cx="0" cy="0"/>
+          <a:chOff x="0" y="0"/>
+          <a:chExt cx="0" cy="0"/>
+        </a:xfrm>
+      </p:grpSpPr>
+      <p:sp>
+        <p:nvSpPr>
+          <p:cNvPr id="13" name="Rectangle 8">
+            <a:extLst>
+              <a:ext uri="{FF2B5EF4-FFF2-40B4-BE49-F238E27FC236}">
+                <a16:creationId xmlns:a16="http://schemas.microsoft.com/office/drawing/2014/main" id="{1E214AA7-F028-4A0D-8698-61AEC754D1BC}"/>
+              </a:ext>
+            </a:extLst>
+          </p:cNvPr>
+          <p:cNvSpPr>
+            <a:spLocks noGrp="1" noRot="1" noChangeAspect="1" noMove="1" noResize="1" noEditPoints="1" noAdjustHandles="1" noChangeArrowheads="1" noChangeShapeType="1" noTextEdit="1"/>
+          </p:cNvSpPr>
+          <p:nvPr>
+            <p:extLst>
+              <p:ext uri="{386F3935-93C4-4BCD-93E2-E3B085C9AB24}">
+                <p16:designElem xmlns:p16="http://schemas.microsoft.com/office/powerpoint/2015/main" val="1"/>
+              </p:ext>
+            </p:extLst>
+          </p:nvPr>
+        </p:nvSpPr>
+        <p:spPr>
+          <a:xfrm>
+            <a:off x="0" y="1"/>
+            <a:ext cx="12192000" cy="1598340"/>
+          </a:xfrm>
+          <a:prstGeom prst="rect">
+            <a:avLst/>
+          </a:prstGeom>
+          <a:solidFill>
+            <a:srgbClr val="595959"/>
+          </a:solidFill>
+          <a:ln>
+            <a:noFill/>
           </a:ln>
         </p:spPr>
         <p:style>
@@ -6824,10 +7741,10 @@
       </p:sp>
       <p:cxnSp>
         <p:nvCxnSpPr>
-          <p:cNvPr id="28" name="Straight Connector 27">
-            <a:extLst>
-              <a:ext uri="{FF2B5EF4-FFF2-40B4-BE49-F238E27FC236}">
-                <a16:creationId xmlns:a16="http://schemas.microsoft.com/office/drawing/2014/main" id="{7E7C77BC-7138-40B1-A15B-20F57A494629}"/>
+          <p:cNvPr id="14" name="Straight Connector 10">
+            <a:extLst>
+              <a:ext uri="{FF2B5EF4-FFF2-40B4-BE49-F238E27FC236}">
+                <a16:creationId xmlns:a16="http://schemas.microsoft.com/office/drawing/2014/main" id="{D6206FDC-2777-4D7F-AF9C-73413DA664C9}"/>
               </a:ext>
             </a:extLst>
           </p:cNvPr>
@@ -6844,17 +7761,15 @@
         </p:nvCxnSpPr>
         <p:spPr>
           <a:xfrm>
-            <a:off x="2209800" y="5738691"/>
-            <a:ext cx="7772400" cy="0"/>
+            <a:off x="6096000" y="2888250"/>
+            <a:ext cx="0" cy="2769135"/>
           </a:xfrm>
           <a:prstGeom prst="line">
             <a:avLst/>
           </a:prstGeom>
-          <a:ln w="22225">
+          <a:ln w="19050">
             <a:solidFill>
-              <a:schemeClr val="bg1">
-                <a:lumMod val="85000"/>
-              </a:schemeClr>
+              <a:srgbClr val="7F7F7F"/>
             </a:solidFill>
           </a:ln>
         </p:spPr>
@@ -6878,7 +7793,7 @@
           <p:cNvPr id="2" name="Title 1">
             <a:extLst>
               <a:ext uri="{FF2B5EF4-FFF2-40B4-BE49-F238E27FC236}">
-                <a16:creationId xmlns:a16="http://schemas.microsoft.com/office/drawing/2014/main" id="{9E817AF0-1B53-4831-A6BB-7FB9A2B23017}"/>
+                <a16:creationId xmlns:a16="http://schemas.microsoft.com/office/drawing/2014/main" id="{AF943B46-0DF4-4A70-A248-45220F67ED32}"/>
               </a:ext>
             </a:extLst>
           </p:cNvPr>
@@ -6891,67 +7806,175 @@
         </p:nvSpPr>
         <p:spPr>
           <a:xfrm>
-            <a:off x="527538" y="4756638"/>
-            <a:ext cx="11139854" cy="930447"/>
-          </a:xfrm>
-        </p:spPr>
-        <p:txBody>
-          <a:bodyPr vert="horz" lIns="91440" tIns="45720" rIns="91440" bIns="45720" rtlCol="0" anchor="b">
+            <a:off x="1159933" y="995318"/>
+            <a:ext cx="9872134" cy="1193968"/>
+          </a:xfrm>
+          <a:solidFill>
+            <a:srgbClr val="FFFFFF"/>
+          </a:solidFill>
+          <a:ln w="38100">
+            <a:solidFill>
+              <a:srgbClr val="595959"/>
+            </a:solidFill>
+            <a:miter lim="800000"/>
+          </a:ln>
+        </p:spPr>
+        <p:txBody>
+          <a:bodyPr>
             <a:normAutofit/>
           </a:bodyPr>
           <a:lstStyle/>
           <a:p>
             <a:pPr algn="ctr"/>
             <a:r>
-              <a:rPr lang="en-US" sz="5400" kern="1200" dirty="0">
+              <a:rPr lang="en-US" sz="3600">
                 <a:solidFill>
-                  <a:schemeClr val="bg1"/>
+                  <a:srgbClr val="3F3F3F"/>
                 </a:solidFill>
-                <a:latin typeface="+mj-lt"/>
-                <a:ea typeface="+mj-ea"/>
-                <a:cs typeface="+mj-cs"/>
               </a:rPr>
-              <a:t>Design Model</a:t>
-            </a:r>
-          </a:p>
-        </p:txBody>
-      </p:sp>
-      <p:pic>
-        <p:nvPicPr>
-          <p:cNvPr id="6" name="Content Placeholder 3" descr="A screenshot of a computer&#10;&#10;Description generated with high confidence">
-            <a:extLst>
-              <a:ext uri="{FF2B5EF4-FFF2-40B4-BE49-F238E27FC236}">
-                <a16:creationId xmlns:a16="http://schemas.microsoft.com/office/drawing/2014/main" id="{11C93E5F-9654-44BC-B8F1-B3AA86DA4C10}"/>
-              </a:ext>
-            </a:extLst>
-          </p:cNvPr>
-          <p:cNvPicPr>
-            <a:picLocks noGrp="1" noChangeAspect="1"/>
-          </p:cNvPicPr>
-          <p:nvPr>
-            <p:ph idx="1"/>
-          </p:nvPr>
-        </p:nvPicPr>
-        <p:blipFill>
-          <a:blip r:embed="rId2"/>
-          <a:stretch>
-            <a:fillRect/>
-          </a:stretch>
-        </p:blipFill>
+              <a:t>Software Architecture Document</a:t>
+            </a:r>
+          </a:p>
+        </p:txBody>
+      </p:sp>
+      <p:sp>
+        <p:nvSpPr>
+          <p:cNvPr id="3" name="Content Placeholder 2">
+            <a:extLst>
+              <a:ext uri="{FF2B5EF4-FFF2-40B4-BE49-F238E27FC236}">
+                <a16:creationId xmlns:a16="http://schemas.microsoft.com/office/drawing/2014/main" id="{592A064E-C4A3-4617-9DB0-C0A253C57339}"/>
+              </a:ext>
+            </a:extLst>
+          </p:cNvPr>
+          <p:cNvSpPr>
+            <a:spLocks noGrp="1"/>
+          </p:cNvSpPr>
+          <p:nvPr>
+            <p:ph sz="half" idx="1"/>
+          </p:nvPr>
+        </p:nvSpPr>
         <p:spPr>
           <a:xfrm>
-            <a:off x="36988" y="256323"/>
-            <a:ext cx="12118023" cy="3998946"/>
-          </a:xfrm>
-          <a:prstGeom prst="rect">
-            <a:avLst/>
-          </a:prstGeom>
-        </p:spPr>
-      </p:pic>
+            <a:off x="619133" y="2888250"/>
+            <a:ext cx="5229198" cy="3560175"/>
+          </a:xfrm>
+        </p:spPr>
+        <p:txBody>
+          <a:bodyPr anchor="t">
+            <a:normAutofit/>
+          </a:bodyPr>
+          <a:lstStyle/>
+          <a:p>
+            <a:pPr marL="457200" lvl="1" indent="0" algn="ctr">
+              <a:buNone/>
+            </a:pPr>
+            <a:r>
+              <a:rPr lang="en-US" sz="2800" u="sng" dirty="0"/>
+              <a:t>Introduction</a:t>
+            </a:r>
+          </a:p>
+          <a:p>
+            <a:pPr marL="457200" lvl="1" indent="0">
+              <a:buNone/>
+            </a:pPr>
+            <a:endParaRPr lang="en-US" sz="1700" dirty="0"/>
+          </a:p>
+          <a:p>
+            <a:pPr lvl="1"/>
+            <a:r>
+              <a:rPr lang="en-US" sz="1700" b="1" dirty="0"/>
+              <a:t>Vision:</a:t>
+            </a:r>
+            <a:r>
+              <a:rPr lang="en-US" sz="1700" dirty="0"/>
+              <a:t> Create a management system to process catering orders and organize them in a way for multiple employees to access and use them.</a:t>
+            </a:r>
+          </a:p>
+          <a:p>
+            <a:pPr marL="457200" lvl="1" indent="0">
+              <a:buNone/>
+            </a:pPr>
+            <a:endParaRPr lang="en-US" sz="1700" dirty="0"/>
+          </a:p>
+          <a:p>
+            <a:pPr lvl="1"/>
+            <a:r>
+              <a:rPr lang="en-US" sz="1700" b="1" dirty="0"/>
+              <a:t>Scope:</a:t>
+            </a:r>
+            <a:r>
+              <a:rPr lang="en-US" sz="1700" dirty="0"/>
+              <a:t> The system will allow for orders to be organized in a database where the information can be accessed by other users of the system.</a:t>
+            </a:r>
+          </a:p>
+          <a:p>
+            <a:pPr marL="0" indent="0">
+              <a:buNone/>
+            </a:pPr>
+            <a:endParaRPr lang="en-US" sz="1700" dirty="0"/>
+          </a:p>
+        </p:txBody>
+      </p:sp>
+      <p:sp>
+        <p:nvSpPr>
+          <p:cNvPr id="4" name="Content Placeholder 3">
+            <a:extLst>
+              <a:ext uri="{FF2B5EF4-FFF2-40B4-BE49-F238E27FC236}">
+                <a16:creationId xmlns:a16="http://schemas.microsoft.com/office/drawing/2014/main" id="{9BEF5FC3-467B-4017-A53C-717994A9AB95}"/>
+              </a:ext>
+            </a:extLst>
+          </p:cNvPr>
+          <p:cNvSpPr>
+            <a:spLocks noGrp="1"/>
+          </p:cNvSpPr>
+          <p:nvPr>
+            <p:ph sz="half" idx="2"/>
+          </p:nvPr>
+        </p:nvSpPr>
+        <p:spPr>
+          <a:xfrm>
+            <a:off x="6417730" y="2888250"/>
+            <a:ext cx="4831289" cy="2959778"/>
+          </a:xfrm>
+        </p:spPr>
+        <p:txBody>
+          <a:bodyPr anchor="t">
+            <a:normAutofit/>
+          </a:bodyPr>
+          <a:lstStyle/>
+          <a:p>
+            <a:pPr marL="0" indent="0" algn="ctr">
+              <a:buNone/>
+            </a:pPr>
+            <a:r>
+              <a:rPr lang="en-US" sz="2400" u="sng" dirty="0"/>
+              <a:t>Architectural Representation</a:t>
+            </a:r>
+          </a:p>
+          <a:p>
+            <a:pPr marL="0" indent="0" algn="ctr">
+              <a:buNone/>
+            </a:pPr>
+            <a:endParaRPr lang="en-US" sz="1200" dirty="0"/>
+          </a:p>
+          <a:p>
+            <a:r>
+              <a:rPr lang="en-US" sz="1800" dirty="0"/>
+              <a:t>The document represents the system architecture through several views including Use Case, Logical, Process, and Deployment.</a:t>
+            </a:r>
+          </a:p>
+          <a:p>
+            <a:pPr marL="0" indent="0">
+              <a:buNone/>
+            </a:pPr>
+            <a:endParaRPr lang="en-US" sz="2000" dirty="0"/>
+          </a:p>
+        </p:txBody>
+      </p:sp>
     </p:spTree>
     <p:extLst>
       <p:ext uri="{BB962C8B-B14F-4D97-AF65-F5344CB8AC3E}">
-        <p14:creationId xmlns:p14="http://schemas.microsoft.com/office/powerpoint/2010/main" val="3714662664"/>
+        <p14:creationId xmlns:p14="http://schemas.microsoft.com/office/powerpoint/2010/main" val="239801855"/>
       </p:ext>
     </p:extLst>
   </p:cSld>
@@ -6961,16 +7984,13 @@
 </p:sld>
 </file>
 
-<file path=ppt/slides/slide6.xml><?xml version="1.0" encoding="utf-8"?>
+<file path=ppt/slides/slide7.xml><?xml version="1.0" encoding="utf-8"?>
 <p:sld xmlns:a="http://schemas.openxmlformats.org/drawingml/2006/main" xmlns:r="http://schemas.openxmlformats.org/officeDocument/2006/relationships" xmlns:p="http://schemas.openxmlformats.org/presentationml/2006/main">
   <p:cSld>
     <p:bg>
       <p:bgPr>
         <a:solidFill>
-          <a:schemeClr val="bg1">
-            <a:tint val="95000"/>
-            <a:satMod val="170000"/>
-          </a:schemeClr>
+          <a:schemeClr val="bg2"/>
         </a:solidFill>
         <a:effectLst/>
       </p:bgPr>
@@ -6991,10 +8011,10 @@
       </p:grpSpPr>
       <p:sp>
         <p:nvSpPr>
-          <p:cNvPr id="27" name="Rectangle 26">
-            <a:extLst>
-              <a:ext uri="{FF2B5EF4-FFF2-40B4-BE49-F238E27FC236}">
-                <a16:creationId xmlns:a16="http://schemas.microsoft.com/office/drawing/2014/main" id="{156189E5-8A3E-4CFD-B71B-CCD0F8495E56}"/>
+          <p:cNvPr id="23" name="Rectangle 18">
+            <a:extLst>
+              <a:ext uri="{FF2B5EF4-FFF2-40B4-BE49-F238E27FC236}">
+                <a16:creationId xmlns:a16="http://schemas.microsoft.com/office/drawing/2014/main" id="{1E214AA7-F028-4A0D-8698-61AEC754D1BC}"/>
               </a:ext>
             </a:extLst>
           </p:cNvPr>
@@ -7011,16 +8031,14 @@
         </p:nvSpPr>
         <p:spPr>
           <a:xfrm>
-            <a:off x="0" y="0"/>
-            <a:ext cx="4796367" cy="6858000"/>
+            <a:off x="0" y="1"/>
+            <a:ext cx="12192000" cy="1598340"/>
           </a:xfrm>
           <a:prstGeom prst="rect">
             <a:avLst/>
           </a:prstGeom>
           <a:solidFill>
-            <a:schemeClr val="tx1">
-              <a:alpha val="60000"/>
-            </a:schemeClr>
+            <a:srgbClr val="595959"/>
           </a:solidFill>
           <a:ln>
             <a:noFill/>
@@ -7080,18 +8098,18 @@
           </a:p>
         </p:txBody>
       </p:sp>
-      <p:sp>
-        <p:nvSpPr>
-          <p:cNvPr id="29" name="Rectangle 28">
-            <a:extLst>
-              <a:ext uri="{FF2B5EF4-FFF2-40B4-BE49-F238E27FC236}">
-                <a16:creationId xmlns:a16="http://schemas.microsoft.com/office/drawing/2014/main" id="{BE95D989-81FA-4BAD-9AD5-E46CEDA91B36}"/>
-              </a:ext>
-            </a:extLst>
-          </p:cNvPr>
-          <p:cNvSpPr>
-            <a:spLocks noGrp="1" noRot="1" noChangeAspect="1" noMove="1" noResize="1" noEditPoints="1" noAdjustHandles="1" noChangeArrowheads="1" noChangeShapeType="1" noTextEdit="1"/>
-          </p:cNvSpPr>
+      <p:cxnSp>
+        <p:nvCxnSpPr>
+          <p:cNvPr id="24" name="Straight Connector 20">
+            <a:extLst>
+              <a:ext uri="{FF2B5EF4-FFF2-40B4-BE49-F238E27FC236}">
+                <a16:creationId xmlns:a16="http://schemas.microsoft.com/office/drawing/2014/main" id="{D6206FDC-2777-4D7F-AF9C-73413DA664C9}"/>
+              </a:ext>
+            </a:extLst>
+          </p:cNvPr>
+          <p:cNvCxnSpPr>
+            <a:cxnSpLocks noGrp="1" noRot="1" noChangeAspect="1" noMove="1" noResize="1" noEditPoints="1" noAdjustHandles="1" noChangeArrowheads="1" noChangeShapeType="1"/>
+          </p:cNvCxnSpPr>
           <p:nvPr>
             <p:extLst>
               <p:ext uri="{386F3935-93C4-4BCD-93E2-E3B085C9AB24}">
@@ -7099,414 +8117,275 @@
               </p:ext>
             </p:extLst>
           </p:nvPr>
-        </p:nvSpPr>
+        </p:nvCxnSpPr>
         <p:spPr>
           <a:xfrm>
-            <a:off x="0" y="0"/>
-            <a:ext cx="4654293" cy="6858000"/>
-          </a:xfrm>
-          <a:prstGeom prst="rect">
+            <a:off x="6096000" y="2888250"/>
+            <a:ext cx="0" cy="2769135"/>
+          </a:xfrm>
+          <a:prstGeom prst="line">
             <a:avLst/>
           </a:prstGeom>
-          <a:solidFill>
-            <a:schemeClr val="tx1">
-              <a:lumMod val="75000"/>
-              <a:lumOff val="25000"/>
-              <a:alpha val="80000"/>
-            </a:schemeClr>
-          </a:solidFill>
-          <a:ln>
-            <a:noFill/>
+          <a:ln w="19050">
+            <a:solidFill>
+              <a:srgbClr val="7F7F7F"/>
+            </a:solidFill>
           </a:ln>
         </p:spPr>
         <p:style>
-          <a:lnRef idx="2">
-            <a:schemeClr val="accent1">
-              <a:shade val="50000"/>
-            </a:schemeClr>
+          <a:lnRef idx="1">
+            <a:schemeClr val="accent1"/>
           </a:lnRef>
-          <a:fillRef idx="1">
+          <a:fillRef idx="0">
             <a:schemeClr val="accent1"/>
           </a:fillRef>
           <a:effectRef idx="0">
             <a:schemeClr val="accent1"/>
           </a:effectRef>
           <a:fontRef idx="minor">
-            <a:schemeClr val="lt1"/>
+            <a:schemeClr val="tx1"/>
           </a:fontRef>
         </p:style>
-        <p:txBody>
-          <a:bodyPr rtlCol="0" anchor="ctr"/>
-          <a:lstStyle/>
-          <a:p>
-            <a:pPr marL="0" marR="0" lvl="0" indent="0" algn="ctr" defTabSz="914400" rtl="0" eaLnBrk="1" fontAlgn="auto" latinLnBrk="0" hangingPunct="1">
-              <a:lnSpc>
-                <a:spcPct val="100000"/>
-              </a:lnSpc>
-              <a:spcBef>
-                <a:spcPts val="0"/>
-              </a:spcBef>
-              <a:spcAft>
-                <a:spcPts val="0"/>
-              </a:spcAft>
-              <a:buClrTx/>
-              <a:buSzTx/>
-              <a:buFontTx/>
-              <a:buNone/>
-              <a:tabLst/>
-              <a:defRPr/>
-            </a:pPr>
-            <a:endParaRPr kumimoji="0" lang="en-US" sz="1800" b="0" i="0" u="none" strike="noStrike" kern="1200" cap="none" spc="0" normalizeH="0" baseline="0" noProof="0">
-              <a:ln>
-                <a:noFill/>
-              </a:ln>
-              <a:solidFill>
-                <a:prstClr val="white"/>
-              </a:solidFill>
-              <a:effectLst/>
-              <a:uLnTx/>
-              <a:uFillTx/>
-              <a:latin typeface="Calibri" panose="020F0502020204030204"/>
-              <a:ea typeface="+mn-ea"/>
-              <a:cs typeface="+mn-cs"/>
-            </a:endParaRPr>
-          </a:p>
-        </p:txBody>
-      </p:sp>
-      <p:pic>
-        <p:nvPicPr>
-          <p:cNvPr id="10" name="Content Placeholder 6">
-            <a:extLst>
-              <a:ext uri="{FF2B5EF4-FFF2-40B4-BE49-F238E27FC236}">
-                <a16:creationId xmlns:a16="http://schemas.microsoft.com/office/drawing/2014/main" id="{2B06F2A3-AC9E-4E26-9163-441555FFFDBA}"/>
-              </a:ext>
-            </a:extLst>
-          </p:cNvPr>
-          <p:cNvPicPr>
-            <a:picLocks noChangeAspect="1"/>
-          </p:cNvPicPr>
-          <p:nvPr/>
-        </p:nvPicPr>
-        <p:blipFill>
-          <a:blip r:embed="rId2"/>
-          <a:stretch>
-            <a:fillRect/>
-          </a:stretch>
-        </p:blipFill>
+      </p:cxnSp>
+      <p:sp>
+        <p:nvSpPr>
+          <p:cNvPr id="2" name="Title 1">
+            <a:extLst>
+              <a:ext uri="{FF2B5EF4-FFF2-40B4-BE49-F238E27FC236}">
+                <a16:creationId xmlns:a16="http://schemas.microsoft.com/office/drawing/2014/main" id="{7EDE4F21-8E0D-44B9-9BAF-4A4FF09E63BA}"/>
+              </a:ext>
+            </a:extLst>
+          </p:cNvPr>
+          <p:cNvSpPr>
+            <a:spLocks noGrp="1"/>
+          </p:cNvSpPr>
+          <p:nvPr>
+            <p:ph type="title"/>
+          </p:nvPr>
+        </p:nvSpPr>
         <p:spPr>
           <a:xfrm>
-            <a:off x="5089232" y="382503"/>
-            <a:ext cx="6849441" cy="5907642"/>
-          </a:xfrm>
-          <a:prstGeom prst="rect">
-            <a:avLst/>
-          </a:prstGeom>
-          <a:ln>
-            <a:solidFill>
-              <a:schemeClr val="tx1">
-                <a:lumMod val="75000"/>
-              </a:schemeClr>
-            </a:solidFill>
-          </a:ln>
-        </p:spPr>
-      </p:pic>
-      <p:sp>
-        <p:nvSpPr>
-          <p:cNvPr id="4" name="Title 3">
-            <a:extLst>
-              <a:ext uri="{FF2B5EF4-FFF2-40B4-BE49-F238E27FC236}">
-                <a16:creationId xmlns:a16="http://schemas.microsoft.com/office/drawing/2014/main" id="{72F68B4A-D559-45B4-8B54-9FDB7655AC11}"/>
-              </a:ext>
-            </a:extLst>
-          </p:cNvPr>
-          <p:cNvSpPr>
-            <a:spLocks noGrp="1"/>
-          </p:cNvSpPr>
-          <p:nvPr>
-            <p:ph type="title"/>
-          </p:nvPr>
-        </p:nvSpPr>
-        <p:spPr>
-          <a:xfrm>
-            <a:off x="804673" y="3146323"/>
-            <a:ext cx="3348227" cy="804240"/>
-          </a:xfrm>
+            <a:off x="1159933" y="995318"/>
+            <a:ext cx="9872134" cy="1193968"/>
+          </a:xfrm>
+          <a:solidFill>
+            <a:srgbClr val="FFFFFF"/>
+          </a:solidFill>
           <a:ln w="38100">
             <a:solidFill>
-              <a:schemeClr val="bg1"/>
+              <a:srgbClr val="595959"/>
             </a:solidFill>
+            <a:miter lim="800000"/>
           </a:ln>
         </p:spPr>
         <p:txBody>
-          <a:bodyPr vert="horz" lIns="91440" tIns="45720" rIns="91440" bIns="45720" rtlCol="0" anchor="b" anchorCtr="1">
-            <a:normAutofit fontScale="90000"/>
+          <a:bodyPr>
+            <a:normAutofit/>
           </a:bodyPr>
           <a:lstStyle/>
           <a:p>
-            <a:pPr algn="ctr">
-              <a:lnSpc>
-                <a:spcPct val="150000"/>
-              </a:lnSpc>
+            <a:pPr algn="ctr"/>
+            <a:r>
+              <a:rPr lang="en-US" sz="3600">
+                <a:solidFill>
+                  <a:srgbClr val="3F3F3F"/>
+                </a:solidFill>
+              </a:rPr>
+              <a:t>Software Architecture Document</a:t>
+            </a:r>
+          </a:p>
+        </p:txBody>
+      </p:sp>
+      <p:sp>
+        <p:nvSpPr>
+          <p:cNvPr id="3" name="Content Placeholder 2">
+            <a:extLst>
+              <a:ext uri="{FF2B5EF4-FFF2-40B4-BE49-F238E27FC236}">
+                <a16:creationId xmlns:a16="http://schemas.microsoft.com/office/drawing/2014/main" id="{9A9537E6-6FB9-466A-B754-CCAF99CD4D43}"/>
+              </a:ext>
+            </a:extLst>
+          </p:cNvPr>
+          <p:cNvSpPr>
+            <a:spLocks noGrp="1"/>
+          </p:cNvSpPr>
+          <p:nvPr>
+            <p:ph sz="half" idx="1"/>
+          </p:nvPr>
+        </p:nvSpPr>
+        <p:spPr>
+          <a:xfrm>
+            <a:off x="609611" y="2888250"/>
+            <a:ext cx="5164656" cy="3245850"/>
+          </a:xfrm>
+        </p:spPr>
+        <p:txBody>
+          <a:bodyPr anchor="t">
+            <a:normAutofit/>
+          </a:bodyPr>
+          <a:lstStyle/>
+          <a:p>
+            <a:pPr marL="0" indent="0" algn="ctr">
+              <a:buNone/>
             </a:pPr>
             <a:r>
-              <a:rPr lang="en-US" sz="4000" kern="1200" dirty="0">
-                <a:solidFill>
-                  <a:schemeClr val="bg1">
-                    <a:lumMod val="85000"/>
-                    <a:lumOff val="15000"/>
-                  </a:schemeClr>
-                </a:solidFill>
-                <a:latin typeface="+mj-lt"/>
-                <a:ea typeface="+mj-ea"/>
-                <a:cs typeface="+mj-cs"/>
-              </a:rPr>
-              <a:t>Data Model </a:t>
-            </a:r>
+              <a:rPr lang="en-US" sz="2400" u="sng" dirty="0"/>
+              <a:t>Architectural Goals and Constraints</a:t>
+            </a:r>
+          </a:p>
+          <a:p>
+            <a:pPr marL="0" indent="0" algn="ctr">
+              <a:buNone/>
+            </a:pPr>
+            <a:endParaRPr lang="en-US" sz="2000" dirty="0"/>
+          </a:p>
+          <a:p>
+            <a:pPr lvl="1"/>
+            <a:r>
+              <a:rPr lang="en-US" sz="1800" dirty="0"/>
+              <a:t>High performance interface that can handle multiple personnel use at the same time</a:t>
+            </a:r>
+          </a:p>
+          <a:p>
+            <a:pPr marL="457200" lvl="1" indent="0">
+              <a:buNone/>
+            </a:pPr>
+            <a:endParaRPr lang="en-US" sz="1800" dirty="0"/>
+          </a:p>
+          <a:p>
+            <a:pPr lvl="1"/>
+            <a:r>
+              <a:rPr lang="en-US" sz="1800" dirty="0"/>
+              <a:t>Database is dependable, showing order updates in real time</a:t>
+            </a:r>
+          </a:p>
+          <a:p>
+            <a:pPr marL="457200" lvl="1" indent="0">
+              <a:buNone/>
+            </a:pPr>
+            <a:endParaRPr lang="en-US" sz="1800" dirty="0"/>
+          </a:p>
+          <a:p>
+            <a:pPr lvl="1"/>
+            <a:r>
+              <a:rPr lang="en-US" sz="1800" dirty="0"/>
+              <a:t>Security of the system is up-to-date ensuring protection of employee and customer data</a:t>
+            </a:r>
+          </a:p>
+          <a:p>
+            <a:pPr marL="0" indent="0">
+              <a:buNone/>
+            </a:pPr>
+            <a:endParaRPr lang="en-US" sz="1900" dirty="0"/>
+          </a:p>
+        </p:txBody>
+      </p:sp>
+      <p:sp>
+        <p:nvSpPr>
+          <p:cNvPr id="4" name="Content Placeholder 3">
+            <a:extLst>
+              <a:ext uri="{FF2B5EF4-FFF2-40B4-BE49-F238E27FC236}">
+                <a16:creationId xmlns:a16="http://schemas.microsoft.com/office/drawing/2014/main" id="{C8483B10-4AB3-4AA8-934B-13C675AADC42}"/>
+              </a:ext>
+            </a:extLst>
+          </p:cNvPr>
+          <p:cNvSpPr>
+            <a:spLocks noGrp="1"/>
+          </p:cNvSpPr>
+          <p:nvPr>
+            <p:ph sz="half" idx="2"/>
+          </p:nvPr>
+        </p:nvSpPr>
+        <p:spPr>
+          <a:xfrm>
+            <a:off x="6417730" y="2888250"/>
+            <a:ext cx="5164653" cy="3245850"/>
+          </a:xfrm>
+        </p:spPr>
+        <p:txBody>
+          <a:bodyPr anchor="t">
+            <a:normAutofit/>
+          </a:bodyPr>
+          <a:lstStyle/>
+          <a:p>
+            <a:pPr marL="0" indent="0" algn="ctr">
+              <a:buNone/>
+            </a:pPr>
+            <a:r>
+              <a:rPr lang="en-US" sz="2400" u="sng" dirty="0"/>
+              <a:t>Use Case View</a:t>
+            </a:r>
+          </a:p>
+          <a:p>
+            <a:pPr lvl="0"/>
+            <a:r>
+              <a:rPr lang="en-US" sz="1700" dirty="0"/>
+              <a:t>Describes the sequences of iterations between objects and between processes.</a:t>
+            </a:r>
+          </a:p>
+          <a:p>
+            <a:pPr lvl="1">
+              <a:buFont typeface="Courier New" panose="02070309020205020404" pitchFamily="49" charset="0"/>
+              <a:buChar char="o"/>
+            </a:pPr>
+            <a:r>
+              <a:rPr lang="en-US" sz="1700" b="1" dirty="0"/>
+              <a:t>Event Planner</a:t>
+            </a:r>
+            <a:r>
+              <a:rPr lang="en-US" sz="1700" dirty="0"/>
+              <a:t>: creates new customer and a new order connected to that customer</a:t>
+            </a:r>
+          </a:p>
+          <a:p>
+            <a:pPr marL="457200" lvl="1" indent="0">
+              <a:buNone/>
+            </a:pPr>
+            <a:endParaRPr lang="en-US" sz="1700" dirty="0"/>
+          </a:p>
+          <a:p>
+            <a:pPr lvl="1">
+              <a:buFont typeface="Courier New" panose="02070309020205020404" pitchFamily="49" charset="0"/>
+              <a:buChar char="o"/>
+            </a:pPr>
+            <a:r>
+              <a:rPr lang="en-US" sz="1700" b="1" dirty="0"/>
+              <a:t>Kitchen Staff</a:t>
+            </a:r>
+            <a:r>
+              <a:rPr lang="en-US" sz="1700" dirty="0"/>
+              <a:t>: accesses all orders through the order list for production</a:t>
+            </a:r>
+          </a:p>
+          <a:p>
+            <a:pPr lvl="1"/>
+            <a:endParaRPr lang="en-US" sz="1700" b="1" dirty="0"/>
+          </a:p>
+          <a:p>
+            <a:pPr lvl="1">
+              <a:buFont typeface="Courier New" panose="02070309020205020404" pitchFamily="49" charset="0"/>
+              <a:buChar char="o"/>
+            </a:pPr>
+            <a:r>
+              <a:rPr lang="en-US" sz="1700" b="1" dirty="0"/>
+              <a:t>Delivery Driver</a:t>
+            </a:r>
+            <a:r>
+              <a:rPr lang="en-US" sz="1700" dirty="0"/>
+              <a:t>: accesses all orders through order list for delivery times</a:t>
+            </a:r>
+          </a:p>
+          <a:p>
+            <a:pPr marL="0" indent="0">
+              <a:buNone/>
+            </a:pPr>
+            <a:endParaRPr lang="en-US" sz="1700" dirty="0"/>
           </a:p>
         </p:txBody>
       </p:sp>
     </p:spTree>
     <p:extLst>
       <p:ext uri="{BB962C8B-B14F-4D97-AF65-F5344CB8AC3E}">
-        <p14:creationId xmlns:p14="http://schemas.microsoft.com/office/powerpoint/2010/main" val="1250211582"/>
-      </p:ext>
-    </p:extLst>
-  </p:cSld>
-  <p:clrMapOvr>
-    <a:overrideClrMapping bg1="dk1" tx1="lt1" bg2="dk2" tx2="lt2" accent1="accent1" accent2="accent2" accent3="accent3" accent4="accent4" accent5="accent5" accent6="accent6" hlink="hlink" folHlink="folHlink"/>
-  </p:clrMapOvr>
-</p:sld>
-</file>
-
-<file path=ppt/slides/slide7.xml><?xml version="1.0" encoding="utf-8"?>
-<p:sld xmlns:a="http://schemas.openxmlformats.org/drawingml/2006/main" xmlns:r="http://schemas.openxmlformats.org/officeDocument/2006/relationships" xmlns:p="http://schemas.openxmlformats.org/presentationml/2006/main">
-  <p:cSld>
-    <p:bg>
-      <p:bgPr>
-        <a:solidFill>
-          <a:schemeClr val="bg2"/>
-        </a:solidFill>
-        <a:effectLst/>
-      </p:bgPr>
-    </p:bg>
-    <p:spTree>
-      <p:nvGrpSpPr>
-        <p:cNvPr id="1" name=""/>
-        <p:cNvGrpSpPr/>
-        <p:nvPr/>
-      </p:nvGrpSpPr>
-      <p:grpSpPr>
-        <a:xfrm>
-          <a:off x="0" y="0"/>
-          <a:ext cx="0" cy="0"/>
-          <a:chOff x="0" y="0"/>
-          <a:chExt cx="0" cy="0"/>
-        </a:xfrm>
-      </p:grpSpPr>
-      <p:sp>
-        <p:nvSpPr>
-          <p:cNvPr id="24" name="Rectangle: Rounded Corners 23">
-            <a:extLst>
-              <a:ext uri="{FF2B5EF4-FFF2-40B4-BE49-F238E27FC236}">
-                <a16:creationId xmlns:a16="http://schemas.microsoft.com/office/drawing/2014/main" id="{6AA24DE7-C336-4994-8C52-D9B3F3D0FA4D}"/>
-              </a:ext>
-            </a:extLst>
-          </p:cNvPr>
-          <p:cNvSpPr>
-            <a:spLocks noGrp="1" noRot="1" noChangeAspect="1" noMove="1" noResize="1" noEditPoints="1" noAdjustHandles="1" noChangeArrowheads="1" noChangeShapeType="1" noTextEdit="1"/>
-          </p:cNvSpPr>
-          <p:nvPr>
-            <p:extLst>
-              <p:ext uri="{386F3935-93C4-4BCD-93E2-E3B085C9AB24}">
-                <p16:designElem xmlns:p16="http://schemas.microsoft.com/office/powerpoint/2015/main" val="1"/>
-              </p:ext>
-            </p:extLst>
-          </p:nvPr>
-        </p:nvSpPr>
-        <p:spPr>
-          <a:xfrm>
-            <a:off x="953311" y="953311"/>
-            <a:ext cx="10603149" cy="5263867"/>
-          </a:xfrm>
-          <a:prstGeom prst="roundRect">
-            <a:avLst>
-              <a:gd name="adj" fmla="val 1566"/>
-            </a:avLst>
-          </a:prstGeom>
-          <a:solidFill>
-            <a:srgbClr val="FFFFFF"/>
-          </a:solidFill>
-          <a:ln>
-            <a:noFill/>
-          </a:ln>
-        </p:spPr>
-        <p:style>
-          <a:lnRef idx="2">
-            <a:schemeClr val="accent1">
-              <a:shade val="50000"/>
-            </a:schemeClr>
-          </a:lnRef>
-          <a:fillRef idx="1">
-            <a:schemeClr val="accent1"/>
-          </a:fillRef>
-          <a:effectRef idx="0">
-            <a:schemeClr val="accent1"/>
-          </a:effectRef>
-          <a:fontRef idx="minor">
-            <a:schemeClr val="lt1"/>
-          </a:fontRef>
-        </p:style>
-        <p:txBody>
-          <a:bodyPr rtlCol="0" anchor="ctr"/>
-          <a:lstStyle/>
-          <a:p>
-            <a:pPr algn="ctr"/>
-            <a:endParaRPr lang="en-US"/>
-          </a:p>
-        </p:txBody>
-      </p:sp>
-      <p:pic>
-        <p:nvPicPr>
-          <p:cNvPr id="7" name="Content Placeholder 3" descr="A screenshot of a social media post&#10;&#10;Description generated with very high confidence">
-            <a:extLst>
-              <a:ext uri="{FF2B5EF4-FFF2-40B4-BE49-F238E27FC236}">
-                <a16:creationId xmlns:a16="http://schemas.microsoft.com/office/drawing/2014/main" id="{CB4F3628-ADB5-4777-A44D-4E867B50658B}"/>
-              </a:ext>
-            </a:extLst>
-          </p:cNvPr>
-          <p:cNvPicPr>
-            <a:picLocks noChangeAspect="1"/>
-          </p:cNvPicPr>
-          <p:nvPr/>
-        </p:nvPicPr>
-        <p:blipFill>
-          <a:blip r:embed="rId2"/>
-          <a:stretch>
-            <a:fillRect/>
-          </a:stretch>
-        </p:blipFill>
-        <p:spPr>
-          <a:xfrm>
-            <a:off x="3519871" y="1994717"/>
-            <a:ext cx="7909151" cy="2926386"/>
-          </a:xfrm>
-          <a:prstGeom prst="rect">
-            <a:avLst/>
-          </a:prstGeom>
-        </p:spPr>
-      </p:pic>
-      <p:sp>
-        <p:nvSpPr>
-          <p:cNvPr id="2" name="Title 1">
-            <a:extLst>
-              <a:ext uri="{FF2B5EF4-FFF2-40B4-BE49-F238E27FC236}">
-                <a16:creationId xmlns:a16="http://schemas.microsoft.com/office/drawing/2014/main" id="{8E7BD0A4-3C32-4072-B351-0957CF7039FB}"/>
-              </a:ext>
-            </a:extLst>
-          </p:cNvPr>
-          <p:cNvSpPr>
-            <a:spLocks noGrp="1"/>
-          </p:cNvSpPr>
-          <p:nvPr>
-            <p:ph type="title"/>
-          </p:nvPr>
-        </p:nvSpPr>
-        <p:spPr>
-          <a:xfrm>
-            <a:off x="462527" y="2211828"/>
-            <a:ext cx="2752354" cy="2709275"/>
-          </a:xfrm>
-          <a:prstGeom prst="rect">
-            <a:avLst/>
-          </a:prstGeom>
-          <a:solidFill>
-            <a:schemeClr val="accent1"/>
-          </a:solidFill>
-          <a:ln w="174625" cmpd="thinThick">
-            <a:solidFill>
-              <a:schemeClr val="bg2">
-                <a:lumMod val="25000"/>
-              </a:schemeClr>
-            </a:solidFill>
-          </a:ln>
-        </p:spPr>
-        <p:txBody>
-          <a:bodyPr vert="horz" lIns="91440" tIns="45720" rIns="91440" bIns="45720" rtlCol="0" anchor="ctr">
-            <a:normAutofit/>
-          </a:bodyPr>
-          <a:lstStyle/>
-          <a:p>
-            <a:pPr algn="ctr"/>
-            <a:r>
-              <a:rPr lang="en-US" sz="2800" kern="1200" dirty="0">
-                <a:solidFill>
-                  <a:srgbClr val="FFFFFF"/>
-                </a:solidFill>
-                <a:latin typeface="+mj-lt"/>
-                <a:ea typeface="+mj-ea"/>
-                <a:cs typeface="+mj-cs"/>
-              </a:rPr>
-              <a:t>Use Case Storyboard</a:t>
-            </a:r>
-            <a:br>
-              <a:rPr lang="en-US" sz="2800" kern="1200" dirty="0">
-                <a:solidFill>
-                  <a:srgbClr val="FFFFFF"/>
-                </a:solidFill>
-                <a:latin typeface="+mj-lt"/>
-                <a:ea typeface="+mj-ea"/>
-                <a:cs typeface="+mj-cs"/>
-              </a:rPr>
-            </a:br>
-            <a:r>
-              <a:rPr lang="en-US" sz="2800" kern="1200" dirty="0">
-                <a:solidFill>
-                  <a:srgbClr val="FFFFFF"/>
-                </a:solidFill>
-                <a:latin typeface="+mj-lt"/>
-                <a:ea typeface="+mj-ea"/>
-                <a:cs typeface="+mj-cs"/>
-              </a:rPr>
-              <a:t>____________</a:t>
-            </a:r>
-            <a:br>
-              <a:rPr lang="en-US" sz="2800" kern="1200" dirty="0">
-                <a:solidFill>
-                  <a:srgbClr val="FFFFFF"/>
-                </a:solidFill>
-                <a:latin typeface="+mj-lt"/>
-                <a:ea typeface="+mj-ea"/>
-                <a:cs typeface="+mj-cs"/>
-              </a:rPr>
-            </a:br>
-            <a:br>
-              <a:rPr lang="en-US" sz="2800" kern="1200" dirty="0">
-                <a:solidFill>
-                  <a:srgbClr val="FFFFFF"/>
-                </a:solidFill>
-                <a:latin typeface="+mj-lt"/>
-                <a:ea typeface="+mj-ea"/>
-                <a:cs typeface="+mj-cs"/>
-              </a:rPr>
-            </a:br>
-            <a:r>
-              <a:rPr lang="en-US" sz="2800" kern="1200" dirty="0">
-                <a:solidFill>
-                  <a:srgbClr val="FFFFFF"/>
-                </a:solidFill>
-                <a:latin typeface="+mj-lt"/>
-                <a:ea typeface="+mj-ea"/>
-                <a:cs typeface="+mj-cs"/>
-              </a:rPr>
-              <a:t>Event Planner</a:t>
-            </a:r>
-          </a:p>
-        </p:txBody>
-      </p:sp>
-    </p:spTree>
-    <p:extLst>
-      <p:ext uri="{BB962C8B-B14F-4D97-AF65-F5344CB8AC3E}">
-        <p14:creationId xmlns:p14="http://schemas.microsoft.com/office/powerpoint/2010/main" val="3376625427"/>
+        <p14:creationId xmlns:p14="http://schemas.microsoft.com/office/powerpoint/2010/main" val="2965451406"/>
       </p:ext>
     </p:extLst>
   </p:cSld>
@@ -7543,10 +8422,10 @@
       </p:grpSpPr>
       <p:sp>
         <p:nvSpPr>
-          <p:cNvPr id="24" name="Rectangle: Rounded Corners 23">
-            <a:extLst>
-              <a:ext uri="{FF2B5EF4-FFF2-40B4-BE49-F238E27FC236}">
-                <a16:creationId xmlns:a16="http://schemas.microsoft.com/office/drawing/2014/main" id="{6AA24DE7-C336-4994-8C52-D9B3F3D0FA4D}"/>
+          <p:cNvPr id="9" name="Rectangle 8">
+            <a:extLst>
+              <a:ext uri="{FF2B5EF4-FFF2-40B4-BE49-F238E27FC236}">
+                <a16:creationId xmlns:a16="http://schemas.microsoft.com/office/drawing/2014/main" id="{1E214AA7-F028-4A0D-8698-61AEC754D1BC}"/>
               </a:ext>
             </a:extLst>
           </p:cNvPr>
@@ -7563,16 +8442,14 @@
         </p:nvSpPr>
         <p:spPr>
           <a:xfrm>
-            <a:off x="953311" y="953311"/>
-            <a:ext cx="10603149" cy="5263867"/>
-          </a:xfrm>
-          <a:prstGeom prst="roundRect">
-            <a:avLst>
-              <a:gd name="adj" fmla="val 1566"/>
-            </a:avLst>
+            <a:off x="0" y="1"/>
+            <a:ext cx="12192000" cy="1598340"/>
+          </a:xfrm>
+          <a:prstGeom prst="rect">
+            <a:avLst/>
           </a:prstGeom>
           <a:solidFill>
-            <a:srgbClr val="FFFFFF"/>
+            <a:srgbClr val="595959"/>
           </a:solidFill>
           <a:ln>
             <a:noFill/>
@@ -7598,158 +8475,316 @@
           <a:bodyPr rtlCol="0" anchor="ctr"/>
           <a:lstStyle/>
           <a:p>
-            <a:pPr algn="ctr"/>
-            <a:endParaRPr lang="en-US"/>
-          </a:p>
-        </p:txBody>
-      </p:sp>
-      <p:sp>
-        <p:nvSpPr>
-          <p:cNvPr id="2" name="Title 1">
-            <a:extLst>
-              <a:ext uri="{FF2B5EF4-FFF2-40B4-BE49-F238E27FC236}">
-                <a16:creationId xmlns:a16="http://schemas.microsoft.com/office/drawing/2014/main" id="{8E7BD0A4-3C32-4072-B351-0957CF7039FB}"/>
-              </a:ext>
-            </a:extLst>
-          </p:cNvPr>
-          <p:cNvSpPr>
-            <a:spLocks noGrp="1"/>
-          </p:cNvSpPr>
-          <p:nvPr>
-            <p:ph type="title"/>
-          </p:nvPr>
-        </p:nvSpPr>
+            <a:pPr marL="0" marR="0" lvl="0" indent="0" algn="ctr" defTabSz="914400" rtl="0" eaLnBrk="1" fontAlgn="auto" latinLnBrk="0" hangingPunct="1">
+              <a:lnSpc>
+                <a:spcPct val="100000"/>
+              </a:lnSpc>
+              <a:spcBef>
+                <a:spcPts val="0"/>
+              </a:spcBef>
+              <a:spcAft>
+                <a:spcPts val="0"/>
+              </a:spcAft>
+              <a:buClrTx/>
+              <a:buSzTx/>
+              <a:buFontTx/>
+              <a:buNone/>
+              <a:tabLst/>
+              <a:defRPr/>
+            </a:pPr>
+            <a:endParaRPr kumimoji="0" lang="en-US" sz="1800" b="0" i="0" u="none" strike="noStrike" kern="1200" cap="none" spc="0" normalizeH="0" baseline="0" noProof="0">
+              <a:ln>
+                <a:noFill/>
+              </a:ln>
+              <a:solidFill>
+                <a:prstClr val="white"/>
+              </a:solidFill>
+              <a:effectLst/>
+              <a:uLnTx/>
+              <a:uFillTx/>
+              <a:latin typeface="Calibri" panose="020F0502020204030204"/>
+              <a:ea typeface="+mn-ea"/>
+              <a:cs typeface="+mn-cs"/>
+            </a:endParaRPr>
+          </a:p>
+        </p:txBody>
+      </p:sp>
+      <p:cxnSp>
+        <p:nvCxnSpPr>
+          <p:cNvPr id="11" name="Straight Connector 10">
+            <a:extLst>
+              <a:ext uri="{FF2B5EF4-FFF2-40B4-BE49-F238E27FC236}">
+                <a16:creationId xmlns:a16="http://schemas.microsoft.com/office/drawing/2014/main" id="{D6206FDC-2777-4D7F-AF9C-73413DA664C9}"/>
+              </a:ext>
+            </a:extLst>
+          </p:cNvPr>
+          <p:cNvCxnSpPr>
+            <a:cxnSpLocks noGrp="1" noRot="1" noChangeAspect="1" noMove="1" noResize="1" noEditPoints="1" noAdjustHandles="1" noChangeArrowheads="1" noChangeShapeType="1"/>
+          </p:cNvCxnSpPr>
+          <p:nvPr>
+            <p:extLst>
+              <p:ext uri="{386F3935-93C4-4BCD-93E2-E3B085C9AB24}">
+                <p16:designElem xmlns:p16="http://schemas.microsoft.com/office/powerpoint/2015/main" val="1"/>
+              </p:ext>
+            </p:extLst>
+          </p:nvPr>
+        </p:nvCxnSpPr>
         <p:spPr>
           <a:xfrm>
-            <a:off x="462527" y="2211828"/>
-            <a:ext cx="2752354" cy="2709275"/>
-          </a:xfrm>
-          <a:prstGeom prst="rect">
+            <a:off x="6096000" y="2888250"/>
+            <a:ext cx="0" cy="2769135"/>
+          </a:xfrm>
+          <a:prstGeom prst="line">
             <a:avLst/>
           </a:prstGeom>
-          <a:solidFill>
-            <a:schemeClr val="accent1"/>
-          </a:solidFill>
-          <a:ln w="174625" cmpd="thinThick">
+          <a:ln w="19050">
             <a:solidFill>
-              <a:schemeClr val="bg2">
-                <a:lumMod val="25000"/>
-              </a:schemeClr>
+              <a:srgbClr val="7F7F7F"/>
             </a:solidFill>
           </a:ln>
         </p:spPr>
-        <p:txBody>
-          <a:bodyPr vert="horz" lIns="91440" tIns="45720" rIns="91440" bIns="45720" rtlCol="0" anchor="ctr">
+        <p:style>
+          <a:lnRef idx="1">
+            <a:schemeClr val="accent1"/>
+          </a:lnRef>
+          <a:fillRef idx="0">
+            <a:schemeClr val="accent1"/>
+          </a:fillRef>
+          <a:effectRef idx="0">
+            <a:schemeClr val="accent1"/>
+          </a:effectRef>
+          <a:fontRef idx="minor">
+            <a:schemeClr val="tx1"/>
+          </a:fontRef>
+        </p:style>
+      </p:cxnSp>
+      <p:sp>
+        <p:nvSpPr>
+          <p:cNvPr id="2" name="Title 1">
+            <a:extLst>
+              <a:ext uri="{FF2B5EF4-FFF2-40B4-BE49-F238E27FC236}">
+                <a16:creationId xmlns:a16="http://schemas.microsoft.com/office/drawing/2014/main" id="{0D24370A-ED09-4EC6-9193-E780C6CC711A}"/>
+              </a:ext>
+            </a:extLst>
+          </p:cNvPr>
+          <p:cNvSpPr>
+            <a:spLocks noGrp="1"/>
+          </p:cNvSpPr>
+          <p:nvPr>
+            <p:ph type="title"/>
+          </p:nvPr>
+        </p:nvSpPr>
+        <p:spPr>
+          <a:xfrm>
+            <a:off x="1159933" y="995318"/>
+            <a:ext cx="9872134" cy="1193968"/>
+          </a:xfrm>
+          <a:solidFill>
+            <a:srgbClr val="FFFFFF"/>
+          </a:solidFill>
+          <a:ln w="38100">
+            <a:solidFill>
+              <a:srgbClr val="595959"/>
+            </a:solidFill>
+            <a:miter lim="800000"/>
+          </a:ln>
+        </p:spPr>
+        <p:txBody>
+          <a:bodyPr>
             <a:normAutofit/>
           </a:bodyPr>
           <a:lstStyle/>
           <a:p>
             <a:pPr algn="ctr"/>
             <a:r>
-              <a:rPr lang="en-US" sz="2800" kern="1200" dirty="0">
+              <a:rPr lang="en-US" sz="3600">
                 <a:solidFill>
-                  <a:srgbClr val="FFFFFF"/>
-                </a:solidFill>
-                <a:latin typeface="+mj-lt"/>
-                <a:ea typeface="+mj-ea"/>
-                <a:cs typeface="+mj-cs"/>
-              </a:rPr>
-              <a:t>Use Case Storyboard</a:t>
-            </a:r>
-            <a:br>
-              <a:rPr lang="en-US" sz="2800" kern="1200" dirty="0">
-                <a:solidFill>
-                  <a:srgbClr val="FFFFFF"/>
-                </a:solidFill>
-                <a:latin typeface="+mj-lt"/>
-                <a:ea typeface="+mj-ea"/>
-                <a:cs typeface="+mj-cs"/>
-              </a:rPr>
-            </a:br>
-            <a:r>
-              <a:rPr lang="en-US" sz="2800" kern="1200" dirty="0">
-                <a:solidFill>
-                  <a:srgbClr val="FFFFFF"/>
-                </a:solidFill>
-                <a:latin typeface="+mj-lt"/>
-                <a:ea typeface="+mj-ea"/>
-                <a:cs typeface="+mj-cs"/>
-              </a:rPr>
-              <a:t>____________</a:t>
-            </a:r>
-            <a:br>
-              <a:rPr lang="en-US" sz="2800" kern="1200" dirty="0">
-                <a:solidFill>
-                  <a:srgbClr val="FFFFFF"/>
-                </a:solidFill>
-                <a:latin typeface="+mj-lt"/>
-                <a:ea typeface="+mj-ea"/>
-                <a:cs typeface="+mj-cs"/>
-              </a:rPr>
-            </a:br>
-            <a:br>
-              <a:rPr lang="en-US" sz="2800" kern="1200" dirty="0">
-                <a:solidFill>
-                  <a:srgbClr val="FFFFFF"/>
-                </a:solidFill>
-                <a:latin typeface="+mj-lt"/>
-                <a:ea typeface="+mj-ea"/>
-                <a:cs typeface="+mj-cs"/>
-              </a:rPr>
-            </a:br>
-            <a:r>
-              <a:rPr lang="en-US" sz="2800" dirty="0">
-                <a:solidFill>
-                  <a:srgbClr val="FFFFFF"/>
+                  <a:srgbClr val="3F3F3F"/>
                 </a:solidFill>
               </a:rPr>
-              <a:t>Kitchen</a:t>
-            </a:r>
-            <a:endParaRPr lang="en-US" sz="2800" kern="1200" dirty="0">
-              <a:solidFill>
-                <a:srgbClr val="FFFFFF"/>
-              </a:solidFill>
-              <a:latin typeface="+mj-lt"/>
-              <a:ea typeface="+mj-ea"/>
-              <a:cs typeface="+mj-cs"/>
-            </a:endParaRPr>
-          </a:p>
-        </p:txBody>
-      </p:sp>
-      <p:pic>
-        <p:nvPicPr>
-          <p:cNvPr id="3" name="Picture 2">
-            <a:extLst>
-              <a:ext uri="{FF2B5EF4-FFF2-40B4-BE49-F238E27FC236}">
-                <a16:creationId xmlns:a16="http://schemas.microsoft.com/office/drawing/2014/main" id="{39D86EC1-5E85-42F5-818A-4288302915C8}"/>
-              </a:ext>
-            </a:extLst>
-          </p:cNvPr>
-          <p:cNvPicPr>
-            <a:picLocks noChangeAspect="1"/>
-          </p:cNvPicPr>
-          <p:nvPr/>
-        </p:nvPicPr>
-        <p:blipFill>
-          <a:blip r:embed="rId2"/>
-          <a:stretch>
-            <a:fillRect/>
-          </a:stretch>
-        </p:blipFill>
+              <a:t>Software Architecture Document</a:t>
+            </a:r>
+          </a:p>
+        </p:txBody>
+      </p:sp>
+      <p:sp>
+        <p:nvSpPr>
+          <p:cNvPr id="3" name="Content Placeholder 2">
+            <a:extLst>
+              <a:ext uri="{FF2B5EF4-FFF2-40B4-BE49-F238E27FC236}">
+                <a16:creationId xmlns:a16="http://schemas.microsoft.com/office/drawing/2014/main" id="{0732045E-185F-497A-9968-9E0EF7243A4E}"/>
+              </a:ext>
+            </a:extLst>
+          </p:cNvPr>
+          <p:cNvSpPr>
+            <a:spLocks noGrp="1"/>
+          </p:cNvSpPr>
+          <p:nvPr>
+            <p:ph sz="half" idx="1"/>
+          </p:nvPr>
+        </p:nvSpPr>
         <p:spPr>
           <a:xfrm>
-            <a:off x="3532082" y="2074362"/>
-            <a:ext cx="7564696" cy="2709275"/>
-          </a:xfrm>
-          <a:prstGeom prst="rect">
-            <a:avLst/>
-          </a:prstGeom>
-        </p:spPr>
-      </p:pic>
+            <a:off x="371477" y="2888250"/>
+            <a:ext cx="5402790" cy="3169650"/>
+          </a:xfrm>
+        </p:spPr>
+        <p:txBody>
+          <a:bodyPr anchor="t">
+            <a:normAutofit/>
+          </a:bodyPr>
+          <a:lstStyle/>
+          <a:p>
+            <a:pPr marL="0" indent="0" algn="ctr">
+              <a:buNone/>
+            </a:pPr>
+            <a:r>
+              <a:rPr lang="en-US" u="sng" dirty="0"/>
+              <a:t>Logical View</a:t>
+            </a:r>
+          </a:p>
+          <a:p>
+            <a:pPr lvl="0"/>
+            <a:r>
+              <a:rPr lang="en-US" sz="1600" dirty="0"/>
+              <a:t>As shown in the Design Model, the management system is made up of several packages including</a:t>
+            </a:r>
+          </a:p>
+          <a:p>
+            <a:pPr marL="0" lvl="0" indent="0">
+              <a:buNone/>
+            </a:pPr>
+            <a:endParaRPr lang="en-US" sz="1050" dirty="0"/>
+          </a:p>
+          <a:p>
+            <a:pPr lvl="1"/>
+            <a:r>
+              <a:rPr lang="en-US" sz="1600" b="1" dirty="0"/>
+              <a:t>Employees</a:t>
+            </a:r>
+            <a:r>
+              <a:rPr lang="en-US" sz="1600" dirty="0"/>
+              <a:t>: Event Planner, Kitchen Staff, Delivery Drivers</a:t>
+            </a:r>
+          </a:p>
+          <a:p>
+            <a:pPr lvl="1"/>
+            <a:r>
+              <a:rPr lang="en-US" sz="1600" b="1" dirty="0"/>
+              <a:t>Customer</a:t>
+            </a:r>
+            <a:r>
+              <a:rPr lang="en-US" sz="1600" dirty="0"/>
+              <a:t>: Person purchasing the product</a:t>
+            </a:r>
+          </a:p>
+          <a:p>
+            <a:pPr lvl="1"/>
+            <a:r>
+              <a:rPr lang="en-US" sz="1600" b="1" dirty="0"/>
+              <a:t>Item</a:t>
+            </a:r>
+            <a:r>
+              <a:rPr lang="en-US" sz="1600" dirty="0"/>
+              <a:t>: Item to be added to the order</a:t>
+            </a:r>
+          </a:p>
+          <a:p>
+            <a:pPr lvl="1"/>
+            <a:r>
+              <a:rPr lang="en-US" sz="1600" b="1" dirty="0"/>
+              <a:t>Order</a:t>
+            </a:r>
+            <a:r>
+              <a:rPr lang="en-US" sz="1600" dirty="0"/>
+              <a:t>: A single order for one customer</a:t>
+            </a:r>
+          </a:p>
+          <a:p>
+            <a:pPr lvl="1"/>
+            <a:r>
+              <a:rPr lang="en-US" sz="1600" b="1" dirty="0" err="1"/>
+              <a:t>OrderList</a:t>
+            </a:r>
+            <a:r>
+              <a:rPr lang="en-US" sz="1600" dirty="0"/>
+              <a:t>: A list of all orders in the system</a:t>
+            </a:r>
+          </a:p>
+          <a:p>
+            <a:pPr marL="0" indent="0">
+              <a:buNone/>
+            </a:pPr>
+            <a:endParaRPr lang="en-US" sz="1600" dirty="0"/>
+          </a:p>
+        </p:txBody>
+      </p:sp>
+      <p:sp>
+        <p:nvSpPr>
+          <p:cNvPr id="4" name="Content Placeholder 3">
+            <a:extLst>
+              <a:ext uri="{FF2B5EF4-FFF2-40B4-BE49-F238E27FC236}">
+                <a16:creationId xmlns:a16="http://schemas.microsoft.com/office/drawing/2014/main" id="{B356AB43-2645-4208-A05E-B09453412512}"/>
+              </a:ext>
+            </a:extLst>
+          </p:cNvPr>
+          <p:cNvSpPr>
+            <a:spLocks noGrp="1"/>
+          </p:cNvSpPr>
+          <p:nvPr>
+            <p:ph sz="half" idx="2"/>
+          </p:nvPr>
+        </p:nvSpPr>
+        <p:spPr>
+          <a:xfrm>
+            <a:off x="6417731" y="2888250"/>
+            <a:ext cx="4292594" cy="2959778"/>
+          </a:xfrm>
+        </p:spPr>
+        <p:txBody>
+          <a:bodyPr anchor="t">
+            <a:normAutofit/>
+          </a:bodyPr>
+          <a:lstStyle/>
+          <a:p>
+            <a:pPr marL="0" indent="0" algn="ctr">
+              <a:buNone/>
+            </a:pPr>
+            <a:r>
+              <a:rPr lang="en-US" sz="2400" u="sng" dirty="0"/>
+              <a:t>Process View</a:t>
+            </a:r>
+          </a:p>
+          <a:p>
+            <a:r>
+              <a:rPr lang="en-US" sz="1600" dirty="0"/>
+              <a:t>Deals with the dynamic aspects of the system and how each process communicates with each other</a:t>
+            </a:r>
+          </a:p>
+          <a:p>
+            <a:endParaRPr lang="en-US" sz="1900" dirty="0"/>
+          </a:p>
+          <a:p>
+            <a:pPr marL="0" indent="0" algn="ctr">
+              <a:buNone/>
+            </a:pPr>
+            <a:r>
+              <a:rPr lang="en-US" sz="2400" u="sng" dirty="0"/>
+              <a:t>Deployment View</a:t>
+            </a:r>
+          </a:p>
+          <a:p>
+            <a:r>
+              <a:rPr lang="en-US" sz="1600" dirty="0"/>
+              <a:t>Physical deployment of processes and components to processing nodes, and network configuration between nodes</a:t>
+            </a:r>
+          </a:p>
+        </p:txBody>
+      </p:sp>
     </p:spTree>
     <p:extLst>
       <p:ext uri="{BB962C8B-B14F-4D97-AF65-F5344CB8AC3E}">
-        <p14:creationId xmlns:p14="http://schemas.microsoft.com/office/powerpoint/2010/main" val="3265234073"/>
+        <p14:creationId xmlns:p14="http://schemas.microsoft.com/office/powerpoint/2010/main" val="3292016548"/>
       </p:ext>
     </p:extLst>
   </p:cSld>
@@ -7765,7 +8800,7 @@
     <p:bg>
       <p:bgPr>
         <a:solidFill>
-          <a:schemeClr val="bg2"/>
+          <a:schemeClr val="bg1"/>
         </a:solidFill>
         <a:effectLst/>
       </p:bgPr>
@@ -7784,12 +8819,42 @@
           <a:chExt cx="0" cy="0"/>
         </a:xfrm>
       </p:grpSpPr>
-      <p:sp>
-        <p:nvSpPr>
-          <p:cNvPr id="24" name="Rectangle: Rounded Corners 23">
-            <a:extLst>
-              <a:ext uri="{FF2B5EF4-FFF2-40B4-BE49-F238E27FC236}">
-                <a16:creationId xmlns:a16="http://schemas.microsoft.com/office/drawing/2014/main" id="{6AA24DE7-C336-4994-8C52-D9B3F3D0FA4D}"/>
+      <p:pic>
+        <p:nvPicPr>
+          <p:cNvPr id="2" name="Picture 1" descr="A screenshot of a cell phone&#10;&#10;Description generated with very high confidence">
+            <a:extLst>
+              <a:ext uri="{FF2B5EF4-FFF2-40B4-BE49-F238E27FC236}">
+                <a16:creationId xmlns:a16="http://schemas.microsoft.com/office/drawing/2014/main" id="{75D00979-8F5E-42CB-8570-3F4BABADE5CA}"/>
+              </a:ext>
+            </a:extLst>
+          </p:cNvPr>
+          <p:cNvPicPr>
+            <a:picLocks noChangeAspect="1"/>
+          </p:cNvPicPr>
+          <p:nvPr/>
+        </p:nvPicPr>
+        <p:blipFill>
+          <a:blip r:embed="rId2"/>
+          <a:stretch>
+            <a:fillRect/>
+          </a:stretch>
+        </p:blipFill>
+        <p:spPr>
+          <a:xfrm>
+            <a:off x="5153822" y="729634"/>
+            <a:ext cx="6553545" cy="5406674"/>
+          </a:xfrm>
+          <a:prstGeom prst="rect">
+            <a:avLst/>
+          </a:prstGeom>
+        </p:spPr>
+      </p:pic>
+      <p:sp>
+        <p:nvSpPr>
+          <p:cNvPr id="37" name="Rectangle 33">
+            <a:extLst>
+              <a:ext uri="{FF2B5EF4-FFF2-40B4-BE49-F238E27FC236}">
+                <a16:creationId xmlns:a16="http://schemas.microsoft.com/office/drawing/2014/main" id="{AB45A142-4255-493C-8284-5D566C121B10}"/>
               </a:ext>
             </a:extLst>
           </p:cNvPr>
@@ -7804,21 +8869,27 @@
             </p:extLst>
           </p:nvPr>
         </p:nvSpPr>
-        <p:spPr>
-          <a:xfrm>
-            <a:off x="953311" y="953311"/>
-            <a:ext cx="10603149" cy="5263867"/>
-          </a:xfrm>
-          <a:prstGeom prst="roundRect">
-            <a:avLst>
-              <a:gd name="adj" fmla="val 1566"/>
-            </a:avLst>
+        <p:spPr bwMode="ltGray">
+          <a:xfrm>
+            <a:off x="336884" y="321177"/>
+            <a:ext cx="4332307" cy="6179552"/>
+          </a:xfrm>
+          <a:prstGeom prst="rect">
+            <a:avLst/>
           </a:prstGeom>
           <a:solidFill>
-            <a:srgbClr val="FFFFFF"/>
+            <a:schemeClr val="tx1">
+              <a:lumMod val="75000"/>
+              <a:lumOff val="25000"/>
+            </a:schemeClr>
           </a:solidFill>
-          <a:ln>
-            <a:noFill/>
+          <a:ln w="127000" cap="sq" cmpd="thinThick">
+            <a:solidFill>
+              <a:schemeClr val="tx1">
+                <a:lumMod val="75000"/>
+                <a:lumOff val="25000"/>
+              </a:schemeClr>
+            </a:solidFill>
           </a:ln>
         </p:spPr>
         <p:style>
@@ -7846,148 +8917,104 @@
           </a:p>
         </p:txBody>
       </p:sp>
-      <p:sp>
-        <p:nvSpPr>
-          <p:cNvPr id="2" name="Title 1">
-            <a:extLst>
-              <a:ext uri="{FF2B5EF4-FFF2-40B4-BE49-F238E27FC236}">
-                <a16:creationId xmlns:a16="http://schemas.microsoft.com/office/drawing/2014/main" id="{8E7BD0A4-3C32-4072-B351-0957CF7039FB}"/>
-              </a:ext>
-            </a:extLst>
-          </p:cNvPr>
-          <p:cNvSpPr>
-            <a:spLocks noGrp="1"/>
-          </p:cNvSpPr>
-          <p:nvPr>
-            <p:ph type="title"/>
-          </p:nvPr>
-        </p:nvSpPr>
+      <p:cxnSp>
+        <p:nvCxnSpPr>
+          <p:cNvPr id="36" name="Straight Connector 35">
+            <a:extLst>
+              <a:ext uri="{FF2B5EF4-FFF2-40B4-BE49-F238E27FC236}">
+                <a16:creationId xmlns:a16="http://schemas.microsoft.com/office/drawing/2014/main" id="{38FB9660-F42F-4313-BBC4-47C007FE484C}"/>
+              </a:ext>
+            </a:extLst>
+          </p:cNvPr>
+          <p:cNvCxnSpPr>
+            <a:cxnSpLocks noGrp="1" noRot="1" noChangeAspect="1" noMove="1" noResize="1" noEditPoints="1" noAdjustHandles="1" noChangeArrowheads="1" noChangeShapeType="1"/>
+          </p:cNvCxnSpPr>
+          <p:nvPr>
+            <p:extLst>
+              <p:ext uri="{386F3935-93C4-4BCD-93E2-E3B085C9AB24}">
+                <p16:designElem xmlns:p16="http://schemas.microsoft.com/office/powerpoint/2015/main" val="1"/>
+              </p:ext>
+            </p:extLst>
+          </p:nvPr>
+        </p:nvCxnSpPr>
         <p:spPr>
           <a:xfrm>
-            <a:off x="462527" y="2211828"/>
-            <a:ext cx="2752354" cy="2709275"/>
-          </a:xfrm>
-          <a:prstGeom prst="rect">
+            <a:off x="1191126" y="3910267"/>
+            <a:ext cx="2586790" cy="0"/>
+          </a:xfrm>
+          <a:prstGeom prst="line">
             <a:avLst/>
           </a:prstGeom>
-          <a:solidFill>
-            <a:schemeClr val="accent1"/>
-          </a:solidFill>
-          <a:ln w="174625" cmpd="thinThick">
+          <a:ln w="22225">
             <a:solidFill>
-              <a:schemeClr val="bg2">
-                <a:lumMod val="25000"/>
+              <a:schemeClr val="bg1">
+                <a:lumMod val="85000"/>
               </a:schemeClr>
             </a:solidFill>
           </a:ln>
         </p:spPr>
-        <p:txBody>
-          <a:bodyPr vert="horz" lIns="91440" tIns="45720" rIns="91440" bIns="45720" rtlCol="0" anchor="ctr">
+        <p:style>
+          <a:lnRef idx="1">
+            <a:schemeClr val="accent1"/>
+          </a:lnRef>
+          <a:fillRef idx="0">
+            <a:schemeClr val="accent1"/>
+          </a:fillRef>
+          <a:effectRef idx="0">
+            <a:schemeClr val="accent1"/>
+          </a:effectRef>
+          <a:fontRef idx="minor">
+            <a:schemeClr val="tx1"/>
+          </a:fontRef>
+        </p:style>
+      </p:cxnSp>
+      <p:sp>
+        <p:nvSpPr>
+          <p:cNvPr id="4" name="Title 3">
+            <a:extLst>
+              <a:ext uri="{FF2B5EF4-FFF2-40B4-BE49-F238E27FC236}">
+                <a16:creationId xmlns:a16="http://schemas.microsoft.com/office/drawing/2014/main" id="{72F68B4A-D559-45B4-8B54-9FDB7655AC11}"/>
+              </a:ext>
+            </a:extLst>
+          </p:cNvPr>
+          <p:cNvSpPr>
+            <a:spLocks noGrp="1"/>
+          </p:cNvSpPr>
+          <p:nvPr>
+            <p:ph type="title"/>
+          </p:nvPr>
+        </p:nvSpPr>
+        <p:spPr>
+          <a:xfrm>
+            <a:off x="674237" y="914400"/>
+            <a:ext cx="3657600" cy="2887579"/>
+          </a:xfrm>
+        </p:spPr>
+        <p:txBody>
+          <a:bodyPr vert="horz" lIns="91440" tIns="45720" rIns="91440" bIns="45720" rtlCol="0" anchor="b" anchorCtr="1">
             <a:normAutofit/>
           </a:bodyPr>
           <a:lstStyle/>
           <a:p>
             <a:pPr algn="ctr"/>
             <a:r>
-              <a:rPr lang="en-US" sz="2800" kern="1200" dirty="0">
+              <a:rPr lang="en-US" sz="4800" kern="1200">
                 <a:solidFill>
-                  <a:srgbClr val="FFFFFF"/>
+                  <a:schemeClr val="bg1"/>
                 </a:solidFill>
                 <a:latin typeface="+mj-lt"/>
                 <a:ea typeface="+mj-ea"/>
                 <a:cs typeface="+mj-cs"/>
               </a:rPr>
-              <a:t>Use Case Storyboard</a:t>
-            </a:r>
-            <a:br>
-              <a:rPr lang="en-US" sz="2800" kern="1200" dirty="0">
-                <a:solidFill>
-                  <a:srgbClr val="FFFFFF"/>
-                </a:solidFill>
-                <a:latin typeface="+mj-lt"/>
-                <a:ea typeface="+mj-ea"/>
-                <a:cs typeface="+mj-cs"/>
-              </a:rPr>
-            </a:br>
-            <a:r>
-              <a:rPr lang="en-US" sz="2800" kern="1200" dirty="0">
-                <a:solidFill>
-                  <a:srgbClr val="FFFFFF"/>
-                </a:solidFill>
-                <a:latin typeface="+mj-lt"/>
-                <a:ea typeface="+mj-ea"/>
-                <a:cs typeface="+mj-cs"/>
-              </a:rPr>
-              <a:t>____________</a:t>
-            </a:r>
-            <a:br>
-              <a:rPr lang="en-US" sz="2800" kern="1200" dirty="0">
-                <a:solidFill>
-                  <a:srgbClr val="FFFFFF"/>
-                </a:solidFill>
-                <a:latin typeface="+mj-lt"/>
-                <a:ea typeface="+mj-ea"/>
-                <a:cs typeface="+mj-cs"/>
-              </a:rPr>
-            </a:br>
-            <a:br>
-              <a:rPr lang="en-US" sz="2800" kern="1200" dirty="0">
-                <a:solidFill>
-                  <a:srgbClr val="FFFFFF"/>
-                </a:solidFill>
-                <a:latin typeface="+mj-lt"/>
-                <a:ea typeface="+mj-ea"/>
-                <a:cs typeface="+mj-cs"/>
-              </a:rPr>
-            </a:br>
-            <a:r>
-              <a:rPr lang="en-US" sz="2800" kern="1200" dirty="0">
-                <a:solidFill>
-                  <a:srgbClr val="FFFFFF"/>
-                </a:solidFill>
-                <a:latin typeface="+mj-lt"/>
-                <a:ea typeface="+mj-ea"/>
-                <a:cs typeface="+mj-cs"/>
-              </a:rPr>
-              <a:t>Delivery Driver</a:t>
-            </a:r>
-          </a:p>
-        </p:txBody>
-      </p:sp>
-      <p:pic>
-        <p:nvPicPr>
-          <p:cNvPr id="4" name="Picture 3">
-            <a:extLst>
-              <a:ext uri="{FF2B5EF4-FFF2-40B4-BE49-F238E27FC236}">
-                <a16:creationId xmlns:a16="http://schemas.microsoft.com/office/drawing/2014/main" id="{ED3E7F90-BD78-4DDA-9874-53483DF62910}"/>
-              </a:ext>
-            </a:extLst>
-          </p:cNvPr>
-          <p:cNvPicPr>
-            <a:picLocks noChangeAspect="1"/>
-          </p:cNvPicPr>
-          <p:nvPr/>
-        </p:nvPicPr>
-        <p:blipFill>
-          <a:blip r:embed="rId2"/>
-          <a:stretch>
-            <a:fillRect/>
-          </a:stretch>
-        </p:blipFill>
-        <p:spPr>
-          <a:xfrm>
-            <a:off x="3382297" y="1834388"/>
-            <a:ext cx="8023122" cy="3086715"/>
-          </a:xfrm>
-          <a:prstGeom prst="rect">
-            <a:avLst/>
-          </a:prstGeom>
-        </p:spPr>
-      </p:pic>
+              <a:t>Data Model </a:t>
+            </a:r>
+          </a:p>
+        </p:txBody>
+      </p:sp>
     </p:spTree>
     <p:extLst>
       <p:ext uri="{BB962C8B-B14F-4D97-AF65-F5344CB8AC3E}">
-        <p14:creationId xmlns:p14="http://schemas.microsoft.com/office/powerpoint/2010/main" val="1714832951"/>
+        <p14:creationId xmlns:p14="http://schemas.microsoft.com/office/powerpoint/2010/main" val="1250211582"/>
       </p:ext>
     </p:extLst>
   </p:cSld>

--- a/Project Elaboration P1.pptx
+++ b/Project Elaboration P1.pptx
@@ -131,6 +131,10 @@
 </p:presentation>
 </file>
 
+<file path=ppt/revisionInfo.xml><?xml version="1.0" encoding="utf-8"?>
+<p1510:revInfo xmlns:a="http://schemas.openxmlformats.org/drawingml/2006/main" xmlns:r="http://schemas.openxmlformats.org/officeDocument/2006/relationships" xmlns:p1510="http://schemas.microsoft.com/office/powerpoint/2015/10/main"/>
+</file>
+
 <file path=ppt/slideLayouts/slideLayout1.xml><?xml version="1.0" encoding="utf-8"?>
 <p:sldLayout xmlns:a="http://schemas.openxmlformats.org/drawingml/2006/main" xmlns:r="http://schemas.openxmlformats.org/officeDocument/2006/relationships" xmlns:p="http://schemas.openxmlformats.org/presentationml/2006/main" type="title" preserve="1">
   <p:cSld name="Title Slide">
@@ -278,7 +282,7 @@
           <a:p>
             <a:fld id="{9AB3A824-1A51-4B26-AD58-A6D8E14F6C04}" type="datetimeFigureOut">
               <a:rPr lang="en-US" smtClean="0"/>
-              <a:t>3/20/2018</a:t>
+              <a:t>3/21/2018</a:t>
             </a:fld>
             <a:endParaRPr lang="en-US" dirty="0"/>
           </a:p>
@@ -481,7 +485,7 @@
           <a:p>
             <a:fld id="{D857E33E-8B18-4087-B112-809917729534}" type="datetimeFigureOut">
               <a:rPr lang="en-US" smtClean="0"/>
-              <a:t>3/20/2018</a:t>
+              <a:t>3/21/2018</a:t>
             </a:fld>
             <a:endParaRPr lang="en-US" dirty="0"/>
           </a:p>
@@ -694,7 +698,7 @@
           <a:p>
             <a:fld id="{D3FFE419-2371-464F-8239-3959401C3561}" type="datetimeFigureOut">
               <a:rPr lang="en-US" smtClean="0"/>
-              <a:t>3/20/2018</a:t>
+              <a:t>3/21/2018</a:t>
             </a:fld>
             <a:endParaRPr lang="en-US" dirty="0"/>
           </a:p>
@@ -897,7 +901,7 @@
           <a:p>
             <a:fld id="{97D162C4-EDD9-4389-A98B-B87ECEA2A816}" type="datetimeFigureOut">
               <a:rPr lang="en-US" smtClean="0"/>
-              <a:t>3/20/2018</a:t>
+              <a:t>3/21/2018</a:t>
             </a:fld>
             <a:endParaRPr lang="en-US" dirty="0"/>
           </a:p>
@@ -1177,7 +1181,7 @@
           <a:p>
             <a:fld id="{3E5059C3-6A89-4494-99FF-5A4D6FFD50EB}" type="datetimeFigureOut">
               <a:rPr lang="en-US" smtClean="0"/>
-              <a:t>3/20/2018</a:t>
+              <a:t>3/21/2018</a:t>
             </a:fld>
             <a:endParaRPr lang="en-US" dirty="0"/>
           </a:p>
@@ -1447,7 +1451,7 @@
           <a:p>
             <a:fld id="{CA954B2F-12DE-47F5-8894-472B206D2E1E}" type="datetimeFigureOut">
               <a:rPr lang="en-US" smtClean="0"/>
-              <a:t>3/20/2018</a:t>
+              <a:t>3/21/2018</a:t>
             </a:fld>
             <a:endParaRPr lang="en-US" dirty="0"/>
           </a:p>
@@ -1864,7 +1868,7 @@
           <a:p>
             <a:fld id="{3F30E46F-7819-4ACF-B48B-48222C2ACC88}" type="datetimeFigureOut">
               <a:rPr lang="en-US" smtClean="0"/>
-              <a:t>3/20/2018</a:t>
+              <a:t>3/21/2018</a:t>
             </a:fld>
             <a:endParaRPr lang="en-US" dirty="0"/>
           </a:p>
@@ -2010,7 +2014,7 @@
           <a:p>
             <a:fld id="{1FAF3416-4057-4DAA-829D-4CA07428D088}" type="datetimeFigureOut">
               <a:rPr lang="en-US" smtClean="0"/>
-              <a:t>3/20/2018</a:t>
+              <a:t>3/21/2018</a:t>
             </a:fld>
             <a:endParaRPr lang="en-US" dirty="0"/>
           </a:p>
@@ -2128,7 +2132,7 @@
           <a:p>
             <a:fld id="{921D9284-D300-4297-87F7-E791DCC15DB1}" type="datetimeFigureOut">
               <a:rPr lang="en-US" smtClean="0"/>
-              <a:t>3/20/2018</a:t>
+              <a:t>3/21/2018</a:t>
             </a:fld>
             <a:endParaRPr lang="en-US" dirty="0"/>
           </a:p>
@@ -2444,7 +2448,7 @@
           <a:p>
             <a:fld id="{37D525BB-DA17-4BA0-B3C8-3AC3ABC827E6}" type="datetimeFigureOut">
               <a:rPr lang="en-US" smtClean="0"/>
-              <a:t>3/20/2018</a:t>
+              <a:t>3/21/2018</a:t>
             </a:fld>
             <a:endParaRPr lang="en-US" dirty="0"/>
           </a:p>
@@ -2737,7 +2741,7 @@
           <a:p>
             <a:fld id="{B16C4C9A-3960-41CF-A4E9-2A8FB932454B}" type="datetimeFigureOut">
               <a:rPr lang="en-US" smtClean="0"/>
-              <a:t>3/20/2018</a:t>
+              <a:t>3/21/2018</a:t>
             </a:fld>
             <a:endParaRPr lang="en-US" dirty="0"/>
           </a:p>
@@ -2983,7 +2987,7 @@
           <a:p>
             <a:fld id="{3CBC1C18-307B-4F68-A007-B5B542270E8D}" type="datetimeFigureOut">
               <a:rPr lang="en-US" smtClean="0"/>
-              <a:t>3/20/2018</a:t>
+              <a:t>3/21/2018</a:t>
             </a:fld>
             <a:endParaRPr lang="en-US" dirty="0"/>
           </a:p>
@@ -5312,55 +5316,25 @@
           </a:p>
         </p:txBody>
       </p:sp>
-      <p:pic>
-        <p:nvPicPr>
-          <p:cNvPr id="3" name="Picture 2">
-            <a:extLst>
-              <a:ext uri="{FF2B5EF4-FFF2-40B4-BE49-F238E27FC236}">
-                <a16:creationId xmlns:a16="http://schemas.microsoft.com/office/drawing/2014/main" id="{C8D0EA52-27B7-4C37-8720-A1862F170EEB}"/>
-              </a:ext>
-            </a:extLst>
-          </p:cNvPr>
-          <p:cNvPicPr>
-            <a:picLocks noChangeAspect="1"/>
-          </p:cNvPicPr>
-          <p:nvPr/>
-        </p:nvPicPr>
-        <p:blipFill>
-          <a:blip r:embed="rId2"/>
-          <a:stretch>
-            <a:fillRect/>
-          </a:stretch>
-        </p:blipFill>
+      <p:sp>
+        <p:nvSpPr>
+          <p:cNvPr id="2" name="Title 1">
+            <a:extLst>
+              <a:ext uri="{FF2B5EF4-FFF2-40B4-BE49-F238E27FC236}">
+                <a16:creationId xmlns:a16="http://schemas.microsoft.com/office/drawing/2014/main" id="{CD6C2030-3FEC-47D7-B39C-8EEE6B7CCC11}"/>
+              </a:ext>
+            </a:extLst>
+          </p:cNvPr>
+          <p:cNvSpPr>
+            <a:spLocks noGrp="1"/>
+          </p:cNvSpPr>
+          <p:nvPr>
+            <p:ph type="title"/>
+          </p:nvPr>
+        </p:nvSpPr>
         <p:spPr>
           <a:xfrm>
-            <a:off x="3066761" y="825909"/>
-            <a:ext cx="9044942" cy="5004619"/>
-          </a:xfrm>
-          <a:prstGeom prst="rect">
-            <a:avLst/>
-          </a:prstGeom>
-        </p:spPr>
-      </p:pic>
-      <p:sp>
-        <p:nvSpPr>
-          <p:cNvPr id="2" name="Title 1">
-            <a:extLst>
-              <a:ext uri="{FF2B5EF4-FFF2-40B4-BE49-F238E27FC236}">
-                <a16:creationId xmlns:a16="http://schemas.microsoft.com/office/drawing/2014/main" id="{CD6C2030-3FEC-47D7-B39C-8EEE6B7CCC11}"/>
-              </a:ext>
-            </a:extLst>
-          </p:cNvPr>
-          <p:cNvSpPr>
-            <a:spLocks noGrp="1"/>
-          </p:cNvSpPr>
-          <p:nvPr>
-            <p:ph type="title"/>
-          </p:nvPr>
-        </p:nvSpPr>
-        <p:spPr>
-          <a:xfrm>
-            <a:off x="640080" y="2074363"/>
+            <a:off x="555239" y="2074362"/>
             <a:ext cx="2752354" cy="2709275"/>
           </a:xfrm>
           <a:prstGeom prst="ellipse">
@@ -5389,7 +5363,7 @@
           <a:p>
             <a:pPr algn="ctr"/>
             <a:r>
-              <a:rPr lang="en-US" sz="2600" kern="1200">
+              <a:rPr lang="en-US" sz="2600" kern="1200" dirty="0">
                 <a:solidFill>
                   <a:schemeClr val="bg1"/>
                 </a:solidFill>
@@ -5400,7 +5374,7 @@
               <a:t>Sequence Diagram</a:t>
             </a:r>
             <a:br>
-              <a:rPr lang="en-US" sz="2600" kern="1200">
+              <a:rPr lang="en-US" sz="2600" kern="1200" dirty="0">
                 <a:solidFill>
                   <a:schemeClr val="bg1"/>
                 </a:solidFill>
@@ -5410,7 +5384,7 @@
               </a:rPr>
             </a:br>
             <a:r>
-              <a:rPr lang="en-US" sz="2600" kern="1200">
+              <a:rPr lang="en-US" sz="2600" kern="1200" dirty="0">
                 <a:solidFill>
                   <a:schemeClr val="bg1"/>
                 </a:solidFill>
@@ -5421,7 +5395,7 @@
               <a:t>___________</a:t>
             </a:r>
             <a:br>
-              <a:rPr lang="en-US" sz="2600" kern="1200">
+              <a:rPr lang="en-US" sz="2600" kern="1200" dirty="0">
                 <a:solidFill>
                   <a:schemeClr val="bg1"/>
                 </a:solidFill>
@@ -5431,7 +5405,7 @@
               </a:rPr>
             </a:br>
             <a:br>
-              <a:rPr lang="en-US" sz="2600" kern="1200">
+              <a:rPr lang="en-US" sz="2600" kern="1200" dirty="0">
                 <a:solidFill>
                   <a:schemeClr val="bg1"/>
                 </a:solidFill>
@@ -5441,7 +5415,7 @@
               </a:rPr>
             </a:br>
             <a:r>
-              <a:rPr lang="en-US" sz="2600" kern="1200">
+              <a:rPr lang="en-US" sz="2600" kern="1200" dirty="0">
                 <a:solidFill>
                   <a:schemeClr val="bg1"/>
                 </a:solidFill>
@@ -5451,17 +5425,39 @@
               </a:rPr>
               <a:t>Event Planner</a:t>
             </a:r>
-            <a:endParaRPr lang="en-US" sz="2600" kern="1200" dirty="0">
-              <a:solidFill>
-                <a:schemeClr val="bg1"/>
-              </a:solidFill>
-              <a:latin typeface="+mj-lt"/>
-              <a:ea typeface="+mj-ea"/>
-              <a:cs typeface="+mj-cs"/>
-            </a:endParaRPr>
-          </a:p>
-        </p:txBody>
-      </p:sp>
+          </a:p>
+        </p:txBody>
+      </p:sp>
+      <p:pic>
+        <p:nvPicPr>
+          <p:cNvPr id="5" name="Picture 4">
+            <a:extLst>
+              <a:ext uri="{FF2B5EF4-FFF2-40B4-BE49-F238E27FC236}">
+                <a16:creationId xmlns:a16="http://schemas.microsoft.com/office/drawing/2014/main" id="{0EABEB5C-6210-4F48-A860-B408EDB39C8F}"/>
+              </a:ext>
+            </a:extLst>
+          </p:cNvPr>
+          <p:cNvPicPr>
+            <a:picLocks noChangeAspect="1"/>
+          </p:cNvPicPr>
+          <p:nvPr/>
+        </p:nvPicPr>
+        <p:blipFill>
+          <a:blip r:embed="rId2"/>
+          <a:stretch>
+            <a:fillRect/>
+          </a:stretch>
+        </p:blipFill>
+        <p:spPr>
+          <a:xfrm>
+            <a:off x="3412502" y="337007"/>
+            <a:ext cx="8713509" cy="6183984"/>
+          </a:xfrm>
+          <a:prstGeom prst="rect">
+            <a:avLst/>
+          </a:prstGeom>
+        </p:spPr>
+      </p:pic>
     </p:spTree>
     <p:extLst>
       <p:ext uri="{BB962C8B-B14F-4D97-AF65-F5344CB8AC3E}">
@@ -5563,36 +5559,6 @@
           </a:p>
         </p:txBody>
       </p:sp>
-      <p:pic>
-        <p:nvPicPr>
-          <p:cNvPr id="3" name="Picture 2">
-            <a:extLst>
-              <a:ext uri="{FF2B5EF4-FFF2-40B4-BE49-F238E27FC236}">
-                <a16:creationId xmlns:a16="http://schemas.microsoft.com/office/drawing/2014/main" id="{0CB41FB1-8A55-42D5-9D76-C9558C44DDD0}"/>
-              </a:ext>
-            </a:extLst>
-          </p:cNvPr>
-          <p:cNvPicPr>
-            <a:picLocks noChangeAspect="1"/>
-          </p:cNvPicPr>
-          <p:nvPr/>
-        </p:nvPicPr>
-        <p:blipFill>
-          <a:blip r:embed="rId2"/>
-          <a:stretch>
-            <a:fillRect/>
-          </a:stretch>
-        </p:blipFill>
-        <p:spPr>
-          <a:xfrm>
-            <a:off x="3118303" y="806246"/>
-            <a:ext cx="9003231" cy="4951775"/>
-          </a:xfrm>
-          <a:prstGeom prst="rect">
-            <a:avLst/>
-          </a:prstGeom>
-        </p:spPr>
-      </p:pic>
       <p:sp>
         <p:nvSpPr>
           <p:cNvPr id="2" name="Title 1">
@@ -5705,6 +5671,36 @@
           </a:p>
         </p:txBody>
       </p:sp>
+      <p:pic>
+        <p:nvPicPr>
+          <p:cNvPr id="5" name="Picture 4">
+            <a:extLst>
+              <a:ext uri="{FF2B5EF4-FFF2-40B4-BE49-F238E27FC236}">
+                <a16:creationId xmlns:a16="http://schemas.microsoft.com/office/drawing/2014/main" id="{3D626689-DFC7-4243-B358-DE44D0AD75EB}"/>
+              </a:ext>
+            </a:extLst>
+          </p:cNvPr>
+          <p:cNvPicPr>
+            <a:picLocks noChangeAspect="1"/>
+          </p:cNvPicPr>
+          <p:nvPr/>
+        </p:nvPicPr>
+        <p:blipFill>
+          <a:blip r:embed="rId2"/>
+          <a:stretch>
+            <a:fillRect/>
+          </a:stretch>
+        </p:blipFill>
+        <p:spPr>
+          <a:xfrm>
+            <a:off x="3563332" y="621634"/>
+            <a:ext cx="8371002" cy="5750886"/>
+          </a:xfrm>
+          <a:prstGeom prst="rect">
+            <a:avLst/>
+          </a:prstGeom>
+        </p:spPr>
+      </p:pic>
     </p:spTree>
     <p:extLst>
       <p:ext uri="{BB962C8B-B14F-4D97-AF65-F5344CB8AC3E}">
@@ -5806,36 +5802,6 @@
           </a:p>
         </p:txBody>
       </p:sp>
-      <p:pic>
-        <p:nvPicPr>
-          <p:cNvPr id="4" name="Picture 3">
-            <a:extLst>
-              <a:ext uri="{FF2B5EF4-FFF2-40B4-BE49-F238E27FC236}">
-                <a16:creationId xmlns:a16="http://schemas.microsoft.com/office/drawing/2014/main" id="{6A34B8A0-A43B-4160-A3EC-BBD6C7CF661C}"/>
-              </a:ext>
-            </a:extLst>
-          </p:cNvPr>
-          <p:cNvPicPr>
-            <a:picLocks noChangeAspect="1"/>
-          </p:cNvPicPr>
-          <p:nvPr/>
-        </p:nvPicPr>
-        <p:blipFill>
-          <a:blip r:embed="rId2"/>
-          <a:stretch>
-            <a:fillRect/>
-          </a:stretch>
-        </p:blipFill>
-        <p:spPr>
-          <a:xfrm>
-            <a:off x="3309565" y="897507"/>
-            <a:ext cx="8882435" cy="5062986"/>
-          </a:xfrm>
-          <a:prstGeom prst="rect">
-            <a:avLst/>
-          </a:prstGeom>
-        </p:spPr>
-      </p:pic>
       <p:sp>
         <p:nvSpPr>
           <p:cNvPr id="2" name="Title 1">
@@ -5948,6 +5914,36 @@
           </a:p>
         </p:txBody>
       </p:sp>
+      <p:pic>
+        <p:nvPicPr>
+          <p:cNvPr id="5" name="Picture 4">
+            <a:extLst>
+              <a:ext uri="{FF2B5EF4-FFF2-40B4-BE49-F238E27FC236}">
+                <a16:creationId xmlns:a16="http://schemas.microsoft.com/office/drawing/2014/main" id="{176212FE-C4EA-4F7E-9277-F6C89C7E8469}"/>
+              </a:ext>
+            </a:extLst>
+          </p:cNvPr>
+          <p:cNvPicPr>
+            <a:picLocks noChangeAspect="1"/>
+          </p:cNvPicPr>
+          <p:nvPr/>
+        </p:nvPicPr>
+        <p:blipFill>
+          <a:blip r:embed="rId2"/>
+          <a:stretch>
+            <a:fillRect/>
+          </a:stretch>
+        </p:blipFill>
+        <p:spPr>
+          <a:xfrm>
+            <a:off x="3506772" y="612742"/>
+            <a:ext cx="8555364" cy="5524107"/>
+          </a:xfrm>
+          <a:prstGeom prst="rect">
+            <a:avLst/>
+          </a:prstGeom>
+        </p:spPr>
+      </p:pic>
     </p:spTree>
     <p:extLst>
       <p:ext uri="{BB962C8B-B14F-4D97-AF65-F5344CB8AC3E}">
@@ -5986,38 +5982,6 @@
           <a:chExt cx="0" cy="0"/>
         </a:xfrm>
       </p:grpSpPr>
-      <p:pic>
-        <p:nvPicPr>
-          <p:cNvPr id="31" name="Content Placeholder 11">
-            <a:extLst>
-              <a:ext uri="{FF2B5EF4-FFF2-40B4-BE49-F238E27FC236}">
-                <a16:creationId xmlns:a16="http://schemas.microsoft.com/office/drawing/2014/main" id="{8F9292E1-73BC-4CFA-91CC-B5F06E56E5AA}"/>
-              </a:ext>
-            </a:extLst>
-          </p:cNvPr>
-          <p:cNvPicPr>
-            <a:picLocks noGrp="1" noChangeAspect="1"/>
-          </p:cNvPicPr>
-          <p:nvPr>
-            <p:ph idx="1"/>
-          </p:nvPr>
-        </p:nvPicPr>
-        <p:blipFill>
-          <a:blip r:embed="rId2"/>
-          <a:stretch>
-            <a:fillRect/>
-          </a:stretch>
-        </p:blipFill>
-        <p:spPr>
-          <a:xfrm>
-            <a:off x="5053710" y="419101"/>
-            <a:ext cx="6653658" cy="5938390"/>
-          </a:xfrm>
-          <a:prstGeom prst="rect">
-            <a:avLst/>
-          </a:prstGeom>
-        </p:spPr>
-      </p:pic>
       <p:sp>
         <p:nvSpPr>
           <p:cNvPr id="34" name="Rectangle 33">
@@ -6180,6 +6144,35 @@
           </a:p>
         </p:txBody>
       </p:sp>
+      <p:pic>
+        <p:nvPicPr>
+          <p:cNvPr id="6" name="Content Placeholder 5">
+            <a:extLst>
+              <a:ext uri="{FF2B5EF4-FFF2-40B4-BE49-F238E27FC236}">
+                <a16:creationId xmlns:a16="http://schemas.microsoft.com/office/drawing/2014/main" id="{6A96AA2D-B3F3-4691-A48D-C1CBE4328AAE}"/>
+              </a:ext>
+            </a:extLst>
+          </p:cNvPr>
+          <p:cNvPicPr>
+            <a:picLocks noGrp="1" noChangeAspect="1"/>
+          </p:cNvPicPr>
+          <p:nvPr>
+            <p:ph idx="1"/>
+          </p:nvPr>
+        </p:nvPicPr>
+        <p:blipFill>
+          <a:blip r:embed="rId2"/>
+          <a:stretch>
+            <a:fillRect/>
+          </a:stretch>
+        </p:blipFill>
+        <p:spPr>
+          <a:xfrm>
+            <a:off x="4811015" y="0"/>
+            <a:ext cx="7380985" cy="6693031"/>
+          </a:xfrm>
+        </p:spPr>
+      </p:pic>
     </p:spTree>
     <p:extLst>
       <p:ext uri="{BB962C8B-B14F-4D97-AF65-F5344CB8AC3E}">
